--- a/LinkedList.pptx
+++ b/LinkedList.pptx
@@ -11,8 +11,8 @@
     <p:handoutMasterId r:id="rId7"/>
   </p:handoutMasterIdLst>
   <p:sldIdLst>
-    <p:sldId id="271" r:id="rId2"/>
-    <p:sldId id="274" r:id="rId3"/>
+    <p:sldId id="274" r:id="rId2"/>
+    <p:sldId id="276" r:id="rId3"/>
     <p:sldId id="273" r:id="rId4"/>
     <p:sldId id="275" r:id="rId5"/>
   </p:sldIdLst>
@@ -3684,10 +3684,7 @@
           <a:lstStyle/>
           <a:p>
             <a:r>
-              <a:rPr kumimoji="0" lang="de-DE" sz="4000" b="1" i="0" u="none" strike="noStrike" kern="1200" cap="none" spc="0" normalizeH="0" baseline="0" noProof="0" dirty="0">
-                <a:ln>
-                  <a:noFill/>
-                </a:ln>
+              <a:rPr lang="de-DE" sz="4000" b="1" dirty="0" err="1">
                 <a:solidFill>
                   <a:prstClr val="white"/>
                 </a:solidFill>
@@ -3698,13 +3695,27 @@
                     </a:srgbClr>
                   </a:outerShdw>
                 </a:effectLst>
-                <a:uLnTx/>
-                <a:uFillTx/>
                 <a:latin typeface="Arial" pitchFamily="34" charset="0"/>
-                <a:ea typeface="+mj-ea"/>
                 <a:cs typeface="Arial" pitchFamily="34" charset="0"/>
               </a:rPr>
-              <a:t>Linked List</a:t>
+              <a:t>Linked</a:t>
+            </a:r>
+            <a:r>
+              <a:rPr lang="de-DE" sz="4000" b="1" dirty="0">
+                <a:solidFill>
+                  <a:prstClr val="white"/>
+                </a:solidFill>
+                <a:effectLst>
+                  <a:outerShdw blurRad="38100" dist="38100" dir="2700000" algn="tl">
+                    <a:srgbClr val="000000">
+                      <a:alpha val="43137"/>
+                    </a:srgbClr>
+                  </a:outerShdw>
+                </a:effectLst>
+                <a:latin typeface="Arial" pitchFamily="34" charset="0"/>
+                <a:cs typeface="Arial" pitchFamily="34" charset="0"/>
+              </a:rPr>
+              <a:t> List</a:t>
             </a:r>
             <a:endParaRPr lang="de-AT" sz="4000" dirty="0"/>
           </a:p>
@@ -3775,51 +3786,7 @@
           <a:lstStyle/>
           <a:p>
             <a:pPr algn="ctr"/>
-            <a:endParaRPr lang="de-AT"/>
-          </a:p>
-        </p:txBody>
-      </p:sp>
-      <p:sp>
-        <p:nvSpPr>
-          <p:cNvPr id="9" name="Rechteck 8">
-            <a:extLst>
-              <a:ext uri="{FF2B5EF4-FFF2-40B4-BE49-F238E27FC236}">
-                <a16:creationId xmlns:a16="http://schemas.microsoft.com/office/drawing/2014/main" id="{20957E19-C033-43F2-91C1-8FA82FCACEA3}"/>
-              </a:ext>
-            </a:extLst>
-          </p:cNvPr>
-          <p:cNvSpPr/>
-          <p:nvPr/>
-        </p:nvSpPr>
-        <p:spPr>
-          <a:xfrm>
-            <a:off x="1494526" y="2001838"/>
-            <a:ext cx="1759789" cy="1655762"/>
-          </a:xfrm>
-          <a:prstGeom prst="rect">
-            <a:avLst/>
-          </a:prstGeom>
-        </p:spPr>
-        <p:style>
-          <a:lnRef idx="2">
-            <a:schemeClr val="accent6"/>
-          </a:lnRef>
-          <a:fillRef idx="1">
-            <a:schemeClr val="lt1"/>
-          </a:fillRef>
-          <a:effectRef idx="0">
-            <a:schemeClr val="accent6"/>
-          </a:effectRef>
-          <a:fontRef idx="minor">
-            <a:schemeClr val="dk1"/>
-          </a:fontRef>
-        </p:style>
-        <p:txBody>
-          <a:bodyPr rtlCol="0" anchor="ctr"/>
-          <a:lstStyle/>
-          <a:p>
-            <a:pPr algn="ctr"/>
-            <a:endParaRPr lang="de-AT"/>
+            <a:endParaRPr lang="de-AT" dirty="0"/>
           </a:p>
         </p:txBody>
       </p:sp>
@@ -3833,8 +3800,7 @@
             </a:extLst>
           </p:cNvPr>
           <p:cNvCxnSpPr>
-            <a:stCxn id="9" idx="1"/>
-            <a:endCxn id="9" idx="1"/>
+            <a:cxnSpLocks/>
           </p:cNvCxnSpPr>
           <p:nvPr/>
         </p:nvCxnSpPr>
@@ -3900,215 +3866,40 @@
           </a:fontRef>
         </p:style>
       </p:cxnSp>
-      <p:cxnSp>
-        <p:nvCxnSpPr>
-          <p:cNvPr id="15" name="Gerader Verbinder 14">
+      <p:pic>
+        <p:nvPicPr>
+          <p:cNvPr id="12" name="Grafik 11">
             <a:extLst>
               <a:ext uri="{FF2B5EF4-FFF2-40B4-BE49-F238E27FC236}">
-                <a16:creationId xmlns:a16="http://schemas.microsoft.com/office/drawing/2014/main" id="{49CA7B87-C5C0-41FA-96F2-7277D2BCAB68}"/>
+                <a16:creationId xmlns:a16="http://schemas.microsoft.com/office/drawing/2014/main" id="{0EDBE2F5-E88E-45C4-BD3C-7FA9471ED3FA}"/>
               </a:ext>
             </a:extLst>
           </p:cNvPr>
-          <p:cNvCxnSpPr>
-            <a:cxnSpLocks/>
-            <a:stCxn id="9" idx="1"/>
-          </p:cNvCxnSpPr>
+          <p:cNvPicPr>
+            <a:picLocks noChangeAspect="1"/>
+          </p:cNvPicPr>
           <p:nvPr/>
-        </p:nvCxnSpPr>
-        <p:spPr>
-          <a:xfrm flipV="1">
-            <a:off x="1494526" y="2829464"/>
-            <a:ext cx="1809391" cy="255"/>
-          </a:xfrm>
-          <a:prstGeom prst="line">
-            <a:avLst/>
-          </a:prstGeom>
-        </p:spPr>
-        <p:style>
-          <a:lnRef idx="1">
-            <a:schemeClr val="accent4"/>
-          </a:lnRef>
-          <a:fillRef idx="0">
-            <a:schemeClr val="accent4"/>
-          </a:fillRef>
-          <a:effectRef idx="0">
-            <a:schemeClr val="accent4"/>
-          </a:effectRef>
-          <a:fontRef idx="minor">
-            <a:schemeClr val="tx1"/>
-          </a:fontRef>
-        </p:style>
-      </p:cxnSp>
-      <p:sp>
-        <p:nvSpPr>
-          <p:cNvPr id="16" name="Rechteck 15">
-            <a:extLst>
-              <a:ext uri="{FF2B5EF4-FFF2-40B4-BE49-F238E27FC236}">
-                <a16:creationId xmlns:a16="http://schemas.microsoft.com/office/drawing/2014/main" id="{F1CB06B5-AF9B-48FC-A31D-E9DCE3EF227E}"/>
-              </a:ext>
-            </a:extLst>
-          </p:cNvPr>
-          <p:cNvSpPr/>
-          <p:nvPr/>
-        </p:nvSpPr>
+        </p:nvPicPr>
+        <p:blipFill>
+          <a:blip r:embed="rId2"/>
+          <a:stretch>
+            <a:fillRect/>
+          </a:stretch>
+        </p:blipFill>
         <p:spPr>
           <a:xfrm>
-            <a:off x="3605841" y="2001583"/>
-            <a:ext cx="1759789" cy="1655762"/>
+            <a:off x="571500" y="1600200"/>
+            <a:ext cx="8001000" cy="2112586"/>
           </a:xfrm>
           <a:prstGeom prst="rect">
             <a:avLst/>
           </a:prstGeom>
         </p:spPr>
-        <p:style>
-          <a:lnRef idx="2">
-            <a:schemeClr val="accent6"/>
-          </a:lnRef>
-          <a:fillRef idx="1">
-            <a:schemeClr val="lt1"/>
-          </a:fillRef>
-          <a:effectRef idx="0">
-            <a:schemeClr val="accent6"/>
-          </a:effectRef>
-          <a:fontRef idx="minor">
-            <a:schemeClr val="dk1"/>
-          </a:fontRef>
-        </p:style>
-        <p:txBody>
-          <a:bodyPr rtlCol="0" anchor="ctr"/>
-          <a:lstStyle/>
-          <a:p>
-            <a:pPr algn="ctr"/>
-            <a:endParaRPr lang="de-AT"/>
-          </a:p>
-        </p:txBody>
-      </p:sp>
-      <p:cxnSp>
-        <p:nvCxnSpPr>
-          <p:cNvPr id="17" name="Gerader Verbinder 16">
-            <a:extLst>
-              <a:ext uri="{FF2B5EF4-FFF2-40B4-BE49-F238E27FC236}">
-                <a16:creationId xmlns:a16="http://schemas.microsoft.com/office/drawing/2014/main" id="{5E879576-0CFD-4A10-9A33-0E2BEAE01E11}"/>
-              </a:ext>
-            </a:extLst>
-          </p:cNvPr>
-          <p:cNvCxnSpPr>
-            <a:cxnSpLocks/>
-            <a:stCxn id="16" idx="1"/>
-          </p:cNvCxnSpPr>
-          <p:nvPr/>
-        </p:nvCxnSpPr>
-        <p:spPr>
-          <a:xfrm flipV="1">
-            <a:off x="3605841" y="2829209"/>
-            <a:ext cx="1809391" cy="255"/>
-          </a:xfrm>
-          <a:prstGeom prst="line">
-            <a:avLst/>
-          </a:prstGeom>
-        </p:spPr>
-        <p:style>
-          <a:lnRef idx="1">
-            <a:schemeClr val="accent4"/>
-          </a:lnRef>
-          <a:fillRef idx="0">
-            <a:schemeClr val="accent4"/>
-          </a:fillRef>
-          <a:effectRef idx="0">
-            <a:schemeClr val="accent4"/>
-          </a:effectRef>
-          <a:fontRef idx="minor">
-            <a:schemeClr val="tx1"/>
-          </a:fontRef>
-        </p:style>
-      </p:cxnSp>
-      <p:sp>
-        <p:nvSpPr>
-          <p:cNvPr id="18" name="Rechteck 17">
-            <a:extLst>
-              <a:ext uri="{FF2B5EF4-FFF2-40B4-BE49-F238E27FC236}">
-                <a16:creationId xmlns:a16="http://schemas.microsoft.com/office/drawing/2014/main" id="{B93DB22E-40B9-4A37-BF7D-0C362485E534}"/>
-              </a:ext>
-            </a:extLst>
-          </p:cNvPr>
-          <p:cNvSpPr/>
-          <p:nvPr/>
-        </p:nvSpPr>
-        <p:spPr>
-          <a:xfrm>
-            <a:off x="5628735" y="2001583"/>
-            <a:ext cx="1759789" cy="1655762"/>
-          </a:xfrm>
-          <a:prstGeom prst="rect">
-            <a:avLst/>
-          </a:prstGeom>
-        </p:spPr>
-        <p:style>
-          <a:lnRef idx="2">
-            <a:schemeClr val="accent6"/>
-          </a:lnRef>
-          <a:fillRef idx="1">
-            <a:schemeClr val="lt1"/>
-          </a:fillRef>
-          <a:effectRef idx="0">
-            <a:schemeClr val="accent6"/>
-          </a:effectRef>
-          <a:fontRef idx="minor">
-            <a:schemeClr val="dk1"/>
-          </a:fontRef>
-        </p:style>
-        <p:txBody>
-          <a:bodyPr rtlCol="0" anchor="ctr"/>
-          <a:lstStyle/>
-          <a:p>
-            <a:pPr algn="ctr"/>
-            <a:endParaRPr lang="de-AT"/>
-          </a:p>
-        </p:txBody>
-      </p:sp>
-      <p:cxnSp>
-        <p:nvCxnSpPr>
-          <p:cNvPr id="19" name="Gerader Verbinder 18">
-            <a:extLst>
-              <a:ext uri="{FF2B5EF4-FFF2-40B4-BE49-F238E27FC236}">
-                <a16:creationId xmlns:a16="http://schemas.microsoft.com/office/drawing/2014/main" id="{79B88938-36A0-4ABD-B446-6E198A2DDDA3}"/>
-              </a:ext>
-            </a:extLst>
-          </p:cNvPr>
-          <p:cNvCxnSpPr>
-            <a:cxnSpLocks/>
-            <a:stCxn id="18" idx="1"/>
-          </p:cNvCxnSpPr>
-          <p:nvPr/>
-        </p:nvCxnSpPr>
-        <p:spPr>
-          <a:xfrm flipV="1">
-            <a:off x="5628735" y="2829209"/>
-            <a:ext cx="1809391" cy="255"/>
-          </a:xfrm>
-          <a:prstGeom prst="line">
-            <a:avLst/>
-          </a:prstGeom>
-        </p:spPr>
-        <p:style>
-          <a:lnRef idx="1">
-            <a:schemeClr val="accent4"/>
-          </a:lnRef>
-          <a:fillRef idx="0">
-            <a:schemeClr val="accent4"/>
-          </a:fillRef>
-          <a:effectRef idx="0">
-            <a:schemeClr val="accent4"/>
-          </a:effectRef>
-          <a:fontRef idx="minor">
-            <a:schemeClr val="tx1"/>
-          </a:fontRef>
-        </p:style>
-      </p:cxnSp>
+      </p:pic>
     </p:spTree>
     <p:extLst>
       <p:ext uri="{BB962C8B-B14F-4D97-AF65-F5344CB8AC3E}">
-        <p14:creationId xmlns:p14="http://schemas.microsoft.com/office/powerpoint/2010/main" val="843044773"/>
+        <p14:creationId xmlns:p14="http://schemas.microsoft.com/office/powerpoint/2010/main" val="4148433283"/>
       </p:ext>
     </p:extLst>
   </p:cSld>
@@ -4548,7 +4339,7 @@
     </p:spTree>
     <p:extLst>
       <p:ext uri="{BB962C8B-B14F-4D97-AF65-F5344CB8AC3E}">
-        <p14:creationId xmlns:p14="http://schemas.microsoft.com/office/powerpoint/2010/main" val="4148433283"/>
+        <p14:creationId xmlns:p14="http://schemas.microsoft.com/office/powerpoint/2010/main" val="1769521590"/>
       </p:ext>
     </p:extLst>
   </p:cSld>

--- a/LinkedList.pptx
+++ b/LinkedList.pptx
@@ -5,16 +5,18 @@
     <p:sldMasterId id="2147483660" r:id="rId1"/>
   </p:sldMasterIdLst>
   <p:notesMasterIdLst>
-    <p:notesMasterId r:id="rId6"/>
+    <p:notesMasterId r:id="rId8"/>
   </p:notesMasterIdLst>
   <p:handoutMasterIdLst>
-    <p:handoutMasterId r:id="rId7"/>
+    <p:handoutMasterId r:id="rId9"/>
   </p:handoutMasterIdLst>
   <p:sldIdLst>
-    <p:sldId id="274" r:id="rId2"/>
-    <p:sldId id="276" r:id="rId3"/>
-    <p:sldId id="273" r:id="rId4"/>
-    <p:sldId id="275" r:id="rId5"/>
+    <p:sldId id="278" r:id="rId2"/>
+    <p:sldId id="279" r:id="rId3"/>
+    <p:sldId id="280" r:id="rId4"/>
+    <p:sldId id="276" r:id="rId5"/>
+    <p:sldId id="273" r:id="rId6"/>
+    <p:sldId id="275" r:id="rId7"/>
   </p:sldIdLst>
   <p:sldSz cx="9144000" cy="6858000" type="screen4x3"/>
   <p:notesSz cx="6858000" cy="9144000"/>
@@ -3651,7 +3653,7 @@
           <a:lstStyle/>
           <a:p>
             <a:pPr algn="ctr"/>
-            <a:endParaRPr lang="de-AT"/>
+            <a:endParaRPr lang="de-AT" dirty="0"/>
           </a:p>
         </p:txBody>
       </p:sp>
@@ -3683,6 +3685,74 @@
           </a:bodyPr>
           <a:lstStyle/>
           <a:p>
+            <a:r>
+              <a:rPr lang="de-DE" sz="4000" b="1" dirty="0" err="1">
+                <a:solidFill>
+                  <a:prstClr val="white"/>
+                </a:solidFill>
+                <a:effectLst>
+                  <a:outerShdw blurRad="38100" dist="38100" dir="2700000" algn="tl">
+                    <a:srgbClr val="000000">
+                      <a:alpha val="43137"/>
+                    </a:srgbClr>
+                  </a:outerShdw>
+                </a:effectLst>
+                <a:latin typeface="Arial" pitchFamily="34" charset="0"/>
+                <a:cs typeface="Arial" pitchFamily="34" charset="0"/>
+              </a:rPr>
+              <a:t>What</a:t>
+            </a:r>
+            <a:r>
+              <a:rPr lang="de-DE" sz="4000" b="1" dirty="0">
+                <a:solidFill>
+                  <a:prstClr val="white"/>
+                </a:solidFill>
+                <a:effectLst>
+                  <a:outerShdw blurRad="38100" dist="38100" dir="2700000" algn="tl">
+                    <a:srgbClr val="000000">
+                      <a:alpha val="43137"/>
+                    </a:srgbClr>
+                  </a:outerShdw>
+                </a:effectLst>
+                <a:latin typeface="Arial" pitchFamily="34" charset="0"/>
+                <a:cs typeface="Arial" pitchFamily="34" charset="0"/>
+              </a:rPr>
+              <a:t> </a:t>
+            </a:r>
+            <a:r>
+              <a:rPr lang="de-DE" sz="4000" b="1" dirty="0" err="1">
+                <a:solidFill>
+                  <a:prstClr val="white"/>
+                </a:solidFill>
+                <a:effectLst>
+                  <a:outerShdw blurRad="38100" dist="38100" dir="2700000" algn="tl">
+                    <a:srgbClr val="000000">
+                      <a:alpha val="43137"/>
+                    </a:srgbClr>
+                  </a:outerShdw>
+                </a:effectLst>
+                <a:latin typeface="Arial" pitchFamily="34" charset="0"/>
+                <a:cs typeface="Arial" pitchFamily="34" charset="0"/>
+              </a:rPr>
+              <a:t>are</a:t>
+            </a:r>
+            <a:r>
+              <a:rPr lang="de-DE" sz="4000" b="1" dirty="0">
+                <a:solidFill>
+                  <a:prstClr val="white"/>
+                </a:solidFill>
+                <a:effectLst>
+                  <a:outerShdw blurRad="38100" dist="38100" dir="2700000" algn="tl">
+                    <a:srgbClr val="000000">
+                      <a:alpha val="43137"/>
+                    </a:srgbClr>
+                  </a:outerShdw>
+                </a:effectLst>
+                <a:latin typeface="Arial" pitchFamily="34" charset="0"/>
+                <a:cs typeface="Arial" pitchFamily="34" charset="0"/>
+              </a:rPr>
+              <a:t> </a:t>
+            </a:r>
             <a:r>
               <a:rPr lang="de-DE" sz="4000" b="1" dirty="0" err="1">
                 <a:solidFill>
@@ -3715,7 +3785,7 @@
                 <a:latin typeface="Arial" pitchFamily="34" charset="0"/>
                 <a:cs typeface="Arial" pitchFamily="34" charset="0"/>
               </a:rPr>
-              <a:t> List</a:t>
+              <a:t> List?</a:t>
             </a:r>
             <a:endParaRPr lang="de-AT" sz="4000" dirty="0"/>
           </a:p>
@@ -3866,40 +3936,90 @@
           </a:fontRef>
         </p:style>
       </p:cxnSp>
-      <p:pic>
-        <p:nvPicPr>
-          <p:cNvPr id="12" name="Grafik 11">
+      <p:sp>
+        <p:nvSpPr>
+          <p:cNvPr id="4" name="Textfeld 3">
             <a:extLst>
               <a:ext uri="{FF2B5EF4-FFF2-40B4-BE49-F238E27FC236}">
-                <a16:creationId xmlns:a16="http://schemas.microsoft.com/office/drawing/2014/main" id="{0EDBE2F5-E88E-45C4-BD3C-7FA9471ED3FA}"/>
+                <a16:creationId xmlns:a16="http://schemas.microsoft.com/office/drawing/2014/main" id="{97328F94-A23C-4574-9BFF-F88BA9D0BB28}"/>
               </a:ext>
             </a:extLst>
           </p:cNvPr>
-          <p:cNvPicPr>
-            <a:picLocks noChangeAspect="1"/>
-          </p:cNvPicPr>
+          <p:cNvSpPr txBox="1"/>
           <p:nvPr/>
-        </p:nvPicPr>
-        <p:blipFill>
-          <a:blip r:embed="rId2"/>
-          <a:stretch>
-            <a:fillRect/>
-          </a:stretch>
-        </p:blipFill>
-        <p:spPr>
-          <a:xfrm>
-            <a:off x="571500" y="1600200"/>
-            <a:ext cx="8001000" cy="2112586"/>
+        </p:nvSpPr>
+        <p:spPr>
+          <a:xfrm>
+            <a:off x="759124" y="1635215"/>
+            <a:ext cx="8210191" cy="2585323"/>
           </a:xfrm>
           <a:prstGeom prst="rect">
             <a:avLst/>
           </a:prstGeom>
-        </p:spPr>
-      </p:pic>
+          <a:noFill/>
+        </p:spPr>
+        <p:txBody>
+          <a:bodyPr wrap="square" rtlCol="0">
+            <a:spAutoFit/>
+          </a:bodyPr>
+          <a:lstStyle/>
+          <a:p>
+            <a:r>
+              <a:rPr lang="en-US" sz="3400" b="1" dirty="0">
+                <a:solidFill>
+                  <a:schemeClr val="accent4">
+                    <a:lumMod val="75000"/>
+                  </a:schemeClr>
+                </a:solidFill>
+                <a:effectLst/>
+                <a:latin typeface="Franklin Gothic Book" panose="020B0503020102020204" pitchFamily="34" charset="0"/>
+              </a:rPr>
+              <a:t>Linked List </a:t>
+            </a:r>
+            <a:r>
+              <a:rPr lang="en-US" sz="3200" b="0" dirty="0">
+                <a:effectLst/>
+                <a:latin typeface="Franklin Gothic Book" panose="020B0503020102020204" pitchFamily="34" charset="0"/>
+              </a:rPr>
+              <a:t>are a </a:t>
+            </a:r>
+            <a:r>
+              <a:rPr lang="en-US" sz="3200" dirty="0">
+                <a:latin typeface="Franklin Gothic Book" panose="020B0503020102020204" pitchFamily="34" charset="0"/>
+              </a:rPr>
+              <a:t>g</a:t>
+            </a:r>
+            <a:r>
+              <a:rPr lang="en-US" sz="3200" b="0" dirty="0">
+                <a:effectLst/>
+                <a:latin typeface="Franklin Gothic Book" panose="020B0503020102020204" pitchFamily="34" charset="0"/>
+              </a:rPr>
+              <a:t>roup of nodes which contains data and the address of pointer.</a:t>
+            </a:r>
+          </a:p>
+          <a:p>
+            <a:br>
+              <a:rPr lang="en-US" sz="3200" b="0" dirty="0">
+                <a:effectLst/>
+                <a:latin typeface="Franklin Gothic Book" panose="020B0503020102020204" pitchFamily="34" charset="0"/>
+              </a:rPr>
+            </a:br>
+            <a:endParaRPr lang="en-US" sz="3200" b="0" dirty="0">
+              <a:effectLst/>
+              <a:latin typeface="Franklin Gothic Book" panose="020B0503020102020204" pitchFamily="34" charset="0"/>
+            </a:endParaRPr>
+          </a:p>
+          <a:p>
+            <a:endParaRPr lang="de-AT" sz="3200" dirty="0">
+              <a:latin typeface="Franklin Gothic Book" panose="020B0503020102020204" pitchFamily="34" charset="0"/>
+            </a:endParaRPr>
+          </a:p>
+        </p:txBody>
+      </p:sp>
     </p:spTree>
     <p:extLst>
       <p:ext uri="{BB962C8B-B14F-4D97-AF65-F5344CB8AC3E}">
-        <p14:creationId xmlns:p14="http://schemas.microsoft.com/office/powerpoint/2010/main" val="4148433283"/>
+        <p14:creationId xmlns:p14="http://schemas.microsoft.com/office/powerpoint/2010/main" val="1085978758"/>
       </p:ext>
     </p:extLst>
   </p:cSld>
@@ -3968,7 +4088,7 @@
           <a:lstStyle/>
           <a:p>
             <a:pPr algn="ctr"/>
-            <a:endParaRPr lang="de-AT"/>
+            <a:endParaRPr lang="de-AT" dirty="0"/>
           </a:p>
         </p:txBody>
       </p:sp>
@@ -4015,7 +4135,7 @@
                 <a:latin typeface="Arial" pitchFamily="34" charset="0"/>
                 <a:cs typeface="Arial" pitchFamily="34" charset="0"/>
               </a:rPr>
-              <a:t>Why</a:t>
+              <a:t>What</a:t>
             </a:r>
             <a:r>
               <a:rPr lang="de-DE" sz="4000" b="1" dirty="0">
@@ -4049,7 +4169,7 @@
                 <a:latin typeface="Arial" pitchFamily="34" charset="0"/>
                 <a:cs typeface="Arial" pitchFamily="34" charset="0"/>
               </a:rPr>
-              <a:t>use</a:t>
+              <a:t>are</a:t>
             </a:r>
             <a:r>
               <a:rPr lang="de-DE" sz="4000" b="1" dirty="0">
@@ -4100,92 +4220,7 @@
                 <a:latin typeface="Arial" pitchFamily="34" charset="0"/>
                 <a:cs typeface="Arial" pitchFamily="34" charset="0"/>
               </a:rPr>
-              <a:t> </a:t>
-            </a:r>
-            <a:r>
-              <a:rPr lang="de-DE" sz="4000" b="1" dirty="0" err="1">
-                <a:solidFill>
-                  <a:prstClr val="white"/>
-                </a:solidFill>
-                <a:effectLst>
-                  <a:outerShdw blurRad="38100" dist="38100" dir="2700000" algn="tl">
-                    <a:srgbClr val="000000">
-                      <a:alpha val="43137"/>
-                    </a:srgbClr>
-                  </a:outerShdw>
-                </a:effectLst>
-                <a:latin typeface="Arial" pitchFamily="34" charset="0"/>
-                <a:cs typeface="Arial" pitchFamily="34" charset="0"/>
-              </a:rPr>
-              <a:t>list</a:t>
-            </a:r>
-            <a:r>
-              <a:rPr lang="de-DE" sz="4000" b="1" dirty="0">
-                <a:solidFill>
-                  <a:prstClr val="white"/>
-                </a:solidFill>
-                <a:effectLst>
-                  <a:outerShdw blurRad="38100" dist="38100" dir="2700000" algn="tl">
-                    <a:srgbClr val="000000">
-                      <a:alpha val="43137"/>
-                    </a:srgbClr>
-                  </a:outerShdw>
-                </a:effectLst>
-                <a:latin typeface="Arial" pitchFamily="34" charset="0"/>
-                <a:cs typeface="Arial" pitchFamily="34" charset="0"/>
-              </a:rPr>
-              <a:t> </a:t>
-            </a:r>
-            <a:r>
-              <a:rPr lang="de-DE" sz="4000" b="1" dirty="0" err="1">
-                <a:solidFill>
-                  <a:prstClr val="white"/>
-                </a:solidFill>
-                <a:effectLst>
-                  <a:outerShdw blurRad="38100" dist="38100" dir="2700000" algn="tl">
-                    <a:srgbClr val="000000">
-                      <a:alpha val="43137"/>
-                    </a:srgbClr>
-                  </a:outerShdw>
-                </a:effectLst>
-                <a:latin typeface="Arial" pitchFamily="34" charset="0"/>
-                <a:cs typeface="Arial" pitchFamily="34" charset="0"/>
-              </a:rPr>
-              <a:t>over</a:t>
-            </a:r>
-            <a:r>
-              <a:rPr lang="de-DE" sz="4000" b="1" dirty="0">
-                <a:solidFill>
-                  <a:prstClr val="white"/>
-                </a:solidFill>
-                <a:effectLst>
-                  <a:outerShdw blurRad="38100" dist="38100" dir="2700000" algn="tl">
-                    <a:srgbClr val="000000">
-                      <a:alpha val="43137"/>
-                    </a:srgbClr>
-                  </a:outerShdw>
-                </a:effectLst>
-                <a:latin typeface="Arial" pitchFamily="34" charset="0"/>
-                <a:cs typeface="Arial" pitchFamily="34" charset="0"/>
-              </a:rPr>
-              <a:t> </a:t>
-            </a:r>
-            <a:r>
-              <a:rPr lang="de-DE" sz="4000" b="1" dirty="0" err="1">
-                <a:solidFill>
-                  <a:prstClr val="white"/>
-                </a:solidFill>
-                <a:effectLst>
-                  <a:outerShdw blurRad="38100" dist="38100" dir="2700000" algn="tl">
-                    <a:srgbClr val="000000">
-                      <a:alpha val="43137"/>
-                    </a:srgbClr>
-                  </a:outerShdw>
-                </a:effectLst>
-                <a:latin typeface="Arial" pitchFamily="34" charset="0"/>
-                <a:cs typeface="Arial" pitchFamily="34" charset="0"/>
-              </a:rPr>
-              <a:t>array</a:t>
+              <a:t> List?</a:t>
             </a:r>
             <a:endParaRPr lang="de-AT" sz="4000" dirty="0"/>
           </a:p>
@@ -4336,10 +4371,120 @@
           </a:fontRef>
         </p:style>
       </p:cxnSp>
+      <p:sp>
+        <p:nvSpPr>
+          <p:cNvPr id="4" name="Textfeld 3">
+            <a:extLst>
+              <a:ext uri="{FF2B5EF4-FFF2-40B4-BE49-F238E27FC236}">
+                <a16:creationId xmlns:a16="http://schemas.microsoft.com/office/drawing/2014/main" id="{97328F94-A23C-4574-9BFF-F88BA9D0BB28}"/>
+              </a:ext>
+            </a:extLst>
+          </p:cNvPr>
+          <p:cNvSpPr txBox="1"/>
+          <p:nvPr/>
+        </p:nvSpPr>
+        <p:spPr>
+          <a:xfrm>
+            <a:off x="759124" y="1635215"/>
+            <a:ext cx="8210191" cy="2585323"/>
+          </a:xfrm>
+          <a:prstGeom prst="rect">
+            <a:avLst/>
+          </a:prstGeom>
+          <a:noFill/>
+        </p:spPr>
+        <p:txBody>
+          <a:bodyPr wrap="square" rtlCol="0">
+            <a:spAutoFit/>
+          </a:bodyPr>
+          <a:lstStyle/>
+          <a:p>
+            <a:r>
+              <a:rPr lang="en-US" sz="3400" b="1" dirty="0">
+                <a:solidFill>
+                  <a:schemeClr val="accent4">
+                    <a:lumMod val="75000"/>
+                  </a:schemeClr>
+                </a:solidFill>
+                <a:effectLst/>
+                <a:latin typeface="Franklin Gothic Book" panose="020B0503020102020204" pitchFamily="34" charset="0"/>
+              </a:rPr>
+              <a:t>Linked List </a:t>
+            </a:r>
+            <a:r>
+              <a:rPr lang="en-US" sz="3200" b="0" dirty="0">
+                <a:effectLst/>
+                <a:latin typeface="Franklin Gothic Book" panose="020B0503020102020204" pitchFamily="34" charset="0"/>
+              </a:rPr>
+              <a:t>are a </a:t>
+            </a:r>
+            <a:r>
+              <a:rPr lang="en-US" sz="3200" dirty="0">
+                <a:latin typeface="Franklin Gothic Book" panose="020B0503020102020204" pitchFamily="34" charset="0"/>
+              </a:rPr>
+              <a:t>g</a:t>
+            </a:r>
+            <a:r>
+              <a:rPr lang="en-US" sz="3200" b="0" dirty="0">
+                <a:effectLst/>
+                <a:latin typeface="Franklin Gothic Book" panose="020B0503020102020204" pitchFamily="34" charset="0"/>
+              </a:rPr>
+              <a:t>roup of nodes which contains data and the address of pointer.</a:t>
+            </a:r>
+          </a:p>
+          <a:p>
+            <a:br>
+              <a:rPr lang="en-US" sz="3200" b="0" dirty="0">
+                <a:effectLst/>
+                <a:latin typeface="Franklin Gothic Book" panose="020B0503020102020204" pitchFamily="34" charset="0"/>
+              </a:rPr>
+            </a:br>
+            <a:endParaRPr lang="en-US" sz="3200" b="0" dirty="0">
+              <a:effectLst/>
+              <a:latin typeface="Franklin Gothic Book" panose="020B0503020102020204" pitchFamily="34" charset="0"/>
+            </a:endParaRPr>
+          </a:p>
+          <a:p>
+            <a:endParaRPr lang="de-AT" sz="3200" dirty="0">
+              <a:latin typeface="Franklin Gothic Book" panose="020B0503020102020204" pitchFamily="34" charset="0"/>
+            </a:endParaRPr>
+          </a:p>
+        </p:txBody>
+      </p:sp>
+      <p:pic>
+        <p:nvPicPr>
+          <p:cNvPr id="9" name="Grafik 8">
+            <a:extLst>
+              <a:ext uri="{FF2B5EF4-FFF2-40B4-BE49-F238E27FC236}">
+                <a16:creationId xmlns:a16="http://schemas.microsoft.com/office/drawing/2014/main" id="{180B781D-321C-4D57-B6FE-9488DED252D1}"/>
+              </a:ext>
+            </a:extLst>
+          </p:cNvPr>
+          <p:cNvPicPr>
+            <a:picLocks noChangeAspect="1"/>
+          </p:cNvPicPr>
+          <p:nvPr/>
+        </p:nvPicPr>
+        <p:blipFill>
+          <a:blip r:embed="rId2"/>
+          <a:stretch>
+            <a:fillRect/>
+          </a:stretch>
+        </p:blipFill>
+        <p:spPr>
+          <a:xfrm>
+            <a:off x="571500" y="3426683"/>
+            <a:ext cx="8001000" cy="2112586"/>
+          </a:xfrm>
+          <a:prstGeom prst="rect">
+            <a:avLst/>
+          </a:prstGeom>
+        </p:spPr>
+      </p:pic>
     </p:spTree>
     <p:extLst>
       <p:ext uri="{BB962C8B-B14F-4D97-AF65-F5344CB8AC3E}">
-        <p14:creationId xmlns:p14="http://schemas.microsoft.com/office/powerpoint/2010/main" val="1769521590"/>
+        <p14:creationId xmlns:p14="http://schemas.microsoft.com/office/powerpoint/2010/main" val="2245277918"/>
       </p:ext>
     </p:extLst>
   </p:cSld>
@@ -4408,7 +4553,7 @@
           <a:lstStyle/>
           <a:p>
             <a:pPr algn="ctr"/>
-            <a:endParaRPr lang="de-AT"/>
+            <a:endParaRPr lang="de-AT" dirty="0"/>
           </a:p>
         </p:txBody>
       </p:sp>
@@ -4441,10 +4586,7 @@
           <a:lstStyle/>
           <a:p>
             <a:r>
-              <a:rPr kumimoji="0" lang="de-DE" sz="4000" b="1" i="0" u="none" strike="noStrike" kern="1200" cap="none" spc="0" normalizeH="0" baseline="0" noProof="0" dirty="0" err="1">
-                <a:ln>
-                  <a:noFill/>
-                </a:ln>
+              <a:rPr lang="de-DE" sz="4000" b="1" dirty="0" err="1">
                 <a:solidFill>
                   <a:prstClr val="white"/>
                 </a:solidFill>
@@ -4455,19 +4597,13 @@
                     </a:srgbClr>
                   </a:outerShdw>
                 </a:effectLst>
-                <a:uLnTx/>
-                <a:uFillTx/>
                 <a:latin typeface="Arial" pitchFamily="34" charset="0"/>
-                <a:ea typeface="+mj-ea"/>
                 <a:cs typeface="Arial" pitchFamily="34" charset="0"/>
               </a:rPr>
-              <a:t>Node</a:t>
-            </a:r>
-            <a:r>
-              <a:rPr kumimoji="0" lang="de-DE" sz="4000" b="1" i="0" u="none" strike="noStrike" kern="1200" cap="none" spc="0" normalizeH="0" baseline="0" noProof="0" dirty="0">
-                <a:ln>
-                  <a:noFill/>
-                </a:ln>
+              <a:t>What</a:t>
+            </a:r>
+            <a:r>
+              <a:rPr lang="de-DE" sz="4000" b="1" dirty="0">
                 <a:solidFill>
                   <a:prstClr val="white"/>
                 </a:solidFill>
@@ -4478,19 +4614,13 @@
                     </a:srgbClr>
                   </a:outerShdw>
                 </a:effectLst>
-                <a:uLnTx/>
-                <a:uFillTx/>
                 <a:latin typeface="Arial" pitchFamily="34" charset="0"/>
-                <a:ea typeface="+mj-ea"/>
                 <a:cs typeface="Arial" pitchFamily="34" charset="0"/>
               </a:rPr>
               <a:t> </a:t>
             </a:r>
             <a:r>
-              <a:rPr kumimoji="0" lang="de-DE" sz="4000" b="1" i="0" u="none" strike="noStrike" kern="1200" cap="none" spc="0" normalizeH="0" baseline="0" noProof="0" dirty="0" err="1">
-                <a:ln>
-                  <a:noFill/>
-                </a:ln>
+              <a:rPr lang="de-DE" sz="4000" b="1" dirty="0" err="1">
                 <a:solidFill>
                   <a:prstClr val="white"/>
                 </a:solidFill>
@@ -4501,13 +4631,61 @@
                     </a:srgbClr>
                   </a:outerShdw>
                 </a:effectLst>
-                <a:uLnTx/>
-                <a:uFillTx/>
                 <a:latin typeface="Arial" pitchFamily="34" charset="0"/>
-                <a:ea typeface="+mj-ea"/>
                 <a:cs typeface="Arial" pitchFamily="34" charset="0"/>
               </a:rPr>
-              <a:t>Creation</a:t>
+              <a:t>are</a:t>
+            </a:r>
+            <a:r>
+              <a:rPr lang="de-DE" sz="4000" b="1" dirty="0">
+                <a:solidFill>
+                  <a:prstClr val="white"/>
+                </a:solidFill>
+                <a:effectLst>
+                  <a:outerShdw blurRad="38100" dist="38100" dir="2700000" algn="tl">
+                    <a:srgbClr val="000000">
+                      <a:alpha val="43137"/>
+                    </a:srgbClr>
+                  </a:outerShdw>
+                </a:effectLst>
+                <a:latin typeface="Arial" pitchFamily="34" charset="0"/>
+                <a:cs typeface="Arial" pitchFamily="34" charset="0"/>
+              </a:rPr>
+              <a:t> </a:t>
+            </a:r>
+            <a:r>
+              <a:rPr lang="de-DE" sz="4000" b="1" dirty="0" err="1">
+                <a:solidFill>
+                  <a:prstClr val="white"/>
+                </a:solidFill>
+                <a:effectLst>
+                  <a:outerShdw blurRad="38100" dist="38100" dir="2700000" algn="tl">
+                    <a:srgbClr val="000000">
+                      <a:alpha val="43137"/>
+                    </a:srgbClr>
+                  </a:outerShdw>
+                </a:effectLst>
+                <a:latin typeface="Arial" pitchFamily="34" charset="0"/>
+                <a:cs typeface="Arial" pitchFamily="34" charset="0"/>
+              </a:rPr>
+              <a:t>Linked</a:t>
+            </a:r>
+            <a:r>
+              <a:rPr lang="de-DE" sz="4000" b="1" dirty="0">
+                <a:solidFill>
+                  <a:prstClr val="white"/>
+                </a:solidFill>
+                <a:effectLst>
+                  <a:outerShdw blurRad="38100" dist="38100" dir="2700000" algn="tl">
+                    <a:srgbClr val="000000">
+                      <a:alpha val="43137"/>
+                    </a:srgbClr>
+                  </a:outerShdw>
+                </a:effectLst>
+                <a:latin typeface="Arial" pitchFamily="34" charset="0"/>
+                <a:cs typeface="Arial" pitchFamily="34" charset="0"/>
+              </a:rPr>
+              <a:t> List?</a:t>
             </a:r>
             <a:endParaRPr lang="de-AT" sz="4000" dirty="0"/>
           </a:p>
@@ -4658,10 +4836,40 @@
           </a:fontRef>
         </p:style>
       </p:cxnSp>
+      <p:pic>
+        <p:nvPicPr>
+          <p:cNvPr id="9" name="Grafik 8">
+            <a:extLst>
+              <a:ext uri="{FF2B5EF4-FFF2-40B4-BE49-F238E27FC236}">
+                <a16:creationId xmlns:a16="http://schemas.microsoft.com/office/drawing/2014/main" id="{180B781D-321C-4D57-B6FE-9488DED252D1}"/>
+              </a:ext>
+            </a:extLst>
+          </p:cNvPr>
+          <p:cNvPicPr>
+            <a:picLocks noChangeAspect="1"/>
+          </p:cNvPicPr>
+          <p:nvPr/>
+        </p:nvPicPr>
+        <p:blipFill>
+          <a:blip r:embed="rId2"/>
+          <a:stretch>
+            <a:fillRect/>
+          </a:stretch>
+        </p:blipFill>
+        <p:spPr>
+          <a:xfrm>
+            <a:off x="571500" y="3429000"/>
+            <a:ext cx="8001000" cy="2112586"/>
+          </a:xfrm>
+          <a:prstGeom prst="rect">
+            <a:avLst/>
+          </a:prstGeom>
+        </p:spPr>
+      </p:pic>
     </p:spTree>
     <p:extLst>
       <p:ext uri="{BB962C8B-B14F-4D97-AF65-F5344CB8AC3E}">
-        <p14:creationId xmlns:p14="http://schemas.microsoft.com/office/powerpoint/2010/main" val="3674064036"/>
+        <p14:creationId xmlns:p14="http://schemas.microsoft.com/office/powerpoint/2010/main" val="143587962"/>
       </p:ext>
     </p:extLst>
   </p:cSld>
@@ -4763,10 +4971,7 @@
           <a:lstStyle/>
           <a:p>
             <a:r>
-              <a:rPr kumimoji="0" lang="de-DE" sz="4000" b="1" i="0" u="none" strike="noStrike" kern="1200" cap="none" spc="0" normalizeH="0" baseline="0" noProof="0" dirty="0" err="1">
-                <a:ln>
-                  <a:noFill/>
-                </a:ln>
+              <a:rPr lang="de-DE" sz="4000" b="1" dirty="0" err="1">
                 <a:solidFill>
                   <a:prstClr val="white"/>
                 </a:solidFill>
@@ -4777,19 +4982,13 @@
                     </a:srgbClr>
                   </a:outerShdw>
                 </a:effectLst>
-                <a:uLnTx/>
-                <a:uFillTx/>
                 <a:latin typeface="Arial" pitchFamily="34" charset="0"/>
-                <a:ea typeface="+mj-ea"/>
                 <a:cs typeface="Arial" pitchFamily="34" charset="0"/>
               </a:rPr>
-              <a:t>Linked</a:t>
-            </a:r>
-            <a:r>
-              <a:rPr kumimoji="0" lang="de-DE" sz="4000" b="1" i="0" u="none" strike="noStrike" kern="1200" cap="none" spc="0" normalizeH="0" baseline="0" noProof="0" dirty="0">
-                <a:ln>
-                  <a:noFill/>
-                </a:ln>
+              <a:t>Uses</a:t>
+            </a:r>
+            <a:r>
+              <a:rPr lang="de-DE" sz="4000" b="1" dirty="0">
                 <a:solidFill>
                   <a:prstClr val="white"/>
                 </a:solidFill>
@@ -4800,19 +4999,13 @@
                     </a:srgbClr>
                   </a:outerShdw>
                 </a:effectLst>
-                <a:uLnTx/>
-                <a:uFillTx/>
                 <a:latin typeface="Arial" pitchFamily="34" charset="0"/>
-                <a:ea typeface="+mj-ea"/>
                 <a:cs typeface="Arial" pitchFamily="34" charset="0"/>
               </a:rPr>
-              <a:t> List </a:t>
-            </a:r>
-            <a:r>
-              <a:rPr kumimoji="0" lang="de-DE" sz="4000" b="1" i="0" u="none" strike="noStrike" kern="1200" cap="none" spc="0" normalizeH="0" baseline="0" noProof="0" dirty="0" err="1">
-                <a:ln>
-                  <a:noFill/>
-                </a:ln>
+              <a:t> </a:t>
+            </a:r>
+            <a:r>
+              <a:rPr lang="de-DE" sz="4000" b="1" dirty="0" err="1">
                 <a:solidFill>
                   <a:prstClr val="white"/>
                 </a:solidFill>
@@ -4823,13 +5016,61 @@
                     </a:srgbClr>
                   </a:outerShdw>
                 </a:effectLst>
-                <a:uLnTx/>
-                <a:uFillTx/>
                 <a:latin typeface="Arial" pitchFamily="34" charset="0"/>
-                <a:ea typeface="+mj-ea"/>
                 <a:cs typeface="Arial" pitchFamily="34" charset="0"/>
               </a:rPr>
-              <a:t>Operations</a:t>
+              <a:t>of</a:t>
+            </a:r>
+            <a:r>
+              <a:rPr lang="de-DE" sz="4000" b="1" dirty="0">
+                <a:solidFill>
+                  <a:prstClr val="white"/>
+                </a:solidFill>
+                <a:effectLst>
+                  <a:outerShdw blurRad="38100" dist="38100" dir="2700000" algn="tl">
+                    <a:srgbClr val="000000">
+                      <a:alpha val="43137"/>
+                    </a:srgbClr>
+                  </a:outerShdw>
+                </a:effectLst>
+                <a:latin typeface="Arial" pitchFamily="34" charset="0"/>
+                <a:cs typeface="Arial" pitchFamily="34" charset="0"/>
+              </a:rPr>
+              <a:t> </a:t>
+            </a:r>
+            <a:r>
+              <a:rPr lang="de-DE" sz="4000" b="1" dirty="0" err="1">
+                <a:solidFill>
+                  <a:prstClr val="white"/>
+                </a:solidFill>
+                <a:effectLst>
+                  <a:outerShdw blurRad="38100" dist="38100" dir="2700000" algn="tl">
+                    <a:srgbClr val="000000">
+                      <a:alpha val="43137"/>
+                    </a:srgbClr>
+                  </a:outerShdw>
+                </a:effectLst>
+                <a:latin typeface="Arial" pitchFamily="34" charset="0"/>
+                <a:cs typeface="Arial" pitchFamily="34" charset="0"/>
+              </a:rPr>
+              <a:t>Linked</a:t>
+            </a:r>
+            <a:r>
+              <a:rPr lang="de-DE" sz="4000" b="1" dirty="0">
+                <a:solidFill>
+                  <a:prstClr val="white"/>
+                </a:solidFill>
+                <a:effectLst>
+                  <a:outerShdw blurRad="38100" dist="38100" dir="2700000" algn="tl">
+                    <a:srgbClr val="000000">
+                      <a:alpha val="43137"/>
+                    </a:srgbClr>
+                  </a:outerShdw>
+                </a:effectLst>
+                <a:latin typeface="Arial" pitchFamily="34" charset="0"/>
+                <a:cs typeface="Arial" pitchFamily="34" charset="0"/>
+              </a:rPr>
+              <a:t> Lists</a:t>
             </a:r>
             <a:endParaRPr lang="de-AT" sz="4000" dirty="0"/>
           </a:p>
@@ -4980,6 +5221,1139 @@
           </a:fontRef>
         </p:style>
       </p:cxnSp>
+      <p:sp>
+        <p:nvSpPr>
+          <p:cNvPr id="4" name="Textfeld 3">
+            <a:extLst>
+              <a:ext uri="{FF2B5EF4-FFF2-40B4-BE49-F238E27FC236}">
+                <a16:creationId xmlns:a16="http://schemas.microsoft.com/office/drawing/2014/main" id="{96203B3D-5F9D-43A5-BDC4-477DAB7709DC}"/>
+              </a:ext>
+            </a:extLst>
+          </p:cNvPr>
+          <p:cNvSpPr txBox="1"/>
+          <p:nvPr/>
+        </p:nvSpPr>
+        <p:spPr>
+          <a:xfrm>
+            <a:off x="658908" y="1611103"/>
+            <a:ext cx="8062398" cy="4524315"/>
+          </a:xfrm>
+          <a:prstGeom prst="rect">
+            <a:avLst/>
+          </a:prstGeom>
+          <a:noFill/>
+        </p:spPr>
+        <p:txBody>
+          <a:bodyPr wrap="square" rtlCol="0">
+            <a:spAutoFit/>
+          </a:bodyPr>
+          <a:lstStyle/>
+          <a:p>
+            <a:r>
+              <a:rPr lang="en-US" sz="3200" b="0" dirty="0">
+                <a:effectLst/>
+                <a:latin typeface="Franklin Gothic Book" panose="020B0503020102020204" pitchFamily="34" charset="0"/>
+              </a:rPr>
+              <a:t>List do not always have to be present in the memory. A node can be anywhere in memory and then can be linked to make a list.</a:t>
+            </a:r>
+          </a:p>
+          <a:p>
+            <a:br>
+              <a:rPr lang="en-US" sz="3200" b="0" dirty="0">
+                <a:effectLst/>
+                <a:latin typeface="Franklin Gothic Book" panose="020B0503020102020204" pitchFamily="34" charset="0"/>
+              </a:rPr>
+            </a:br>
+            <a:r>
+              <a:rPr lang="en-US" sz="3200" b="0" dirty="0">
+                <a:effectLst/>
+                <a:latin typeface="Franklin Gothic Book" panose="020B0503020102020204" pitchFamily="34" charset="0"/>
+              </a:rPr>
+              <a:t>The List size is dependent on the memory size.</a:t>
+            </a:r>
+          </a:p>
+          <a:p>
+            <a:br>
+              <a:rPr lang="en-US" sz="3200" b="0" dirty="0">
+                <a:effectLst/>
+                <a:latin typeface="Franklin Gothic Book" panose="020B0503020102020204" pitchFamily="34" charset="0"/>
+              </a:rPr>
+            </a:br>
+            <a:r>
+              <a:rPr lang="en-US" sz="3200" b="0" dirty="0">
+                <a:effectLst/>
+                <a:latin typeface="Franklin Gothic Book" panose="020B0503020102020204" pitchFamily="34" charset="0"/>
+              </a:rPr>
+              <a:t>We can store more then basic type.</a:t>
+            </a:r>
+            <a:endParaRPr lang="en-US" sz="3200" dirty="0">
+              <a:latin typeface="Franklin Gothic Book" panose="020B0503020102020204" pitchFamily="34" charset="0"/>
+            </a:endParaRPr>
+          </a:p>
+          <a:p>
+            <a:endParaRPr lang="de-AT" sz="3200" dirty="0">
+              <a:latin typeface="Franklin Gothic Book" panose="020B0503020102020204" pitchFamily="34" charset="0"/>
+            </a:endParaRPr>
+          </a:p>
+        </p:txBody>
+      </p:sp>
+    </p:spTree>
+    <p:extLst>
+      <p:ext uri="{BB962C8B-B14F-4D97-AF65-F5344CB8AC3E}">
+        <p14:creationId xmlns:p14="http://schemas.microsoft.com/office/powerpoint/2010/main" val="1769521590"/>
+      </p:ext>
+    </p:extLst>
+  </p:cSld>
+  <p:clrMapOvr>
+    <a:masterClrMapping/>
+  </p:clrMapOvr>
+</p:sld>
+</file>
+
+<file path=ppt/slides/slide5.xml><?xml version="1.0" encoding="utf-8"?>
+<p:sld xmlns:a="http://schemas.openxmlformats.org/drawingml/2006/main" xmlns:r="http://schemas.openxmlformats.org/officeDocument/2006/relationships" xmlns:p="http://schemas.openxmlformats.org/presentationml/2006/main">
+  <p:cSld>
+    <p:spTree>
+      <p:nvGrpSpPr>
+        <p:cNvPr id="1" name=""/>
+        <p:cNvGrpSpPr/>
+        <p:nvPr/>
+      </p:nvGrpSpPr>
+      <p:grpSpPr>
+        <a:xfrm>
+          <a:off x="0" y="0"/>
+          <a:ext cx="0" cy="0"/>
+          <a:chOff x="0" y="0"/>
+          <a:chExt cx="0" cy="0"/>
+        </a:xfrm>
+      </p:grpSpPr>
+      <p:sp>
+        <p:nvSpPr>
+          <p:cNvPr id="6" name="Rechteck 5">
+            <a:extLst>
+              <a:ext uri="{FF2B5EF4-FFF2-40B4-BE49-F238E27FC236}">
+                <a16:creationId xmlns:a16="http://schemas.microsoft.com/office/drawing/2014/main" id="{0DE504A7-6DD8-4D73-96D4-CFB09F9D6897}"/>
+              </a:ext>
+            </a:extLst>
+          </p:cNvPr>
+          <p:cNvSpPr/>
+          <p:nvPr/>
+        </p:nvSpPr>
+        <p:spPr>
+          <a:xfrm>
+            <a:off x="0" y="0"/>
+            <a:ext cx="9144000" cy="888521"/>
+          </a:xfrm>
+          <a:prstGeom prst="rect">
+            <a:avLst/>
+          </a:prstGeom>
+        </p:spPr>
+        <p:style>
+          <a:lnRef idx="2">
+            <a:schemeClr val="accent4">
+              <a:shade val="50000"/>
+            </a:schemeClr>
+          </a:lnRef>
+          <a:fillRef idx="1">
+            <a:schemeClr val="accent4"/>
+          </a:fillRef>
+          <a:effectRef idx="0">
+            <a:schemeClr val="accent4"/>
+          </a:effectRef>
+          <a:fontRef idx="minor">
+            <a:schemeClr val="lt1"/>
+          </a:fontRef>
+        </p:style>
+        <p:txBody>
+          <a:bodyPr rtlCol="0" anchor="ctr"/>
+          <a:lstStyle/>
+          <a:p>
+            <a:pPr algn="ctr"/>
+            <a:endParaRPr lang="de-AT"/>
+          </a:p>
+        </p:txBody>
+      </p:sp>
+      <p:sp>
+        <p:nvSpPr>
+          <p:cNvPr id="2" name="Titel 1">
+            <a:extLst>
+              <a:ext uri="{FF2B5EF4-FFF2-40B4-BE49-F238E27FC236}">
+                <a16:creationId xmlns:a16="http://schemas.microsoft.com/office/drawing/2014/main" id="{A98C967C-2AA5-4E8F-9FB4-A21960A1E60C}"/>
+              </a:ext>
+            </a:extLst>
+          </p:cNvPr>
+          <p:cNvSpPr>
+            <a:spLocks noGrp="1"/>
+          </p:cNvSpPr>
+          <p:nvPr>
+            <p:ph type="ctrTitle"/>
+          </p:nvPr>
+        </p:nvSpPr>
+        <p:spPr>
+          <a:xfrm>
+            <a:off x="486379" y="103914"/>
+            <a:ext cx="7599459" cy="685965"/>
+          </a:xfrm>
+        </p:spPr>
+        <p:txBody>
+          <a:bodyPr>
+            <a:normAutofit fontScale="90000"/>
+          </a:bodyPr>
+          <a:lstStyle/>
+          <a:p>
+            <a:r>
+              <a:rPr kumimoji="0" lang="de-DE" sz="4000" b="1" i="0" u="none" strike="noStrike" kern="1200" cap="none" spc="0" normalizeH="0" baseline="0" noProof="0" dirty="0" err="1">
+                <a:ln>
+                  <a:noFill/>
+                </a:ln>
+                <a:solidFill>
+                  <a:prstClr val="white"/>
+                </a:solidFill>
+                <a:effectLst>
+                  <a:outerShdw blurRad="38100" dist="38100" dir="2700000" algn="tl">
+                    <a:srgbClr val="000000">
+                      <a:alpha val="43137"/>
+                    </a:srgbClr>
+                  </a:outerShdw>
+                </a:effectLst>
+                <a:uLnTx/>
+                <a:uFillTx/>
+                <a:latin typeface="Arial" pitchFamily="34" charset="0"/>
+                <a:ea typeface="+mj-ea"/>
+                <a:cs typeface="Arial" pitchFamily="34" charset="0"/>
+              </a:rPr>
+              <a:t>Why</a:t>
+            </a:r>
+            <a:r>
+              <a:rPr kumimoji="0" lang="de-DE" sz="4000" b="1" i="0" u="none" strike="noStrike" kern="1200" cap="none" spc="0" normalizeH="0" baseline="0" noProof="0" dirty="0">
+                <a:ln>
+                  <a:noFill/>
+                </a:ln>
+                <a:solidFill>
+                  <a:prstClr val="white"/>
+                </a:solidFill>
+                <a:effectLst>
+                  <a:outerShdw blurRad="38100" dist="38100" dir="2700000" algn="tl">
+                    <a:srgbClr val="000000">
+                      <a:alpha val="43137"/>
+                    </a:srgbClr>
+                  </a:outerShdw>
+                </a:effectLst>
+                <a:uLnTx/>
+                <a:uFillTx/>
+                <a:latin typeface="Arial" pitchFamily="34" charset="0"/>
+                <a:ea typeface="+mj-ea"/>
+                <a:cs typeface="Arial" pitchFamily="34" charset="0"/>
+              </a:rPr>
+              <a:t> </a:t>
+            </a:r>
+            <a:r>
+              <a:rPr kumimoji="0" lang="de-DE" sz="4000" b="1" i="0" u="none" strike="noStrike" kern="1200" cap="none" spc="0" normalizeH="0" baseline="0" noProof="0" dirty="0" err="1">
+                <a:ln>
+                  <a:noFill/>
+                </a:ln>
+                <a:solidFill>
+                  <a:prstClr val="white"/>
+                </a:solidFill>
+                <a:effectLst>
+                  <a:outerShdw blurRad="38100" dist="38100" dir="2700000" algn="tl">
+                    <a:srgbClr val="000000">
+                      <a:alpha val="43137"/>
+                    </a:srgbClr>
+                  </a:outerShdw>
+                </a:effectLst>
+                <a:uLnTx/>
+                <a:uFillTx/>
+                <a:latin typeface="Arial" pitchFamily="34" charset="0"/>
+                <a:ea typeface="+mj-ea"/>
+                <a:cs typeface="Arial" pitchFamily="34" charset="0"/>
+              </a:rPr>
+              <a:t>use</a:t>
+            </a:r>
+            <a:r>
+              <a:rPr lang="de-DE" sz="4000" b="1" dirty="0">
+                <a:solidFill>
+                  <a:prstClr val="white"/>
+                </a:solidFill>
+                <a:effectLst>
+                  <a:outerShdw blurRad="38100" dist="38100" dir="2700000" algn="tl">
+                    <a:srgbClr val="000000">
+                      <a:alpha val="43137"/>
+                    </a:srgbClr>
+                  </a:outerShdw>
+                </a:effectLst>
+                <a:latin typeface="Arial" pitchFamily="34" charset="0"/>
+                <a:cs typeface="Arial" pitchFamily="34" charset="0"/>
+              </a:rPr>
+              <a:t> </a:t>
+            </a:r>
+            <a:r>
+              <a:rPr lang="de-DE" sz="4000" b="1" dirty="0" err="1">
+                <a:solidFill>
+                  <a:prstClr val="white"/>
+                </a:solidFill>
+                <a:effectLst>
+                  <a:outerShdw blurRad="38100" dist="38100" dir="2700000" algn="tl">
+                    <a:srgbClr val="000000">
+                      <a:alpha val="43137"/>
+                    </a:srgbClr>
+                  </a:outerShdw>
+                </a:effectLst>
+                <a:latin typeface="Arial" pitchFamily="34" charset="0"/>
+                <a:cs typeface="Arial" pitchFamily="34" charset="0"/>
+              </a:rPr>
+              <a:t>Linked</a:t>
+            </a:r>
+            <a:r>
+              <a:rPr lang="de-DE" sz="4000" b="1" dirty="0">
+                <a:solidFill>
+                  <a:prstClr val="white"/>
+                </a:solidFill>
+                <a:effectLst>
+                  <a:outerShdw blurRad="38100" dist="38100" dir="2700000" algn="tl">
+                    <a:srgbClr val="000000">
+                      <a:alpha val="43137"/>
+                    </a:srgbClr>
+                  </a:outerShdw>
+                </a:effectLst>
+                <a:latin typeface="Arial" pitchFamily="34" charset="0"/>
+                <a:cs typeface="Arial" pitchFamily="34" charset="0"/>
+              </a:rPr>
+              <a:t> List </a:t>
+            </a:r>
+            <a:r>
+              <a:rPr lang="de-DE" sz="4000" b="1" dirty="0" err="1">
+                <a:solidFill>
+                  <a:prstClr val="white"/>
+                </a:solidFill>
+                <a:effectLst>
+                  <a:outerShdw blurRad="38100" dist="38100" dir="2700000" algn="tl">
+                    <a:srgbClr val="000000">
+                      <a:alpha val="43137"/>
+                    </a:srgbClr>
+                  </a:outerShdw>
+                </a:effectLst>
+                <a:latin typeface="Arial" pitchFamily="34" charset="0"/>
+                <a:cs typeface="Arial" pitchFamily="34" charset="0"/>
+              </a:rPr>
+              <a:t>over</a:t>
+            </a:r>
+            <a:r>
+              <a:rPr lang="de-DE" sz="4000" b="1" dirty="0">
+                <a:solidFill>
+                  <a:prstClr val="white"/>
+                </a:solidFill>
+                <a:effectLst>
+                  <a:outerShdw blurRad="38100" dist="38100" dir="2700000" algn="tl">
+                    <a:srgbClr val="000000">
+                      <a:alpha val="43137"/>
+                    </a:srgbClr>
+                  </a:outerShdw>
+                </a:effectLst>
+                <a:latin typeface="Arial" pitchFamily="34" charset="0"/>
+                <a:cs typeface="Arial" pitchFamily="34" charset="0"/>
+              </a:rPr>
+              <a:t> </a:t>
+            </a:r>
+            <a:r>
+              <a:rPr lang="de-DE" sz="4000" b="1" dirty="0" err="1">
+                <a:solidFill>
+                  <a:prstClr val="white"/>
+                </a:solidFill>
+                <a:effectLst>
+                  <a:outerShdw blurRad="38100" dist="38100" dir="2700000" algn="tl">
+                    <a:srgbClr val="000000">
+                      <a:alpha val="43137"/>
+                    </a:srgbClr>
+                  </a:outerShdw>
+                </a:effectLst>
+                <a:latin typeface="Arial" pitchFamily="34" charset="0"/>
+                <a:cs typeface="Arial" pitchFamily="34" charset="0"/>
+              </a:rPr>
+              <a:t>arrays</a:t>
+            </a:r>
+            <a:endParaRPr lang="de-AT" sz="4000" dirty="0"/>
+          </a:p>
+        </p:txBody>
+      </p:sp>
+      <p:sp>
+        <p:nvSpPr>
+          <p:cNvPr id="3" name="Untertitel 2">
+            <a:extLst>
+              <a:ext uri="{FF2B5EF4-FFF2-40B4-BE49-F238E27FC236}">
+                <a16:creationId xmlns:a16="http://schemas.microsoft.com/office/drawing/2014/main" id="{68C81C8E-B322-43F6-84A0-F611E923DEAA}"/>
+              </a:ext>
+            </a:extLst>
+          </p:cNvPr>
+          <p:cNvSpPr>
+            <a:spLocks noGrp="1"/>
+          </p:cNvSpPr>
+          <p:nvPr>
+            <p:ph type="subTitle" idx="1"/>
+          </p:nvPr>
+        </p:nvSpPr>
+        <p:spPr/>
+        <p:txBody>
+          <a:bodyPr/>
+          <a:lstStyle/>
+          <a:p>
+            <a:endParaRPr lang="de-AT"/>
+          </a:p>
+        </p:txBody>
+      </p:sp>
+      <p:sp>
+        <p:nvSpPr>
+          <p:cNvPr id="8" name="Rechteck 7">
+            <a:extLst>
+              <a:ext uri="{FF2B5EF4-FFF2-40B4-BE49-F238E27FC236}">
+                <a16:creationId xmlns:a16="http://schemas.microsoft.com/office/drawing/2014/main" id="{192452E4-F7BE-4F5C-BF08-ED9E5D6F57F1}"/>
+              </a:ext>
+            </a:extLst>
+          </p:cNvPr>
+          <p:cNvSpPr/>
+          <p:nvPr/>
+        </p:nvSpPr>
+        <p:spPr>
+          <a:xfrm>
+            <a:off x="0" y="888521"/>
+            <a:ext cx="9144000" cy="5969479"/>
+          </a:xfrm>
+          <a:prstGeom prst="rect">
+            <a:avLst/>
+          </a:prstGeom>
+        </p:spPr>
+        <p:style>
+          <a:lnRef idx="2">
+            <a:schemeClr val="accent6"/>
+          </a:lnRef>
+          <a:fillRef idx="1">
+            <a:schemeClr val="lt1"/>
+          </a:fillRef>
+          <a:effectRef idx="0">
+            <a:schemeClr val="accent6"/>
+          </a:effectRef>
+          <a:fontRef idx="minor">
+            <a:schemeClr val="dk1"/>
+          </a:fontRef>
+        </p:style>
+        <p:txBody>
+          <a:bodyPr rtlCol="0" anchor="ctr"/>
+          <a:lstStyle/>
+          <a:p>
+            <a:pPr algn="ctr"/>
+            <a:endParaRPr lang="de-AT" dirty="0"/>
+          </a:p>
+        </p:txBody>
+      </p:sp>
+      <p:cxnSp>
+        <p:nvCxnSpPr>
+          <p:cNvPr id="11" name="Gerader Verbinder 10">
+            <a:extLst>
+              <a:ext uri="{FF2B5EF4-FFF2-40B4-BE49-F238E27FC236}">
+                <a16:creationId xmlns:a16="http://schemas.microsoft.com/office/drawing/2014/main" id="{B0410906-36E3-4EAD-BF56-DBFBE70BB99D}"/>
+              </a:ext>
+            </a:extLst>
+          </p:cNvPr>
+          <p:cNvCxnSpPr>
+            <a:cxnSpLocks/>
+          </p:cNvCxnSpPr>
+          <p:nvPr/>
+        </p:nvCxnSpPr>
+        <p:spPr>
+          <a:xfrm>
+            <a:off x="1494526" y="2829719"/>
+            <a:ext cx="0" cy="0"/>
+          </a:xfrm>
+          <a:prstGeom prst="line">
+            <a:avLst/>
+          </a:prstGeom>
+        </p:spPr>
+        <p:style>
+          <a:lnRef idx="1">
+            <a:schemeClr val="accent1"/>
+          </a:lnRef>
+          <a:fillRef idx="0">
+            <a:schemeClr val="accent1"/>
+          </a:fillRef>
+          <a:effectRef idx="0">
+            <a:schemeClr val="accent1"/>
+          </a:effectRef>
+          <a:fontRef idx="minor">
+            <a:schemeClr val="tx1"/>
+          </a:fontRef>
+        </p:style>
+      </p:cxnSp>
+      <p:cxnSp>
+        <p:nvCxnSpPr>
+          <p:cNvPr id="14" name="Gerader Verbinder 13">
+            <a:extLst>
+              <a:ext uri="{FF2B5EF4-FFF2-40B4-BE49-F238E27FC236}">
+                <a16:creationId xmlns:a16="http://schemas.microsoft.com/office/drawing/2014/main" id="{D9626B63-CCBC-49E0-879B-35EC30327E0A}"/>
+              </a:ext>
+            </a:extLst>
+          </p:cNvPr>
+          <p:cNvCxnSpPr>
+            <a:cxnSpLocks/>
+          </p:cNvCxnSpPr>
+          <p:nvPr/>
+        </p:nvCxnSpPr>
+        <p:spPr>
+          <a:xfrm>
+            <a:off x="1365130" y="3751158"/>
+            <a:ext cx="0" cy="0"/>
+          </a:xfrm>
+          <a:prstGeom prst="line">
+            <a:avLst/>
+          </a:prstGeom>
+        </p:spPr>
+        <p:style>
+          <a:lnRef idx="1">
+            <a:schemeClr val="accent1"/>
+          </a:lnRef>
+          <a:fillRef idx="0">
+            <a:schemeClr val="accent1"/>
+          </a:fillRef>
+          <a:effectRef idx="0">
+            <a:schemeClr val="accent1"/>
+          </a:effectRef>
+          <a:fontRef idx="minor">
+            <a:schemeClr val="tx1"/>
+          </a:fontRef>
+        </p:style>
+      </p:cxnSp>
+      <p:sp>
+        <p:nvSpPr>
+          <p:cNvPr id="5" name="Textfeld 4">
+            <a:extLst>
+              <a:ext uri="{FF2B5EF4-FFF2-40B4-BE49-F238E27FC236}">
+                <a16:creationId xmlns:a16="http://schemas.microsoft.com/office/drawing/2014/main" id="{F762D0C0-B345-4CC5-9B0B-584A2382D722}"/>
+              </a:ext>
+            </a:extLst>
+          </p:cNvPr>
+          <p:cNvSpPr txBox="1"/>
+          <p:nvPr/>
+        </p:nvSpPr>
+        <p:spPr>
+          <a:xfrm>
+            <a:off x="486379" y="1978689"/>
+            <a:ext cx="8485093" cy="2554545"/>
+          </a:xfrm>
+          <a:prstGeom prst="rect">
+            <a:avLst/>
+          </a:prstGeom>
+          <a:noFill/>
+        </p:spPr>
+        <p:txBody>
+          <a:bodyPr wrap="square" rtlCol="0">
+            <a:spAutoFit/>
+          </a:bodyPr>
+          <a:lstStyle/>
+          <a:p>
+            <a:r>
+              <a:rPr lang="en-US" sz="3200" b="0" dirty="0">
+                <a:effectLst/>
+                <a:latin typeface="Franklin Gothic Book" panose="020B0503020102020204" pitchFamily="34" charset="0"/>
+              </a:rPr>
+              <a:t>The memory is dynamically assigned. All the nodes are linked with pointer.</a:t>
+            </a:r>
+          </a:p>
+          <a:p>
+            <a:r>
+              <a:rPr lang="en-US" sz="3200" b="0" dirty="0">
+                <a:effectLst/>
+                <a:latin typeface="Franklin Gothic Book" panose="020B0503020102020204" pitchFamily="34" charset="0"/>
+              </a:rPr>
+              <a:t>There is no problem with sizing, because the list grow as per the programs demand.</a:t>
+            </a:r>
+          </a:p>
+          <a:p>
+            <a:endParaRPr lang="de-AT" sz="3200" dirty="0">
+              <a:latin typeface="Franklin Gothic Book" panose="020B0503020102020204" pitchFamily="34" charset="0"/>
+            </a:endParaRPr>
+          </a:p>
+        </p:txBody>
+      </p:sp>
+    </p:spTree>
+    <p:extLst>
+      <p:ext uri="{BB962C8B-B14F-4D97-AF65-F5344CB8AC3E}">
+        <p14:creationId xmlns:p14="http://schemas.microsoft.com/office/powerpoint/2010/main" val="3674064036"/>
+      </p:ext>
+    </p:extLst>
+  </p:cSld>
+  <p:clrMapOvr>
+    <a:masterClrMapping/>
+  </p:clrMapOvr>
+</p:sld>
+</file>
+
+<file path=ppt/slides/slide6.xml><?xml version="1.0" encoding="utf-8"?>
+<p:sld xmlns:a="http://schemas.openxmlformats.org/drawingml/2006/main" xmlns:r="http://schemas.openxmlformats.org/officeDocument/2006/relationships" xmlns:p="http://schemas.openxmlformats.org/presentationml/2006/main">
+  <p:cSld>
+    <p:spTree>
+      <p:nvGrpSpPr>
+        <p:cNvPr id="1" name=""/>
+        <p:cNvGrpSpPr/>
+        <p:nvPr/>
+      </p:nvGrpSpPr>
+      <p:grpSpPr>
+        <a:xfrm>
+          <a:off x="0" y="0"/>
+          <a:ext cx="0" cy="0"/>
+          <a:chOff x="0" y="0"/>
+          <a:chExt cx="0" cy="0"/>
+        </a:xfrm>
+      </p:grpSpPr>
+      <p:sp>
+        <p:nvSpPr>
+          <p:cNvPr id="6" name="Rechteck 5">
+            <a:extLst>
+              <a:ext uri="{FF2B5EF4-FFF2-40B4-BE49-F238E27FC236}">
+                <a16:creationId xmlns:a16="http://schemas.microsoft.com/office/drawing/2014/main" id="{0DE504A7-6DD8-4D73-96D4-CFB09F9D6897}"/>
+              </a:ext>
+            </a:extLst>
+          </p:cNvPr>
+          <p:cNvSpPr/>
+          <p:nvPr/>
+        </p:nvSpPr>
+        <p:spPr>
+          <a:xfrm>
+            <a:off x="0" y="0"/>
+            <a:ext cx="9144000" cy="888521"/>
+          </a:xfrm>
+          <a:prstGeom prst="rect">
+            <a:avLst/>
+          </a:prstGeom>
+        </p:spPr>
+        <p:style>
+          <a:lnRef idx="2">
+            <a:schemeClr val="accent4">
+              <a:shade val="50000"/>
+            </a:schemeClr>
+          </a:lnRef>
+          <a:fillRef idx="1">
+            <a:schemeClr val="accent4"/>
+          </a:fillRef>
+          <a:effectRef idx="0">
+            <a:schemeClr val="accent4"/>
+          </a:effectRef>
+          <a:fontRef idx="minor">
+            <a:schemeClr val="lt1"/>
+          </a:fontRef>
+        </p:style>
+        <p:txBody>
+          <a:bodyPr rtlCol="0" anchor="ctr"/>
+          <a:lstStyle/>
+          <a:p>
+            <a:pPr algn="ctr"/>
+            <a:endParaRPr lang="de-AT"/>
+          </a:p>
+        </p:txBody>
+      </p:sp>
+      <p:sp>
+        <p:nvSpPr>
+          <p:cNvPr id="2" name="Titel 1">
+            <a:extLst>
+              <a:ext uri="{FF2B5EF4-FFF2-40B4-BE49-F238E27FC236}">
+                <a16:creationId xmlns:a16="http://schemas.microsoft.com/office/drawing/2014/main" id="{A98C967C-2AA5-4E8F-9FB4-A21960A1E60C}"/>
+              </a:ext>
+            </a:extLst>
+          </p:cNvPr>
+          <p:cNvSpPr>
+            <a:spLocks noGrp="1"/>
+          </p:cNvSpPr>
+          <p:nvPr>
+            <p:ph type="ctrTitle"/>
+          </p:nvPr>
+        </p:nvSpPr>
+        <p:spPr>
+          <a:xfrm>
+            <a:off x="486379" y="103914"/>
+            <a:ext cx="8364323" cy="685965"/>
+          </a:xfrm>
+        </p:spPr>
+        <p:txBody>
+          <a:bodyPr>
+            <a:normAutofit fontScale="90000"/>
+          </a:bodyPr>
+          <a:lstStyle/>
+          <a:p>
+            <a:r>
+              <a:rPr kumimoji="0" lang="de-DE" sz="4000" b="1" i="0" u="none" strike="noStrike" kern="1200" cap="none" spc="0" normalizeH="0" baseline="0" noProof="0" dirty="0" err="1">
+                <a:ln>
+                  <a:noFill/>
+                </a:ln>
+                <a:solidFill>
+                  <a:prstClr val="white"/>
+                </a:solidFill>
+                <a:effectLst>
+                  <a:outerShdw blurRad="38100" dist="38100" dir="2700000" algn="tl">
+                    <a:srgbClr val="000000">
+                      <a:alpha val="43137"/>
+                    </a:srgbClr>
+                  </a:outerShdw>
+                </a:effectLst>
+                <a:uLnTx/>
+                <a:uFillTx/>
+                <a:latin typeface="Arial" pitchFamily="34" charset="0"/>
+                <a:ea typeface="+mj-ea"/>
+                <a:cs typeface="Arial" pitchFamily="34" charset="0"/>
+              </a:rPr>
+              <a:t>Singly</a:t>
+            </a:r>
+            <a:r>
+              <a:rPr kumimoji="0" lang="de-DE" sz="4000" b="1" i="0" u="none" strike="noStrike" kern="1200" cap="none" spc="0" normalizeH="0" baseline="0" noProof="0" dirty="0">
+                <a:ln>
+                  <a:noFill/>
+                </a:ln>
+                <a:solidFill>
+                  <a:prstClr val="white"/>
+                </a:solidFill>
+                <a:effectLst>
+                  <a:outerShdw blurRad="38100" dist="38100" dir="2700000" algn="tl">
+                    <a:srgbClr val="000000">
+                      <a:alpha val="43137"/>
+                    </a:srgbClr>
+                  </a:outerShdw>
+                </a:effectLst>
+                <a:uLnTx/>
+                <a:uFillTx/>
+                <a:latin typeface="Arial" pitchFamily="34" charset="0"/>
+                <a:ea typeface="+mj-ea"/>
+                <a:cs typeface="Arial" pitchFamily="34" charset="0"/>
+              </a:rPr>
+              <a:t> </a:t>
+            </a:r>
+            <a:r>
+              <a:rPr lang="de-DE" sz="4000" b="1" dirty="0">
+                <a:solidFill>
+                  <a:prstClr val="white"/>
+                </a:solidFill>
+                <a:effectLst>
+                  <a:outerShdw blurRad="38100" dist="38100" dir="2700000" algn="tl">
+                    <a:srgbClr val="000000">
+                      <a:alpha val="43137"/>
+                    </a:srgbClr>
+                  </a:outerShdw>
+                </a:effectLst>
+                <a:latin typeface="Arial" pitchFamily="34" charset="0"/>
+                <a:cs typeface="Arial" pitchFamily="34" charset="0"/>
+              </a:rPr>
+              <a:t>L</a:t>
+            </a:r>
+            <a:r>
+              <a:rPr kumimoji="0" lang="de-DE" sz="4000" b="1" i="0" u="none" strike="noStrike" kern="1200" cap="none" spc="0" normalizeH="0" baseline="0" noProof="0" dirty="0" err="1">
+                <a:ln>
+                  <a:noFill/>
+                </a:ln>
+                <a:solidFill>
+                  <a:prstClr val="white"/>
+                </a:solidFill>
+                <a:effectLst>
+                  <a:outerShdw blurRad="38100" dist="38100" dir="2700000" algn="tl">
+                    <a:srgbClr val="000000">
+                      <a:alpha val="43137"/>
+                    </a:srgbClr>
+                  </a:outerShdw>
+                </a:effectLst>
+                <a:uLnTx/>
+                <a:uFillTx/>
+                <a:latin typeface="Arial" pitchFamily="34" charset="0"/>
+                <a:ea typeface="+mj-ea"/>
+                <a:cs typeface="Arial" pitchFamily="34" charset="0"/>
+              </a:rPr>
+              <a:t>inked</a:t>
+            </a:r>
+            <a:r>
+              <a:rPr kumimoji="0" lang="de-DE" sz="4000" b="1" i="0" u="none" strike="noStrike" kern="1200" cap="none" spc="0" normalizeH="0" baseline="0" noProof="0" dirty="0">
+                <a:ln>
+                  <a:noFill/>
+                </a:ln>
+                <a:solidFill>
+                  <a:prstClr val="white"/>
+                </a:solidFill>
+                <a:effectLst>
+                  <a:outerShdw blurRad="38100" dist="38100" dir="2700000" algn="tl">
+                    <a:srgbClr val="000000">
+                      <a:alpha val="43137"/>
+                    </a:srgbClr>
+                  </a:outerShdw>
+                </a:effectLst>
+                <a:uLnTx/>
+                <a:uFillTx/>
+                <a:latin typeface="Arial" pitchFamily="34" charset="0"/>
+                <a:ea typeface="+mj-ea"/>
+                <a:cs typeface="Arial" pitchFamily="34" charset="0"/>
+              </a:rPr>
+              <a:t> List </a:t>
+            </a:r>
+            <a:r>
+              <a:rPr kumimoji="0" lang="de-DE" sz="4000" b="1" i="0" u="none" strike="noStrike" kern="1200" cap="none" spc="0" normalizeH="0" baseline="0" noProof="0" dirty="0" err="1">
+                <a:ln>
+                  <a:noFill/>
+                </a:ln>
+                <a:solidFill>
+                  <a:prstClr val="white"/>
+                </a:solidFill>
+                <a:effectLst>
+                  <a:outerShdw blurRad="38100" dist="38100" dir="2700000" algn="tl">
+                    <a:srgbClr val="000000">
+                      <a:alpha val="43137"/>
+                    </a:srgbClr>
+                  </a:outerShdw>
+                </a:effectLst>
+                <a:uLnTx/>
+                <a:uFillTx/>
+                <a:latin typeface="Arial" pitchFamily="34" charset="0"/>
+                <a:ea typeface="+mj-ea"/>
+                <a:cs typeface="Arial" pitchFamily="34" charset="0"/>
+              </a:rPr>
+              <a:t>or</a:t>
+            </a:r>
+            <a:r>
+              <a:rPr kumimoji="0" lang="de-DE" sz="4000" b="1" i="0" u="none" strike="noStrike" kern="1200" cap="none" spc="0" normalizeH="0" baseline="0" noProof="0" dirty="0">
+                <a:ln>
+                  <a:noFill/>
+                </a:ln>
+                <a:solidFill>
+                  <a:prstClr val="white"/>
+                </a:solidFill>
+                <a:effectLst>
+                  <a:outerShdw blurRad="38100" dist="38100" dir="2700000" algn="tl">
+                    <a:srgbClr val="000000">
+                      <a:alpha val="43137"/>
+                    </a:srgbClr>
+                  </a:outerShdw>
+                </a:effectLst>
+                <a:uLnTx/>
+                <a:uFillTx/>
+                <a:latin typeface="Arial" pitchFamily="34" charset="0"/>
+                <a:ea typeface="+mj-ea"/>
+                <a:cs typeface="Arial" pitchFamily="34" charset="0"/>
+              </a:rPr>
+              <a:t> </a:t>
+            </a:r>
+            <a:r>
+              <a:rPr kumimoji="0" lang="de-DE" sz="4000" b="1" i="0" u="none" strike="noStrike" kern="1200" cap="none" spc="0" normalizeH="0" baseline="0" noProof="0" dirty="0" err="1">
+                <a:ln>
+                  <a:noFill/>
+                </a:ln>
+                <a:solidFill>
+                  <a:prstClr val="white"/>
+                </a:solidFill>
+                <a:effectLst>
+                  <a:outerShdw blurRad="38100" dist="38100" dir="2700000" algn="tl">
+                    <a:srgbClr val="000000">
+                      <a:alpha val="43137"/>
+                    </a:srgbClr>
+                  </a:outerShdw>
+                </a:effectLst>
+                <a:uLnTx/>
+                <a:uFillTx/>
+                <a:latin typeface="Arial" pitchFamily="34" charset="0"/>
+                <a:ea typeface="+mj-ea"/>
+                <a:cs typeface="Arial" pitchFamily="34" charset="0"/>
+              </a:rPr>
+              <a:t>one</a:t>
+            </a:r>
+            <a:r>
+              <a:rPr kumimoji="0" lang="de-DE" sz="4000" b="1" i="0" u="none" strike="noStrike" kern="1200" cap="none" spc="0" normalizeH="0" baseline="0" noProof="0" dirty="0">
+                <a:ln>
+                  <a:noFill/>
+                </a:ln>
+                <a:solidFill>
+                  <a:prstClr val="white"/>
+                </a:solidFill>
+                <a:effectLst>
+                  <a:outerShdw blurRad="38100" dist="38100" dir="2700000" algn="tl">
+                    <a:srgbClr val="000000">
+                      <a:alpha val="43137"/>
+                    </a:srgbClr>
+                  </a:outerShdw>
+                </a:effectLst>
+                <a:uLnTx/>
+                <a:uFillTx/>
+                <a:latin typeface="Arial" pitchFamily="34" charset="0"/>
+                <a:ea typeface="+mj-ea"/>
+                <a:cs typeface="Arial" pitchFamily="34" charset="0"/>
+              </a:rPr>
+              <a:t> </a:t>
+            </a:r>
+            <a:r>
+              <a:rPr kumimoji="0" lang="de-DE" sz="4000" b="1" i="0" u="none" strike="noStrike" kern="1200" cap="none" spc="0" normalizeH="0" baseline="0" noProof="0" dirty="0" err="1">
+                <a:ln>
+                  <a:noFill/>
+                </a:ln>
+                <a:solidFill>
+                  <a:prstClr val="white"/>
+                </a:solidFill>
+                <a:effectLst>
+                  <a:outerShdw blurRad="38100" dist="38100" dir="2700000" algn="tl">
+                    <a:srgbClr val="000000">
+                      <a:alpha val="43137"/>
+                    </a:srgbClr>
+                  </a:outerShdw>
+                </a:effectLst>
+                <a:uLnTx/>
+                <a:uFillTx/>
+                <a:latin typeface="Arial" pitchFamily="34" charset="0"/>
+                <a:ea typeface="+mj-ea"/>
+                <a:cs typeface="Arial" pitchFamily="34" charset="0"/>
+              </a:rPr>
+              <a:t>way</a:t>
+            </a:r>
+            <a:r>
+              <a:rPr kumimoji="0" lang="de-DE" sz="4000" b="1" i="0" u="none" strike="noStrike" kern="1200" cap="none" spc="0" normalizeH="0" baseline="0" noProof="0" dirty="0">
+                <a:ln>
+                  <a:noFill/>
+                </a:ln>
+                <a:solidFill>
+                  <a:prstClr val="white"/>
+                </a:solidFill>
+                <a:effectLst>
+                  <a:outerShdw blurRad="38100" dist="38100" dir="2700000" algn="tl">
+                    <a:srgbClr val="000000">
+                      <a:alpha val="43137"/>
+                    </a:srgbClr>
+                  </a:outerShdw>
+                </a:effectLst>
+                <a:uLnTx/>
+                <a:uFillTx/>
+                <a:latin typeface="Arial" pitchFamily="34" charset="0"/>
+                <a:ea typeface="+mj-ea"/>
+                <a:cs typeface="Arial" pitchFamily="34" charset="0"/>
+              </a:rPr>
+              <a:t> </a:t>
+            </a:r>
+            <a:r>
+              <a:rPr lang="de-DE" sz="4000" b="1" dirty="0">
+                <a:solidFill>
+                  <a:prstClr val="white"/>
+                </a:solidFill>
+                <a:effectLst>
+                  <a:outerShdw blurRad="38100" dist="38100" dir="2700000" algn="tl">
+                    <a:srgbClr val="000000">
+                      <a:alpha val="43137"/>
+                    </a:srgbClr>
+                  </a:outerShdw>
+                </a:effectLst>
+                <a:latin typeface="Arial" pitchFamily="34" charset="0"/>
+                <a:cs typeface="Arial" pitchFamily="34" charset="0"/>
+              </a:rPr>
+              <a:t>C</a:t>
+            </a:r>
+            <a:r>
+              <a:rPr kumimoji="0" lang="de-DE" sz="4000" b="1" i="0" u="none" strike="noStrike" kern="1200" cap="none" spc="0" normalizeH="0" baseline="0" noProof="0" dirty="0" err="1">
+                <a:ln>
+                  <a:noFill/>
+                </a:ln>
+                <a:solidFill>
+                  <a:prstClr val="white"/>
+                </a:solidFill>
+                <a:effectLst>
+                  <a:outerShdw blurRad="38100" dist="38100" dir="2700000" algn="tl">
+                    <a:srgbClr val="000000">
+                      <a:alpha val="43137"/>
+                    </a:srgbClr>
+                  </a:outerShdw>
+                </a:effectLst>
+                <a:uLnTx/>
+                <a:uFillTx/>
+                <a:latin typeface="Arial" pitchFamily="34" charset="0"/>
+                <a:ea typeface="+mj-ea"/>
+                <a:cs typeface="Arial" pitchFamily="34" charset="0"/>
+              </a:rPr>
+              <a:t>hain</a:t>
+            </a:r>
+            <a:endParaRPr lang="de-AT" sz="4000" dirty="0"/>
+          </a:p>
+        </p:txBody>
+      </p:sp>
+      <p:sp>
+        <p:nvSpPr>
+          <p:cNvPr id="3" name="Untertitel 2">
+            <a:extLst>
+              <a:ext uri="{FF2B5EF4-FFF2-40B4-BE49-F238E27FC236}">
+                <a16:creationId xmlns:a16="http://schemas.microsoft.com/office/drawing/2014/main" id="{68C81C8E-B322-43F6-84A0-F611E923DEAA}"/>
+              </a:ext>
+            </a:extLst>
+          </p:cNvPr>
+          <p:cNvSpPr>
+            <a:spLocks noGrp="1"/>
+          </p:cNvSpPr>
+          <p:nvPr>
+            <p:ph type="subTitle" idx="1"/>
+          </p:nvPr>
+        </p:nvSpPr>
+        <p:spPr/>
+        <p:txBody>
+          <a:bodyPr/>
+          <a:lstStyle/>
+          <a:p>
+            <a:endParaRPr lang="de-AT"/>
+          </a:p>
+        </p:txBody>
+      </p:sp>
+      <p:sp>
+        <p:nvSpPr>
+          <p:cNvPr id="8" name="Rechteck 7">
+            <a:extLst>
+              <a:ext uri="{FF2B5EF4-FFF2-40B4-BE49-F238E27FC236}">
+                <a16:creationId xmlns:a16="http://schemas.microsoft.com/office/drawing/2014/main" id="{192452E4-F7BE-4F5C-BF08-ED9E5D6F57F1}"/>
+              </a:ext>
+            </a:extLst>
+          </p:cNvPr>
+          <p:cNvSpPr/>
+          <p:nvPr/>
+        </p:nvSpPr>
+        <p:spPr>
+          <a:xfrm>
+            <a:off x="0" y="888521"/>
+            <a:ext cx="9144000" cy="5969479"/>
+          </a:xfrm>
+          <a:prstGeom prst="rect">
+            <a:avLst/>
+          </a:prstGeom>
+        </p:spPr>
+        <p:style>
+          <a:lnRef idx="2">
+            <a:schemeClr val="accent6"/>
+          </a:lnRef>
+          <a:fillRef idx="1">
+            <a:schemeClr val="lt1"/>
+          </a:fillRef>
+          <a:effectRef idx="0">
+            <a:schemeClr val="accent6"/>
+          </a:effectRef>
+          <a:fontRef idx="minor">
+            <a:schemeClr val="dk1"/>
+          </a:fontRef>
+        </p:style>
+        <p:txBody>
+          <a:bodyPr rtlCol="0" anchor="ctr"/>
+          <a:lstStyle/>
+          <a:p>
+            <a:pPr algn="ctr"/>
+            <a:endParaRPr lang="de-AT" dirty="0"/>
+          </a:p>
+        </p:txBody>
+      </p:sp>
+      <p:cxnSp>
+        <p:nvCxnSpPr>
+          <p:cNvPr id="11" name="Gerader Verbinder 10">
+            <a:extLst>
+              <a:ext uri="{FF2B5EF4-FFF2-40B4-BE49-F238E27FC236}">
+                <a16:creationId xmlns:a16="http://schemas.microsoft.com/office/drawing/2014/main" id="{B0410906-36E3-4EAD-BF56-DBFBE70BB99D}"/>
+              </a:ext>
+            </a:extLst>
+          </p:cNvPr>
+          <p:cNvCxnSpPr>
+            <a:cxnSpLocks/>
+          </p:cNvCxnSpPr>
+          <p:nvPr/>
+        </p:nvCxnSpPr>
+        <p:spPr>
+          <a:xfrm>
+            <a:off x="1494526" y="2829719"/>
+            <a:ext cx="0" cy="0"/>
+          </a:xfrm>
+          <a:prstGeom prst="line">
+            <a:avLst/>
+          </a:prstGeom>
+        </p:spPr>
+        <p:style>
+          <a:lnRef idx="1">
+            <a:schemeClr val="accent1"/>
+          </a:lnRef>
+          <a:fillRef idx="0">
+            <a:schemeClr val="accent1"/>
+          </a:fillRef>
+          <a:effectRef idx="0">
+            <a:schemeClr val="accent1"/>
+          </a:effectRef>
+          <a:fontRef idx="minor">
+            <a:schemeClr val="tx1"/>
+          </a:fontRef>
+        </p:style>
+      </p:cxnSp>
+      <p:cxnSp>
+        <p:nvCxnSpPr>
+          <p:cNvPr id="14" name="Gerader Verbinder 13">
+            <a:extLst>
+              <a:ext uri="{FF2B5EF4-FFF2-40B4-BE49-F238E27FC236}">
+                <a16:creationId xmlns:a16="http://schemas.microsoft.com/office/drawing/2014/main" id="{D9626B63-CCBC-49E0-879B-35EC30327E0A}"/>
+              </a:ext>
+            </a:extLst>
+          </p:cNvPr>
+          <p:cNvCxnSpPr>
+            <a:cxnSpLocks/>
+          </p:cNvCxnSpPr>
+          <p:nvPr/>
+        </p:nvCxnSpPr>
+        <p:spPr>
+          <a:xfrm>
+            <a:off x="1365130" y="3751158"/>
+            <a:ext cx="0" cy="0"/>
+          </a:xfrm>
+          <a:prstGeom prst="line">
+            <a:avLst/>
+          </a:prstGeom>
+        </p:spPr>
+        <p:style>
+          <a:lnRef idx="1">
+            <a:schemeClr val="accent1"/>
+          </a:lnRef>
+          <a:fillRef idx="0">
+            <a:schemeClr val="accent1"/>
+          </a:fillRef>
+          <a:effectRef idx="0">
+            <a:schemeClr val="accent1"/>
+          </a:effectRef>
+          <a:fontRef idx="minor">
+            <a:schemeClr val="tx1"/>
+          </a:fontRef>
+        </p:style>
+      </p:cxnSp>
+      <p:sp>
+        <p:nvSpPr>
+          <p:cNvPr id="4" name="Textfeld 3">
+            <a:extLst>
+              <a:ext uri="{FF2B5EF4-FFF2-40B4-BE49-F238E27FC236}">
+                <a16:creationId xmlns:a16="http://schemas.microsoft.com/office/drawing/2014/main" id="{8FDBAD98-678F-4314-BCFC-5C9E7AAF69BD}"/>
+              </a:ext>
+            </a:extLst>
+          </p:cNvPr>
+          <p:cNvSpPr txBox="1"/>
+          <p:nvPr/>
+        </p:nvSpPr>
+        <p:spPr>
+          <a:xfrm>
+            <a:off x="747834" y="2424397"/>
+            <a:ext cx="7841411" cy="2062103"/>
+          </a:xfrm>
+          <a:prstGeom prst="rect">
+            <a:avLst/>
+          </a:prstGeom>
+          <a:noFill/>
+        </p:spPr>
+        <p:txBody>
+          <a:bodyPr wrap="square" rtlCol="0">
+            <a:spAutoFit/>
+          </a:bodyPr>
+          <a:lstStyle/>
+          <a:p>
+            <a:r>
+              <a:rPr lang="en-US" sz="3200" b="0" i="0" dirty="0">
+                <a:effectLst/>
+                <a:latin typeface="Franklin Gothic Book" panose="020B0503020102020204" pitchFamily="34" charset="0"/>
+              </a:rPr>
+              <a:t>In Singly linked list has a node which contains 2 parts: The Data part and the link part. In Singly linked list the direction is only forward.</a:t>
+            </a:r>
+            <a:endParaRPr lang="de-AT" sz="3200" dirty="0">
+              <a:latin typeface="Franklin Gothic Book" panose="020B0503020102020204" pitchFamily="34" charset="0"/>
+            </a:endParaRPr>
+          </a:p>
+        </p:txBody>
+      </p:sp>
     </p:spTree>
     <p:extLst>
       <p:ext uri="{BB962C8B-B14F-4D97-AF65-F5344CB8AC3E}">

--- a/LinkedList.pptx
+++ b/LinkedList.pptx
@@ -5,18 +5,25 @@
     <p:sldMasterId id="2147483660" r:id="rId1"/>
   </p:sldMasterIdLst>
   <p:notesMasterIdLst>
-    <p:notesMasterId r:id="rId8"/>
+    <p:notesMasterId r:id="rId15"/>
   </p:notesMasterIdLst>
   <p:handoutMasterIdLst>
-    <p:handoutMasterId r:id="rId9"/>
+    <p:handoutMasterId r:id="rId16"/>
   </p:handoutMasterIdLst>
   <p:sldIdLst>
     <p:sldId id="278" r:id="rId2"/>
     <p:sldId id="279" r:id="rId3"/>
     <p:sldId id="280" r:id="rId4"/>
-    <p:sldId id="276" r:id="rId5"/>
-    <p:sldId id="273" r:id="rId6"/>
-    <p:sldId id="275" r:id="rId7"/>
+    <p:sldId id="281" r:id="rId5"/>
+    <p:sldId id="283" r:id="rId6"/>
+    <p:sldId id="284" r:id="rId7"/>
+    <p:sldId id="285" r:id="rId8"/>
+    <p:sldId id="286" r:id="rId9"/>
+    <p:sldId id="287" r:id="rId10"/>
+    <p:sldId id="288" r:id="rId11"/>
+    <p:sldId id="276" r:id="rId12"/>
+    <p:sldId id="273" r:id="rId13"/>
+    <p:sldId id="275" r:id="rId14"/>
   </p:sldIdLst>
   <p:sldSz cx="9144000" cy="6858000" type="screen4x3"/>
   <p:notesSz cx="6858000" cy="9144000"/>
@@ -4029,7 +4036,7 @@
 </p:sld>
 </file>
 
-<file path=ppt/slides/slide2.xml><?xml version="1.0" encoding="utf-8"?>
+<file path=ppt/slides/slide10.xml><?xml version="1.0" encoding="utf-8"?>
 <p:sld xmlns:a="http://schemas.openxmlformats.org/drawingml/2006/main" xmlns:r="http://schemas.openxmlformats.org/officeDocument/2006/relationships" xmlns:p="http://schemas.openxmlformats.org/presentationml/2006/main">
   <p:cSld>
     <p:spTree>
@@ -4371,6 +4378,1879 @@
           </a:fontRef>
         </p:style>
       </p:cxnSp>
+      <p:pic>
+        <p:nvPicPr>
+          <p:cNvPr id="10" name="Grafik 9">
+            <a:extLst>
+              <a:ext uri="{FF2B5EF4-FFF2-40B4-BE49-F238E27FC236}">
+                <a16:creationId xmlns:a16="http://schemas.microsoft.com/office/drawing/2014/main" id="{4E76FFB8-F09F-470F-8FF6-2FF37DED5FCF}"/>
+              </a:ext>
+            </a:extLst>
+          </p:cNvPr>
+          <p:cNvPicPr>
+            <a:picLocks noChangeAspect="1"/>
+          </p:cNvPicPr>
+          <p:nvPr/>
+        </p:nvPicPr>
+        <p:blipFill>
+          <a:blip r:embed="rId2"/>
+          <a:stretch>
+            <a:fillRect/>
+          </a:stretch>
+        </p:blipFill>
+        <p:spPr>
+          <a:xfrm>
+            <a:off x="590264" y="2529840"/>
+            <a:ext cx="7963472" cy="2102678"/>
+          </a:xfrm>
+          <a:prstGeom prst="rect">
+            <a:avLst/>
+          </a:prstGeom>
+        </p:spPr>
+      </p:pic>
+    </p:spTree>
+    <p:extLst>
+      <p:ext uri="{BB962C8B-B14F-4D97-AF65-F5344CB8AC3E}">
+        <p14:creationId xmlns:p14="http://schemas.microsoft.com/office/powerpoint/2010/main" val="1338345064"/>
+      </p:ext>
+    </p:extLst>
+  </p:cSld>
+  <p:clrMapOvr>
+    <a:masterClrMapping/>
+  </p:clrMapOvr>
+</p:sld>
+</file>
+
+<file path=ppt/slides/slide11.xml><?xml version="1.0" encoding="utf-8"?>
+<p:sld xmlns:a="http://schemas.openxmlformats.org/drawingml/2006/main" xmlns:r="http://schemas.openxmlformats.org/officeDocument/2006/relationships" xmlns:p="http://schemas.openxmlformats.org/presentationml/2006/main">
+  <p:cSld>
+    <p:spTree>
+      <p:nvGrpSpPr>
+        <p:cNvPr id="1" name=""/>
+        <p:cNvGrpSpPr/>
+        <p:nvPr/>
+      </p:nvGrpSpPr>
+      <p:grpSpPr>
+        <a:xfrm>
+          <a:off x="0" y="0"/>
+          <a:ext cx="0" cy="0"/>
+          <a:chOff x="0" y="0"/>
+          <a:chExt cx="0" cy="0"/>
+        </a:xfrm>
+      </p:grpSpPr>
+      <p:sp>
+        <p:nvSpPr>
+          <p:cNvPr id="6" name="Rechteck 5">
+            <a:extLst>
+              <a:ext uri="{FF2B5EF4-FFF2-40B4-BE49-F238E27FC236}">
+                <a16:creationId xmlns:a16="http://schemas.microsoft.com/office/drawing/2014/main" id="{0DE504A7-6DD8-4D73-96D4-CFB09F9D6897}"/>
+              </a:ext>
+            </a:extLst>
+          </p:cNvPr>
+          <p:cNvSpPr/>
+          <p:nvPr/>
+        </p:nvSpPr>
+        <p:spPr>
+          <a:xfrm>
+            <a:off x="0" y="0"/>
+            <a:ext cx="9144000" cy="888521"/>
+          </a:xfrm>
+          <a:prstGeom prst="rect">
+            <a:avLst/>
+          </a:prstGeom>
+        </p:spPr>
+        <p:style>
+          <a:lnRef idx="2">
+            <a:schemeClr val="accent4">
+              <a:shade val="50000"/>
+            </a:schemeClr>
+          </a:lnRef>
+          <a:fillRef idx="1">
+            <a:schemeClr val="accent4"/>
+          </a:fillRef>
+          <a:effectRef idx="0">
+            <a:schemeClr val="accent4"/>
+          </a:effectRef>
+          <a:fontRef idx="minor">
+            <a:schemeClr val="lt1"/>
+          </a:fontRef>
+        </p:style>
+        <p:txBody>
+          <a:bodyPr rtlCol="0" anchor="ctr"/>
+          <a:lstStyle/>
+          <a:p>
+            <a:pPr algn="ctr"/>
+            <a:endParaRPr lang="de-AT"/>
+          </a:p>
+        </p:txBody>
+      </p:sp>
+      <p:sp>
+        <p:nvSpPr>
+          <p:cNvPr id="2" name="Titel 1">
+            <a:extLst>
+              <a:ext uri="{FF2B5EF4-FFF2-40B4-BE49-F238E27FC236}">
+                <a16:creationId xmlns:a16="http://schemas.microsoft.com/office/drawing/2014/main" id="{A98C967C-2AA5-4E8F-9FB4-A21960A1E60C}"/>
+              </a:ext>
+            </a:extLst>
+          </p:cNvPr>
+          <p:cNvSpPr>
+            <a:spLocks noGrp="1"/>
+          </p:cNvSpPr>
+          <p:nvPr>
+            <p:ph type="ctrTitle"/>
+          </p:nvPr>
+        </p:nvSpPr>
+        <p:spPr>
+          <a:xfrm>
+            <a:off x="486379" y="103914"/>
+            <a:ext cx="7599459" cy="685965"/>
+          </a:xfrm>
+        </p:spPr>
+        <p:txBody>
+          <a:bodyPr>
+            <a:normAutofit/>
+          </a:bodyPr>
+          <a:lstStyle/>
+          <a:p>
+            <a:r>
+              <a:rPr lang="de-DE" sz="4000" b="1" dirty="0" err="1">
+                <a:solidFill>
+                  <a:prstClr val="white"/>
+                </a:solidFill>
+                <a:effectLst>
+                  <a:outerShdw blurRad="38100" dist="38100" dir="2700000" algn="tl">
+                    <a:srgbClr val="000000">
+                      <a:alpha val="43137"/>
+                    </a:srgbClr>
+                  </a:outerShdw>
+                </a:effectLst>
+                <a:latin typeface="Arial" pitchFamily="34" charset="0"/>
+                <a:cs typeface="Arial" pitchFamily="34" charset="0"/>
+              </a:rPr>
+              <a:t>Uses</a:t>
+            </a:r>
+            <a:r>
+              <a:rPr lang="de-DE" sz="4000" b="1" dirty="0">
+                <a:solidFill>
+                  <a:prstClr val="white"/>
+                </a:solidFill>
+                <a:effectLst>
+                  <a:outerShdw blurRad="38100" dist="38100" dir="2700000" algn="tl">
+                    <a:srgbClr val="000000">
+                      <a:alpha val="43137"/>
+                    </a:srgbClr>
+                  </a:outerShdw>
+                </a:effectLst>
+                <a:latin typeface="Arial" pitchFamily="34" charset="0"/>
+                <a:cs typeface="Arial" pitchFamily="34" charset="0"/>
+              </a:rPr>
+              <a:t> </a:t>
+            </a:r>
+            <a:r>
+              <a:rPr lang="de-DE" sz="4000" b="1" dirty="0" err="1">
+                <a:solidFill>
+                  <a:prstClr val="white"/>
+                </a:solidFill>
+                <a:effectLst>
+                  <a:outerShdw blurRad="38100" dist="38100" dir="2700000" algn="tl">
+                    <a:srgbClr val="000000">
+                      <a:alpha val="43137"/>
+                    </a:srgbClr>
+                  </a:outerShdw>
+                </a:effectLst>
+                <a:latin typeface="Arial" pitchFamily="34" charset="0"/>
+                <a:cs typeface="Arial" pitchFamily="34" charset="0"/>
+              </a:rPr>
+              <a:t>of</a:t>
+            </a:r>
+            <a:r>
+              <a:rPr lang="de-DE" sz="4000" b="1" dirty="0">
+                <a:solidFill>
+                  <a:prstClr val="white"/>
+                </a:solidFill>
+                <a:effectLst>
+                  <a:outerShdw blurRad="38100" dist="38100" dir="2700000" algn="tl">
+                    <a:srgbClr val="000000">
+                      <a:alpha val="43137"/>
+                    </a:srgbClr>
+                  </a:outerShdw>
+                </a:effectLst>
+                <a:latin typeface="Arial" pitchFamily="34" charset="0"/>
+                <a:cs typeface="Arial" pitchFamily="34" charset="0"/>
+              </a:rPr>
+              <a:t> </a:t>
+            </a:r>
+            <a:r>
+              <a:rPr lang="de-DE" sz="4000" b="1" dirty="0" err="1">
+                <a:solidFill>
+                  <a:prstClr val="white"/>
+                </a:solidFill>
+                <a:effectLst>
+                  <a:outerShdw blurRad="38100" dist="38100" dir="2700000" algn="tl">
+                    <a:srgbClr val="000000">
+                      <a:alpha val="43137"/>
+                    </a:srgbClr>
+                  </a:outerShdw>
+                </a:effectLst>
+                <a:latin typeface="Arial" pitchFamily="34" charset="0"/>
+                <a:cs typeface="Arial" pitchFamily="34" charset="0"/>
+              </a:rPr>
+              <a:t>Linked</a:t>
+            </a:r>
+            <a:r>
+              <a:rPr lang="de-DE" sz="4000" b="1" dirty="0">
+                <a:solidFill>
+                  <a:prstClr val="white"/>
+                </a:solidFill>
+                <a:effectLst>
+                  <a:outerShdw blurRad="38100" dist="38100" dir="2700000" algn="tl">
+                    <a:srgbClr val="000000">
+                      <a:alpha val="43137"/>
+                    </a:srgbClr>
+                  </a:outerShdw>
+                </a:effectLst>
+                <a:latin typeface="Arial" pitchFamily="34" charset="0"/>
+                <a:cs typeface="Arial" pitchFamily="34" charset="0"/>
+              </a:rPr>
+              <a:t> Lists</a:t>
+            </a:r>
+            <a:endParaRPr lang="de-AT" sz="4000" dirty="0"/>
+          </a:p>
+        </p:txBody>
+      </p:sp>
+      <p:sp>
+        <p:nvSpPr>
+          <p:cNvPr id="3" name="Untertitel 2">
+            <a:extLst>
+              <a:ext uri="{FF2B5EF4-FFF2-40B4-BE49-F238E27FC236}">
+                <a16:creationId xmlns:a16="http://schemas.microsoft.com/office/drawing/2014/main" id="{68C81C8E-B322-43F6-84A0-F611E923DEAA}"/>
+              </a:ext>
+            </a:extLst>
+          </p:cNvPr>
+          <p:cNvSpPr>
+            <a:spLocks noGrp="1"/>
+          </p:cNvSpPr>
+          <p:nvPr>
+            <p:ph type="subTitle" idx="1"/>
+          </p:nvPr>
+        </p:nvSpPr>
+        <p:spPr/>
+        <p:txBody>
+          <a:bodyPr/>
+          <a:lstStyle/>
+          <a:p>
+            <a:endParaRPr lang="de-AT"/>
+          </a:p>
+        </p:txBody>
+      </p:sp>
+      <p:sp>
+        <p:nvSpPr>
+          <p:cNvPr id="8" name="Rechteck 7">
+            <a:extLst>
+              <a:ext uri="{FF2B5EF4-FFF2-40B4-BE49-F238E27FC236}">
+                <a16:creationId xmlns:a16="http://schemas.microsoft.com/office/drawing/2014/main" id="{192452E4-F7BE-4F5C-BF08-ED9E5D6F57F1}"/>
+              </a:ext>
+            </a:extLst>
+          </p:cNvPr>
+          <p:cNvSpPr/>
+          <p:nvPr/>
+        </p:nvSpPr>
+        <p:spPr>
+          <a:xfrm>
+            <a:off x="0" y="888521"/>
+            <a:ext cx="9144000" cy="5969479"/>
+          </a:xfrm>
+          <a:prstGeom prst="rect">
+            <a:avLst/>
+          </a:prstGeom>
+        </p:spPr>
+        <p:style>
+          <a:lnRef idx="2">
+            <a:schemeClr val="accent6"/>
+          </a:lnRef>
+          <a:fillRef idx="1">
+            <a:schemeClr val="lt1"/>
+          </a:fillRef>
+          <a:effectRef idx="0">
+            <a:schemeClr val="accent6"/>
+          </a:effectRef>
+          <a:fontRef idx="minor">
+            <a:schemeClr val="dk1"/>
+          </a:fontRef>
+        </p:style>
+        <p:txBody>
+          <a:bodyPr rtlCol="0" anchor="ctr"/>
+          <a:lstStyle/>
+          <a:p>
+            <a:pPr algn="ctr"/>
+            <a:endParaRPr lang="de-AT" dirty="0"/>
+          </a:p>
+        </p:txBody>
+      </p:sp>
+      <p:cxnSp>
+        <p:nvCxnSpPr>
+          <p:cNvPr id="11" name="Gerader Verbinder 10">
+            <a:extLst>
+              <a:ext uri="{FF2B5EF4-FFF2-40B4-BE49-F238E27FC236}">
+                <a16:creationId xmlns:a16="http://schemas.microsoft.com/office/drawing/2014/main" id="{B0410906-36E3-4EAD-BF56-DBFBE70BB99D}"/>
+              </a:ext>
+            </a:extLst>
+          </p:cNvPr>
+          <p:cNvCxnSpPr>
+            <a:cxnSpLocks/>
+          </p:cNvCxnSpPr>
+          <p:nvPr/>
+        </p:nvCxnSpPr>
+        <p:spPr>
+          <a:xfrm>
+            <a:off x="1494526" y="2829719"/>
+            <a:ext cx="0" cy="0"/>
+          </a:xfrm>
+          <a:prstGeom prst="line">
+            <a:avLst/>
+          </a:prstGeom>
+        </p:spPr>
+        <p:style>
+          <a:lnRef idx="1">
+            <a:schemeClr val="accent1"/>
+          </a:lnRef>
+          <a:fillRef idx="0">
+            <a:schemeClr val="accent1"/>
+          </a:fillRef>
+          <a:effectRef idx="0">
+            <a:schemeClr val="accent1"/>
+          </a:effectRef>
+          <a:fontRef idx="minor">
+            <a:schemeClr val="tx1"/>
+          </a:fontRef>
+        </p:style>
+      </p:cxnSp>
+      <p:cxnSp>
+        <p:nvCxnSpPr>
+          <p:cNvPr id="14" name="Gerader Verbinder 13">
+            <a:extLst>
+              <a:ext uri="{FF2B5EF4-FFF2-40B4-BE49-F238E27FC236}">
+                <a16:creationId xmlns:a16="http://schemas.microsoft.com/office/drawing/2014/main" id="{D9626B63-CCBC-49E0-879B-35EC30327E0A}"/>
+              </a:ext>
+            </a:extLst>
+          </p:cNvPr>
+          <p:cNvCxnSpPr>
+            <a:cxnSpLocks/>
+          </p:cNvCxnSpPr>
+          <p:nvPr/>
+        </p:nvCxnSpPr>
+        <p:spPr>
+          <a:xfrm>
+            <a:off x="1365130" y="3751158"/>
+            <a:ext cx="0" cy="0"/>
+          </a:xfrm>
+          <a:prstGeom prst="line">
+            <a:avLst/>
+          </a:prstGeom>
+        </p:spPr>
+        <p:style>
+          <a:lnRef idx="1">
+            <a:schemeClr val="accent1"/>
+          </a:lnRef>
+          <a:fillRef idx="0">
+            <a:schemeClr val="accent1"/>
+          </a:fillRef>
+          <a:effectRef idx="0">
+            <a:schemeClr val="accent1"/>
+          </a:effectRef>
+          <a:fontRef idx="minor">
+            <a:schemeClr val="tx1"/>
+          </a:fontRef>
+        </p:style>
+      </p:cxnSp>
+      <p:sp>
+        <p:nvSpPr>
+          <p:cNvPr id="4" name="Textfeld 3">
+            <a:extLst>
+              <a:ext uri="{FF2B5EF4-FFF2-40B4-BE49-F238E27FC236}">
+                <a16:creationId xmlns:a16="http://schemas.microsoft.com/office/drawing/2014/main" id="{96203B3D-5F9D-43A5-BDC4-477DAB7709DC}"/>
+              </a:ext>
+            </a:extLst>
+          </p:cNvPr>
+          <p:cNvSpPr txBox="1"/>
+          <p:nvPr/>
+        </p:nvSpPr>
+        <p:spPr>
+          <a:xfrm>
+            <a:off x="658908" y="1611103"/>
+            <a:ext cx="8062398" cy="4524315"/>
+          </a:xfrm>
+          <a:prstGeom prst="rect">
+            <a:avLst/>
+          </a:prstGeom>
+          <a:noFill/>
+        </p:spPr>
+        <p:txBody>
+          <a:bodyPr wrap="square" rtlCol="0">
+            <a:spAutoFit/>
+          </a:bodyPr>
+          <a:lstStyle/>
+          <a:p>
+            <a:r>
+              <a:rPr lang="en-US" sz="3200" b="0" dirty="0">
+                <a:effectLst/>
+                <a:latin typeface="Franklin Gothic Book" panose="020B0503020102020204" pitchFamily="34" charset="0"/>
+              </a:rPr>
+              <a:t>List do not always have to be present in the memory. A node can be anywhere in memory and then can be linked to make a list.</a:t>
+            </a:r>
+          </a:p>
+          <a:p>
+            <a:br>
+              <a:rPr lang="en-US" sz="3200" b="0" dirty="0">
+                <a:effectLst/>
+                <a:latin typeface="Franklin Gothic Book" panose="020B0503020102020204" pitchFamily="34" charset="0"/>
+              </a:rPr>
+            </a:br>
+            <a:r>
+              <a:rPr lang="en-US" sz="3200" b="0" dirty="0">
+                <a:effectLst/>
+                <a:latin typeface="Franklin Gothic Book" panose="020B0503020102020204" pitchFamily="34" charset="0"/>
+              </a:rPr>
+              <a:t>The List size is dependent on the memory size.</a:t>
+            </a:r>
+          </a:p>
+          <a:p>
+            <a:br>
+              <a:rPr lang="en-US" sz="3200" b="0" dirty="0">
+                <a:effectLst/>
+                <a:latin typeface="Franklin Gothic Book" panose="020B0503020102020204" pitchFamily="34" charset="0"/>
+              </a:rPr>
+            </a:br>
+            <a:r>
+              <a:rPr lang="en-US" sz="3200" b="0" dirty="0">
+                <a:effectLst/>
+                <a:latin typeface="Franklin Gothic Book" panose="020B0503020102020204" pitchFamily="34" charset="0"/>
+              </a:rPr>
+              <a:t>We can store more then basic type.</a:t>
+            </a:r>
+            <a:endParaRPr lang="en-US" sz="3200" dirty="0">
+              <a:latin typeface="Franklin Gothic Book" panose="020B0503020102020204" pitchFamily="34" charset="0"/>
+            </a:endParaRPr>
+          </a:p>
+          <a:p>
+            <a:endParaRPr lang="de-AT" sz="3200" dirty="0">
+              <a:latin typeface="Franklin Gothic Book" panose="020B0503020102020204" pitchFamily="34" charset="0"/>
+            </a:endParaRPr>
+          </a:p>
+        </p:txBody>
+      </p:sp>
+    </p:spTree>
+    <p:extLst>
+      <p:ext uri="{BB962C8B-B14F-4D97-AF65-F5344CB8AC3E}">
+        <p14:creationId xmlns:p14="http://schemas.microsoft.com/office/powerpoint/2010/main" val="1769521590"/>
+      </p:ext>
+    </p:extLst>
+  </p:cSld>
+  <p:clrMapOvr>
+    <a:masterClrMapping/>
+  </p:clrMapOvr>
+</p:sld>
+</file>
+
+<file path=ppt/slides/slide12.xml><?xml version="1.0" encoding="utf-8"?>
+<p:sld xmlns:a="http://schemas.openxmlformats.org/drawingml/2006/main" xmlns:r="http://schemas.openxmlformats.org/officeDocument/2006/relationships" xmlns:p="http://schemas.openxmlformats.org/presentationml/2006/main">
+  <p:cSld>
+    <p:spTree>
+      <p:nvGrpSpPr>
+        <p:cNvPr id="1" name=""/>
+        <p:cNvGrpSpPr/>
+        <p:nvPr/>
+      </p:nvGrpSpPr>
+      <p:grpSpPr>
+        <a:xfrm>
+          <a:off x="0" y="0"/>
+          <a:ext cx="0" cy="0"/>
+          <a:chOff x="0" y="0"/>
+          <a:chExt cx="0" cy="0"/>
+        </a:xfrm>
+      </p:grpSpPr>
+      <p:sp>
+        <p:nvSpPr>
+          <p:cNvPr id="6" name="Rechteck 5">
+            <a:extLst>
+              <a:ext uri="{FF2B5EF4-FFF2-40B4-BE49-F238E27FC236}">
+                <a16:creationId xmlns:a16="http://schemas.microsoft.com/office/drawing/2014/main" id="{0DE504A7-6DD8-4D73-96D4-CFB09F9D6897}"/>
+              </a:ext>
+            </a:extLst>
+          </p:cNvPr>
+          <p:cNvSpPr/>
+          <p:nvPr/>
+        </p:nvSpPr>
+        <p:spPr>
+          <a:xfrm>
+            <a:off x="0" y="0"/>
+            <a:ext cx="9144000" cy="888521"/>
+          </a:xfrm>
+          <a:prstGeom prst="rect">
+            <a:avLst/>
+          </a:prstGeom>
+        </p:spPr>
+        <p:style>
+          <a:lnRef idx="2">
+            <a:schemeClr val="accent4">
+              <a:shade val="50000"/>
+            </a:schemeClr>
+          </a:lnRef>
+          <a:fillRef idx="1">
+            <a:schemeClr val="accent4"/>
+          </a:fillRef>
+          <a:effectRef idx="0">
+            <a:schemeClr val="accent4"/>
+          </a:effectRef>
+          <a:fontRef idx="minor">
+            <a:schemeClr val="lt1"/>
+          </a:fontRef>
+        </p:style>
+        <p:txBody>
+          <a:bodyPr rtlCol="0" anchor="ctr"/>
+          <a:lstStyle/>
+          <a:p>
+            <a:pPr algn="ctr"/>
+            <a:endParaRPr lang="de-AT"/>
+          </a:p>
+        </p:txBody>
+      </p:sp>
+      <p:sp>
+        <p:nvSpPr>
+          <p:cNvPr id="2" name="Titel 1">
+            <a:extLst>
+              <a:ext uri="{FF2B5EF4-FFF2-40B4-BE49-F238E27FC236}">
+                <a16:creationId xmlns:a16="http://schemas.microsoft.com/office/drawing/2014/main" id="{A98C967C-2AA5-4E8F-9FB4-A21960A1E60C}"/>
+              </a:ext>
+            </a:extLst>
+          </p:cNvPr>
+          <p:cNvSpPr>
+            <a:spLocks noGrp="1"/>
+          </p:cNvSpPr>
+          <p:nvPr>
+            <p:ph type="ctrTitle"/>
+          </p:nvPr>
+        </p:nvSpPr>
+        <p:spPr>
+          <a:xfrm>
+            <a:off x="486379" y="103914"/>
+            <a:ext cx="7599459" cy="685965"/>
+          </a:xfrm>
+        </p:spPr>
+        <p:txBody>
+          <a:bodyPr>
+            <a:normAutofit fontScale="90000"/>
+          </a:bodyPr>
+          <a:lstStyle/>
+          <a:p>
+            <a:r>
+              <a:rPr kumimoji="0" lang="de-DE" sz="4000" b="1" i="0" u="none" strike="noStrike" kern="1200" cap="none" spc="0" normalizeH="0" baseline="0" noProof="0" dirty="0" err="1">
+                <a:ln>
+                  <a:noFill/>
+                </a:ln>
+                <a:solidFill>
+                  <a:prstClr val="white"/>
+                </a:solidFill>
+                <a:effectLst>
+                  <a:outerShdw blurRad="38100" dist="38100" dir="2700000" algn="tl">
+                    <a:srgbClr val="000000">
+                      <a:alpha val="43137"/>
+                    </a:srgbClr>
+                  </a:outerShdw>
+                </a:effectLst>
+                <a:uLnTx/>
+                <a:uFillTx/>
+                <a:latin typeface="Arial" pitchFamily="34" charset="0"/>
+                <a:ea typeface="+mj-ea"/>
+                <a:cs typeface="Arial" pitchFamily="34" charset="0"/>
+              </a:rPr>
+              <a:t>Why</a:t>
+            </a:r>
+            <a:r>
+              <a:rPr kumimoji="0" lang="de-DE" sz="4000" b="1" i="0" u="none" strike="noStrike" kern="1200" cap="none" spc="0" normalizeH="0" baseline="0" noProof="0" dirty="0">
+                <a:ln>
+                  <a:noFill/>
+                </a:ln>
+                <a:solidFill>
+                  <a:prstClr val="white"/>
+                </a:solidFill>
+                <a:effectLst>
+                  <a:outerShdw blurRad="38100" dist="38100" dir="2700000" algn="tl">
+                    <a:srgbClr val="000000">
+                      <a:alpha val="43137"/>
+                    </a:srgbClr>
+                  </a:outerShdw>
+                </a:effectLst>
+                <a:uLnTx/>
+                <a:uFillTx/>
+                <a:latin typeface="Arial" pitchFamily="34" charset="0"/>
+                <a:ea typeface="+mj-ea"/>
+                <a:cs typeface="Arial" pitchFamily="34" charset="0"/>
+              </a:rPr>
+              <a:t> </a:t>
+            </a:r>
+            <a:r>
+              <a:rPr kumimoji="0" lang="de-DE" sz="4000" b="1" i="0" u="none" strike="noStrike" kern="1200" cap="none" spc="0" normalizeH="0" baseline="0" noProof="0" dirty="0" err="1">
+                <a:ln>
+                  <a:noFill/>
+                </a:ln>
+                <a:solidFill>
+                  <a:prstClr val="white"/>
+                </a:solidFill>
+                <a:effectLst>
+                  <a:outerShdw blurRad="38100" dist="38100" dir="2700000" algn="tl">
+                    <a:srgbClr val="000000">
+                      <a:alpha val="43137"/>
+                    </a:srgbClr>
+                  </a:outerShdw>
+                </a:effectLst>
+                <a:uLnTx/>
+                <a:uFillTx/>
+                <a:latin typeface="Arial" pitchFamily="34" charset="0"/>
+                <a:ea typeface="+mj-ea"/>
+                <a:cs typeface="Arial" pitchFamily="34" charset="0"/>
+              </a:rPr>
+              <a:t>use</a:t>
+            </a:r>
+            <a:r>
+              <a:rPr lang="de-DE" sz="4000" b="1" dirty="0">
+                <a:solidFill>
+                  <a:prstClr val="white"/>
+                </a:solidFill>
+                <a:effectLst>
+                  <a:outerShdw blurRad="38100" dist="38100" dir="2700000" algn="tl">
+                    <a:srgbClr val="000000">
+                      <a:alpha val="43137"/>
+                    </a:srgbClr>
+                  </a:outerShdw>
+                </a:effectLst>
+                <a:latin typeface="Arial" pitchFamily="34" charset="0"/>
+                <a:cs typeface="Arial" pitchFamily="34" charset="0"/>
+              </a:rPr>
+              <a:t> </a:t>
+            </a:r>
+            <a:r>
+              <a:rPr lang="de-DE" sz="4000" b="1" dirty="0" err="1">
+                <a:solidFill>
+                  <a:prstClr val="white"/>
+                </a:solidFill>
+                <a:effectLst>
+                  <a:outerShdw blurRad="38100" dist="38100" dir="2700000" algn="tl">
+                    <a:srgbClr val="000000">
+                      <a:alpha val="43137"/>
+                    </a:srgbClr>
+                  </a:outerShdw>
+                </a:effectLst>
+                <a:latin typeface="Arial" pitchFamily="34" charset="0"/>
+                <a:cs typeface="Arial" pitchFamily="34" charset="0"/>
+              </a:rPr>
+              <a:t>Linked</a:t>
+            </a:r>
+            <a:r>
+              <a:rPr lang="de-DE" sz="4000" b="1" dirty="0">
+                <a:solidFill>
+                  <a:prstClr val="white"/>
+                </a:solidFill>
+                <a:effectLst>
+                  <a:outerShdw blurRad="38100" dist="38100" dir="2700000" algn="tl">
+                    <a:srgbClr val="000000">
+                      <a:alpha val="43137"/>
+                    </a:srgbClr>
+                  </a:outerShdw>
+                </a:effectLst>
+                <a:latin typeface="Arial" pitchFamily="34" charset="0"/>
+                <a:cs typeface="Arial" pitchFamily="34" charset="0"/>
+              </a:rPr>
+              <a:t> List </a:t>
+            </a:r>
+            <a:r>
+              <a:rPr lang="de-DE" sz="4000" b="1" dirty="0" err="1">
+                <a:solidFill>
+                  <a:prstClr val="white"/>
+                </a:solidFill>
+                <a:effectLst>
+                  <a:outerShdw blurRad="38100" dist="38100" dir="2700000" algn="tl">
+                    <a:srgbClr val="000000">
+                      <a:alpha val="43137"/>
+                    </a:srgbClr>
+                  </a:outerShdw>
+                </a:effectLst>
+                <a:latin typeface="Arial" pitchFamily="34" charset="0"/>
+                <a:cs typeface="Arial" pitchFamily="34" charset="0"/>
+              </a:rPr>
+              <a:t>over</a:t>
+            </a:r>
+            <a:r>
+              <a:rPr lang="de-DE" sz="4000" b="1" dirty="0">
+                <a:solidFill>
+                  <a:prstClr val="white"/>
+                </a:solidFill>
+                <a:effectLst>
+                  <a:outerShdw blurRad="38100" dist="38100" dir="2700000" algn="tl">
+                    <a:srgbClr val="000000">
+                      <a:alpha val="43137"/>
+                    </a:srgbClr>
+                  </a:outerShdw>
+                </a:effectLst>
+                <a:latin typeface="Arial" pitchFamily="34" charset="0"/>
+                <a:cs typeface="Arial" pitchFamily="34" charset="0"/>
+              </a:rPr>
+              <a:t> </a:t>
+            </a:r>
+            <a:r>
+              <a:rPr lang="de-DE" sz="4000" b="1" dirty="0" err="1">
+                <a:solidFill>
+                  <a:prstClr val="white"/>
+                </a:solidFill>
+                <a:effectLst>
+                  <a:outerShdw blurRad="38100" dist="38100" dir="2700000" algn="tl">
+                    <a:srgbClr val="000000">
+                      <a:alpha val="43137"/>
+                    </a:srgbClr>
+                  </a:outerShdw>
+                </a:effectLst>
+                <a:latin typeface="Arial" pitchFamily="34" charset="0"/>
+                <a:cs typeface="Arial" pitchFamily="34" charset="0"/>
+              </a:rPr>
+              <a:t>arrays</a:t>
+            </a:r>
+            <a:endParaRPr lang="de-AT" sz="4000" dirty="0"/>
+          </a:p>
+        </p:txBody>
+      </p:sp>
+      <p:sp>
+        <p:nvSpPr>
+          <p:cNvPr id="3" name="Untertitel 2">
+            <a:extLst>
+              <a:ext uri="{FF2B5EF4-FFF2-40B4-BE49-F238E27FC236}">
+                <a16:creationId xmlns:a16="http://schemas.microsoft.com/office/drawing/2014/main" id="{68C81C8E-B322-43F6-84A0-F611E923DEAA}"/>
+              </a:ext>
+            </a:extLst>
+          </p:cNvPr>
+          <p:cNvSpPr>
+            <a:spLocks noGrp="1"/>
+          </p:cNvSpPr>
+          <p:nvPr>
+            <p:ph type="subTitle" idx="1"/>
+          </p:nvPr>
+        </p:nvSpPr>
+        <p:spPr/>
+        <p:txBody>
+          <a:bodyPr/>
+          <a:lstStyle/>
+          <a:p>
+            <a:endParaRPr lang="de-AT"/>
+          </a:p>
+        </p:txBody>
+      </p:sp>
+      <p:sp>
+        <p:nvSpPr>
+          <p:cNvPr id="8" name="Rechteck 7">
+            <a:extLst>
+              <a:ext uri="{FF2B5EF4-FFF2-40B4-BE49-F238E27FC236}">
+                <a16:creationId xmlns:a16="http://schemas.microsoft.com/office/drawing/2014/main" id="{192452E4-F7BE-4F5C-BF08-ED9E5D6F57F1}"/>
+              </a:ext>
+            </a:extLst>
+          </p:cNvPr>
+          <p:cNvSpPr/>
+          <p:nvPr/>
+        </p:nvSpPr>
+        <p:spPr>
+          <a:xfrm>
+            <a:off x="0" y="888521"/>
+            <a:ext cx="9144000" cy="5969479"/>
+          </a:xfrm>
+          <a:prstGeom prst="rect">
+            <a:avLst/>
+          </a:prstGeom>
+        </p:spPr>
+        <p:style>
+          <a:lnRef idx="2">
+            <a:schemeClr val="accent6"/>
+          </a:lnRef>
+          <a:fillRef idx="1">
+            <a:schemeClr val="lt1"/>
+          </a:fillRef>
+          <a:effectRef idx="0">
+            <a:schemeClr val="accent6"/>
+          </a:effectRef>
+          <a:fontRef idx="minor">
+            <a:schemeClr val="dk1"/>
+          </a:fontRef>
+        </p:style>
+        <p:txBody>
+          <a:bodyPr rtlCol="0" anchor="ctr"/>
+          <a:lstStyle/>
+          <a:p>
+            <a:pPr algn="ctr"/>
+            <a:endParaRPr lang="de-AT" dirty="0"/>
+          </a:p>
+        </p:txBody>
+      </p:sp>
+      <p:cxnSp>
+        <p:nvCxnSpPr>
+          <p:cNvPr id="11" name="Gerader Verbinder 10">
+            <a:extLst>
+              <a:ext uri="{FF2B5EF4-FFF2-40B4-BE49-F238E27FC236}">
+                <a16:creationId xmlns:a16="http://schemas.microsoft.com/office/drawing/2014/main" id="{B0410906-36E3-4EAD-BF56-DBFBE70BB99D}"/>
+              </a:ext>
+            </a:extLst>
+          </p:cNvPr>
+          <p:cNvCxnSpPr>
+            <a:cxnSpLocks/>
+          </p:cNvCxnSpPr>
+          <p:nvPr/>
+        </p:nvCxnSpPr>
+        <p:spPr>
+          <a:xfrm>
+            <a:off x="1494526" y="2829719"/>
+            <a:ext cx="0" cy="0"/>
+          </a:xfrm>
+          <a:prstGeom prst="line">
+            <a:avLst/>
+          </a:prstGeom>
+        </p:spPr>
+        <p:style>
+          <a:lnRef idx="1">
+            <a:schemeClr val="accent1"/>
+          </a:lnRef>
+          <a:fillRef idx="0">
+            <a:schemeClr val="accent1"/>
+          </a:fillRef>
+          <a:effectRef idx="0">
+            <a:schemeClr val="accent1"/>
+          </a:effectRef>
+          <a:fontRef idx="minor">
+            <a:schemeClr val="tx1"/>
+          </a:fontRef>
+        </p:style>
+      </p:cxnSp>
+      <p:cxnSp>
+        <p:nvCxnSpPr>
+          <p:cNvPr id="14" name="Gerader Verbinder 13">
+            <a:extLst>
+              <a:ext uri="{FF2B5EF4-FFF2-40B4-BE49-F238E27FC236}">
+                <a16:creationId xmlns:a16="http://schemas.microsoft.com/office/drawing/2014/main" id="{D9626B63-CCBC-49E0-879B-35EC30327E0A}"/>
+              </a:ext>
+            </a:extLst>
+          </p:cNvPr>
+          <p:cNvCxnSpPr>
+            <a:cxnSpLocks/>
+          </p:cNvCxnSpPr>
+          <p:nvPr/>
+        </p:nvCxnSpPr>
+        <p:spPr>
+          <a:xfrm>
+            <a:off x="1365130" y="3751158"/>
+            <a:ext cx="0" cy="0"/>
+          </a:xfrm>
+          <a:prstGeom prst="line">
+            <a:avLst/>
+          </a:prstGeom>
+        </p:spPr>
+        <p:style>
+          <a:lnRef idx="1">
+            <a:schemeClr val="accent1"/>
+          </a:lnRef>
+          <a:fillRef idx="0">
+            <a:schemeClr val="accent1"/>
+          </a:fillRef>
+          <a:effectRef idx="0">
+            <a:schemeClr val="accent1"/>
+          </a:effectRef>
+          <a:fontRef idx="minor">
+            <a:schemeClr val="tx1"/>
+          </a:fontRef>
+        </p:style>
+      </p:cxnSp>
+      <p:sp>
+        <p:nvSpPr>
+          <p:cNvPr id="5" name="Textfeld 4">
+            <a:extLst>
+              <a:ext uri="{FF2B5EF4-FFF2-40B4-BE49-F238E27FC236}">
+                <a16:creationId xmlns:a16="http://schemas.microsoft.com/office/drawing/2014/main" id="{F762D0C0-B345-4CC5-9B0B-584A2382D722}"/>
+              </a:ext>
+            </a:extLst>
+          </p:cNvPr>
+          <p:cNvSpPr txBox="1"/>
+          <p:nvPr/>
+        </p:nvSpPr>
+        <p:spPr>
+          <a:xfrm>
+            <a:off x="486379" y="1978689"/>
+            <a:ext cx="8485093" cy="2554545"/>
+          </a:xfrm>
+          <a:prstGeom prst="rect">
+            <a:avLst/>
+          </a:prstGeom>
+          <a:noFill/>
+        </p:spPr>
+        <p:txBody>
+          <a:bodyPr wrap="square" rtlCol="0">
+            <a:spAutoFit/>
+          </a:bodyPr>
+          <a:lstStyle/>
+          <a:p>
+            <a:r>
+              <a:rPr lang="en-US" sz="3200" b="0" dirty="0">
+                <a:effectLst/>
+                <a:latin typeface="Franklin Gothic Book" panose="020B0503020102020204" pitchFamily="34" charset="0"/>
+              </a:rPr>
+              <a:t>The memory is dynamically assigned. All the nodes are linked with pointer.</a:t>
+            </a:r>
+          </a:p>
+          <a:p>
+            <a:r>
+              <a:rPr lang="en-US" sz="3200" b="0" dirty="0">
+                <a:effectLst/>
+                <a:latin typeface="Franklin Gothic Book" panose="020B0503020102020204" pitchFamily="34" charset="0"/>
+              </a:rPr>
+              <a:t>There is no problem with sizing, because the list grow as per the programs demand.</a:t>
+            </a:r>
+          </a:p>
+          <a:p>
+            <a:endParaRPr lang="de-AT" sz="3200" dirty="0">
+              <a:latin typeface="Franklin Gothic Book" panose="020B0503020102020204" pitchFamily="34" charset="0"/>
+            </a:endParaRPr>
+          </a:p>
+        </p:txBody>
+      </p:sp>
+    </p:spTree>
+    <p:extLst>
+      <p:ext uri="{BB962C8B-B14F-4D97-AF65-F5344CB8AC3E}">
+        <p14:creationId xmlns:p14="http://schemas.microsoft.com/office/powerpoint/2010/main" val="3674064036"/>
+      </p:ext>
+    </p:extLst>
+  </p:cSld>
+  <p:clrMapOvr>
+    <a:masterClrMapping/>
+  </p:clrMapOvr>
+</p:sld>
+</file>
+
+<file path=ppt/slides/slide13.xml><?xml version="1.0" encoding="utf-8"?>
+<p:sld xmlns:a="http://schemas.openxmlformats.org/drawingml/2006/main" xmlns:r="http://schemas.openxmlformats.org/officeDocument/2006/relationships" xmlns:p="http://schemas.openxmlformats.org/presentationml/2006/main">
+  <p:cSld>
+    <p:spTree>
+      <p:nvGrpSpPr>
+        <p:cNvPr id="1" name=""/>
+        <p:cNvGrpSpPr/>
+        <p:nvPr/>
+      </p:nvGrpSpPr>
+      <p:grpSpPr>
+        <a:xfrm>
+          <a:off x="0" y="0"/>
+          <a:ext cx="0" cy="0"/>
+          <a:chOff x="0" y="0"/>
+          <a:chExt cx="0" cy="0"/>
+        </a:xfrm>
+      </p:grpSpPr>
+      <p:sp>
+        <p:nvSpPr>
+          <p:cNvPr id="6" name="Rechteck 5">
+            <a:extLst>
+              <a:ext uri="{FF2B5EF4-FFF2-40B4-BE49-F238E27FC236}">
+                <a16:creationId xmlns:a16="http://schemas.microsoft.com/office/drawing/2014/main" id="{0DE504A7-6DD8-4D73-96D4-CFB09F9D6897}"/>
+              </a:ext>
+            </a:extLst>
+          </p:cNvPr>
+          <p:cNvSpPr/>
+          <p:nvPr/>
+        </p:nvSpPr>
+        <p:spPr>
+          <a:xfrm>
+            <a:off x="0" y="0"/>
+            <a:ext cx="9144000" cy="888521"/>
+          </a:xfrm>
+          <a:prstGeom prst="rect">
+            <a:avLst/>
+          </a:prstGeom>
+        </p:spPr>
+        <p:style>
+          <a:lnRef idx="2">
+            <a:schemeClr val="accent4">
+              <a:shade val="50000"/>
+            </a:schemeClr>
+          </a:lnRef>
+          <a:fillRef idx="1">
+            <a:schemeClr val="accent4"/>
+          </a:fillRef>
+          <a:effectRef idx="0">
+            <a:schemeClr val="accent4"/>
+          </a:effectRef>
+          <a:fontRef idx="minor">
+            <a:schemeClr val="lt1"/>
+          </a:fontRef>
+        </p:style>
+        <p:txBody>
+          <a:bodyPr rtlCol="0" anchor="ctr"/>
+          <a:lstStyle/>
+          <a:p>
+            <a:pPr algn="ctr"/>
+            <a:endParaRPr lang="de-AT"/>
+          </a:p>
+        </p:txBody>
+      </p:sp>
+      <p:sp>
+        <p:nvSpPr>
+          <p:cNvPr id="2" name="Titel 1">
+            <a:extLst>
+              <a:ext uri="{FF2B5EF4-FFF2-40B4-BE49-F238E27FC236}">
+                <a16:creationId xmlns:a16="http://schemas.microsoft.com/office/drawing/2014/main" id="{A98C967C-2AA5-4E8F-9FB4-A21960A1E60C}"/>
+              </a:ext>
+            </a:extLst>
+          </p:cNvPr>
+          <p:cNvSpPr>
+            <a:spLocks noGrp="1"/>
+          </p:cNvSpPr>
+          <p:nvPr>
+            <p:ph type="ctrTitle"/>
+          </p:nvPr>
+        </p:nvSpPr>
+        <p:spPr>
+          <a:xfrm>
+            <a:off x="486379" y="103914"/>
+            <a:ext cx="8364323" cy="685965"/>
+          </a:xfrm>
+        </p:spPr>
+        <p:txBody>
+          <a:bodyPr>
+            <a:normAutofit fontScale="90000"/>
+          </a:bodyPr>
+          <a:lstStyle/>
+          <a:p>
+            <a:r>
+              <a:rPr kumimoji="0" lang="de-DE" sz="4000" b="1" i="0" u="none" strike="noStrike" kern="1200" cap="none" spc="0" normalizeH="0" baseline="0" noProof="0" dirty="0" err="1">
+                <a:ln>
+                  <a:noFill/>
+                </a:ln>
+                <a:solidFill>
+                  <a:prstClr val="white"/>
+                </a:solidFill>
+                <a:effectLst>
+                  <a:outerShdw blurRad="38100" dist="38100" dir="2700000" algn="tl">
+                    <a:srgbClr val="000000">
+                      <a:alpha val="43137"/>
+                    </a:srgbClr>
+                  </a:outerShdw>
+                </a:effectLst>
+                <a:uLnTx/>
+                <a:uFillTx/>
+                <a:latin typeface="Arial" pitchFamily="34" charset="0"/>
+                <a:ea typeface="+mj-ea"/>
+                <a:cs typeface="Arial" pitchFamily="34" charset="0"/>
+              </a:rPr>
+              <a:t>Singly</a:t>
+            </a:r>
+            <a:r>
+              <a:rPr kumimoji="0" lang="de-DE" sz="4000" b="1" i="0" u="none" strike="noStrike" kern="1200" cap="none" spc="0" normalizeH="0" baseline="0" noProof="0" dirty="0">
+                <a:ln>
+                  <a:noFill/>
+                </a:ln>
+                <a:solidFill>
+                  <a:prstClr val="white"/>
+                </a:solidFill>
+                <a:effectLst>
+                  <a:outerShdw blurRad="38100" dist="38100" dir="2700000" algn="tl">
+                    <a:srgbClr val="000000">
+                      <a:alpha val="43137"/>
+                    </a:srgbClr>
+                  </a:outerShdw>
+                </a:effectLst>
+                <a:uLnTx/>
+                <a:uFillTx/>
+                <a:latin typeface="Arial" pitchFamily="34" charset="0"/>
+                <a:ea typeface="+mj-ea"/>
+                <a:cs typeface="Arial" pitchFamily="34" charset="0"/>
+              </a:rPr>
+              <a:t> </a:t>
+            </a:r>
+            <a:r>
+              <a:rPr lang="de-DE" sz="4000" b="1" dirty="0">
+                <a:solidFill>
+                  <a:prstClr val="white"/>
+                </a:solidFill>
+                <a:effectLst>
+                  <a:outerShdw blurRad="38100" dist="38100" dir="2700000" algn="tl">
+                    <a:srgbClr val="000000">
+                      <a:alpha val="43137"/>
+                    </a:srgbClr>
+                  </a:outerShdw>
+                </a:effectLst>
+                <a:latin typeface="Arial" pitchFamily="34" charset="0"/>
+                <a:cs typeface="Arial" pitchFamily="34" charset="0"/>
+              </a:rPr>
+              <a:t>L</a:t>
+            </a:r>
+            <a:r>
+              <a:rPr kumimoji="0" lang="de-DE" sz="4000" b="1" i="0" u="none" strike="noStrike" kern="1200" cap="none" spc="0" normalizeH="0" baseline="0" noProof="0" dirty="0" err="1">
+                <a:ln>
+                  <a:noFill/>
+                </a:ln>
+                <a:solidFill>
+                  <a:prstClr val="white"/>
+                </a:solidFill>
+                <a:effectLst>
+                  <a:outerShdw blurRad="38100" dist="38100" dir="2700000" algn="tl">
+                    <a:srgbClr val="000000">
+                      <a:alpha val="43137"/>
+                    </a:srgbClr>
+                  </a:outerShdw>
+                </a:effectLst>
+                <a:uLnTx/>
+                <a:uFillTx/>
+                <a:latin typeface="Arial" pitchFamily="34" charset="0"/>
+                <a:ea typeface="+mj-ea"/>
+                <a:cs typeface="Arial" pitchFamily="34" charset="0"/>
+              </a:rPr>
+              <a:t>inked</a:t>
+            </a:r>
+            <a:r>
+              <a:rPr kumimoji="0" lang="de-DE" sz="4000" b="1" i="0" u="none" strike="noStrike" kern="1200" cap="none" spc="0" normalizeH="0" baseline="0" noProof="0" dirty="0">
+                <a:ln>
+                  <a:noFill/>
+                </a:ln>
+                <a:solidFill>
+                  <a:prstClr val="white"/>
+                </a:solidFill>
+                <a:effectLst>
+                  <a:outerShdw blurRad="38100" dist="38100" dir="2700000" algn="tl">
+                    <a:srgbClr val="000000">
+                      <a:alpha val="43137"/>
+                    </a:srgbClr>
+                  </a:outerShdw>
+                </a:effectLst>
+                <a:uLnTx/>
+                <a:uFillTx/>
+                <a:latin typeface="Arial" pitchFamily="34" charset="0"/>
+                <a:ea typeface="+mj-ea"/>
+                <a:cs typeface="Arial" pitchFamily="34" charset="0"/>
+              </a:rPr>
+              <a:t> List </a:t>
+            </a:r>
+            <a:r>
+              <a:rPr kumimoji="0" lang="de-DE" sz="4000" b="1" i="0" u="none" strike="noStrike" kern="1200" cap="none" spc="0" normalizeH="0" baseline="0" noProof="0" dirty="0" err="1">
+                <a:ln>
+                  <a:noFill/>
+                </a:ln>
+                <a:solidFill>
+                  <a:prstClr val="white"/>
+                </a:solidFill>
+                <a:effectLst>
+                  <a:outerShdw blurRad="38100" dist="38100" dir="2700000" algn="tl">
+                    <a:srgbClr val="000000">
+                      <a:alpha val="43137"/>
+                    </a:srgbClr>
+                  </a:outerShdw>
+                </a:effectLst>
+                <a:uLnTx/>
+                <a:uFillTx/>
+                <a:latin typeface="Arial" pitchFamily="34" charset="0"/>
+                <a:ea typeface="+mj-ea"/>
+                <a:cs typeface="Arial" pitchFamily="34" charset="0"/>
+              </a:rPr>
+              <a:t>or</a:t>
+            </a:r>
+            <a:r>
+              <a:rPr kumimoji="0" lang="de-DE" sz="4000" b="1" i="0" u="none" strike="noStrike" kern="1200" cap="none" spc="0" normalizeH="0" baseline="0" noProof="0" dirty="0">
+                <a:ln>
+                  <a:noFill/>
+                </a:ln>
+                <a:solidFill>
+                  <a:prstClr val="white"/>
+                </a:solidFill>
+                <a:effectLst>
+                  <a:outerShdw blurRad="38100" dist="38100" dir="2700000" algn="tl">
+                    <a:srgbClr val="000000">
+                      <a:alpha val="43137"/>
+                    </a:srgbClr>
+                  </a:outerShdw>
+                </a:effectLst>
+                <a:uLnTx/>
+                <a:uFillTx/>
+                <a:latin typeface="Arial" pitchFamily="34" charset="0"/>
+                <a:ea typeface="+mj-ea"/>
+                <a:cs typeface="Arial" pitchFamily="34" charset="0"/>
+              </a:rPr>
+              <a:t> </a:t>
+            </a:r>
+            <a:r>
+              <a:rPr kumimoji="0" lang="de-DE" sz="4000" b="1" i="0" u="none" strike="noStrike" kern="1200" cap="none" spc="0" normalizeH="0" baseline="0" noProof="0" dirty="0" err="1">
+                <a:ln>
+                  <a:noFill/>
+                </a:ln>
+                <a:solidFill>
+                  <a:prstClr val="white"/>
+                </a:solidFill>
+                <a:effectLst>
+                  <a:outerShdw blurRad="38100" dist="38100" dir="2700000" algn="tl">
+                    <a:srgbClr val="000000">
+                      <a:alpha val="43137"/>
+                    </a:srgbClr>
+                  </a:outerShdw>
+                </a:effectLst>
+                <a:uLnTx/>
+                <a:uFillTx/>
+                <a:latin typeface="Arial" pitchFamily="34" charset="0"/>
+                <a:ea typeface="+mj-ea"/>
+                <a:cs typeface="Arial" pitchFamily="34" charset="0"/>
+              </a:rPr>
+              <a:t>one</a:t>
+            </a:r>
+            <a:r>
+              <a:rPr kumimoji="0" lang="de-DE" sz="4000" b="1" i="0" u="none" strike="noStrike" kern="1200" cap="none" spc="0" normalizeH="0" baseline="0" noProof="0" dirty="0">
+                <a:ln>
+                  <a:noFill/>
+                </a:ln>
+                <a:solidFill>
+                  <a:prstClr val="white"/>
+                </a:solidFill>
+                <a:effectLst>
+                  <a:outerShdw blurRad="38100" dist="38100" dir="2700000" algn="tl">
+                    <a:srgbClr val="000000">
+                      <a:alpha val="43137"/>
+                    </a:srgbClr>
+                  </a:outerShdw>
+                </a:effectLst>
+                <a:uLnTx/>
+                <a:uFillTx/>
+                <a:latin typeface="Arial" pitchFamily="34" charset="0"/>
+                <a:ea typeface="+mj-ea"/>
+                <a:cs typeface="Arial" pitchFamily="34" charset="0"/>
+              </a:rPr>
+              <a:t> </a:t>
+            </a:r>
+            <a:r>
+              <a:rPr kumimoji="0" lang="de-DE" sz="4000" b="1" i="0" u="none" strike="noStrike" kern="1200" cap="none" spc="0" normalizeH="0" baseline="0" noProof="0" dirty="0" err="1">
+                <a:ln>
+                  <a:noFill/>
+                </a:ln>
+                <a:solidFill>
+                  <a:prstClr val="white"/>
+                </a:solidFill>
+                <a:effectLst>
+                  <a:outerShdw blurRad="38100" dist="38100" dir="2700000" algn="tl">
+                    <a:srgbClr val="000000">
+                      <a:alpha val="43137"/>
+                    </a:srgbClr>
+                  </a:outerShdw>
+                </a:effectLst>
+                <a:uLnTx/>
+                <a:uFillTx/>
+                <a:latin typeface="Arial" pitchFamily="34" charset="0"/>
+                <a:ea typeface="+mj-ea"/>
+                <a:cs typeface="Arial" pitchFamily="34" charset="0"/>
+              </a:rPr>
+              <a:t>way</a:t>
+            </a:r>
+            <a:r>
+              <a:rPr kumimoji="0" lang="de-DE" sz="4000" b="1" i="0" u="none" strike="noStrike" kern="1200" cap="none" spc="0" normalizeH="0" baseline="0" noProof="0" dirty="0">
+                <a:ln>
+                  <a:noFill/>
+                </a:ln>
+                <a:solidFill>
+                  <a:prstClr val="white"/>
+                </a:solidFill>
+                <a:effectLst>
+                  <a:outerShdw blurRad="38100" dist="38100" dir="2700000" algn="tl">
+                    <a:srgbClr val="000000">
+                      <a:alpha val="43137"/>
+                    </a:srgbClr>
+                  </a:outerShdw>
+                </a:effectLst>
+                <a:uLnTx/>
+                <a:uFillTx/>
+                <a:latin typeface="Arial" pitchFamily="34" charset="0"/>
+                <a:ea typeface="+mj-ea"/>
+                <a:cs typeface="Arial" pitchFamily="34" charset="0"/>
+              </a:rPr>
+              <a:t> </a:t>
+            </a:r>
+            <a:r>
+              <a:rPr lang="de-DE" sz="4000" b="1" dirty="0">
+                <a:solidFill>
+                  <a:prstClr val="white"/>
+                </a:solidFill>
+                <a:effectLst>
+                  <a:outerShdw blurRad="38100" dist="38100" dir="2700000" algn="tl">
+                    <a:srgbClr val="000000">
+                      <a:alpha val="43137"/>
+                    </a:srgbClr>
+                  </a:outerShdw>
+                </a:effectLst>
+                <a:latin typeface="Arial" pitchFamily="34" charset="0"/>
+                <a:cs typeface="Arial" pitchFamily="34" charset="0"/>
+              </a:rPr>
+              <a:t>C</a:t>
+            </a:r>
+            <a:r>
+              <a:rPr kumimoji="0" lang="de-DE" sz="4000" b="1" i="0" u="none" strike="noStrike" kern="1200" cap="none" spc="0" normalizeH="0" baseline="0" noProof="0" dirty="0" err="1">
+                <a:ln>
+                  <a:noFill/>
+                </a:ln>
+                <a:solidFill>
+                  <a:prstClr val="white"/>
+                </a:solidFill>
+                <a:effectLst>
+                  <a:outerShdw blurRad="38100" dist="38100" dir="2700000" algn="tl">
+                    <a:srgbClr val="000000">
+                      <a:alpha val="43137"/>
+                    </a:srgbClr>
+                  </a:outerShdw>
+                </a:effectLst>
+                <a:uLnTx/>
+                <a:uFillTx/>
+                <a:latin typeface="Arial" pitchFamily="34" charset="0"/>
+                <a:ea typeface="+mj-ea"/>
+                <a:cs typeface="Arial" pitchFamily="34" charset="0"/>
+              </a:rPr>
+              <a:t>hain</a:t>
+            </a:r>
+            <a:endParaRPr lang="de-AT" sz="4000" dirty="0"/>
+          </a:p>
+        </p:txBody>
+      </p:sp>
+      <p:sp>
+        <p:nvSpPr>
+          <p:cNvPr id="3" name="Untertitel 2">
+            <a:extLst>
+              <a:ext uri="{FF2B5EF4-FFF2-40B4-BE49-F238E27FC236}">
+                <a16:creationId xmlns:a16="http://schemas.microsoft.com/office/drawing/2014/main" id="{68C81C8E-B322-43F6-84A0-F611E923DEAA}"/>
+              </a:ext>
+            </a:extLst>
+          </p:cNvPr>
+          <p:cNvSpPr>
+            <a:spLocks noGrp="1"/>
+          </p:cNvSpPr>
+          <p:nvPr>
+            <p:ph type="subTitle" idx="1"/>
+          </p:nvPr>
+        </p:nvSpPr>
+        <p:spPr/>
+        <p:txBody>
+          <a:bodyPr/>
+          <a:lstStyle/>
+          <a:p>
+            <a:endParaRPr lang="de-AT"/>
+          </a:p>
+        </p:txBody>
+      </p:sp>
+      <p:sp>
+        <p:nvSpPr>
+          <p:cNvPr id="8" name="Rechteck 7">
+            <a:extLst>
+              <a:ext uri="{FF2B5EF4-FFF2-40B4-BE49-F238E27FC236}">
+                <a16:creationId xmlns:a16="http://schemas.microsoft.com/office/drawing/2014/main" id="{192452E4-F7BE-4F5C-BF08-ED9E5D6F57F1}"/>
+              </a:ext>
+            </a:extLst>
+          </p:cNvPr>
+          <p:cNvSpPr/>
+          <p:nvPr/>
+        </p:nvSpPr>
+        <p:spPr>
+          <a:xfrm>
+            <a:off x="0" y="888521"/>
+            <a:ext cx="9144000" cy="5969479"/>
+          </a:xfrm>
+          <a:prstGeom prst="rect">
+            <a:avLst/>
+          </a:prstGeom>
+        </p:spPr>
+        <p:style>
+          <a:lnRef idx="2">
+            <a:schemeClr val="accent6"/>
+          </a:lnRef>
+          <a:fillRef idx="1">
+            <a:schemeClr val="lt1"/>
+          </a:fillRef>
+          <a:effectRef idx="0">
+            <a:schemeClr val="accent6"/>
+          </a:effectRef>
+          <a:fontRef idx="minor">
+            <a:schemeClr val="dk1"/>
+          </a:fontRef>
+        </p:style>
+        <p:txBody>
+          <a:bodyPr rtlCol="0" anchor="ctr"/>
+          <a:lstStyle/>
+          <a:p>
+            <a:pPr algn="ctr"/>
+            <a:endParaRPr lang="de-AT" dirty="0"/>
+          </a:p>
+        </p:txBody>
+      </p:sp>
+      <p:cxnSp>
+        <p:nvCxnSpPr>
+          <p:cNvPr id="11" name="Gerader Verbinder 10">
+            <a:extLst>
+              <a:ext uri="{FF2B5EF4-FFF2-40B4-BE49-F238E27FC236}">
+                <a16:creationId xmlns:a16="http://schemas.microsoft.com/office/drawing/2014/main" id="{B0410906-36E3-4EAD-BF56-DBFBE70BB99D}"/>
+              </a:ext>
+            </a:extLst>
+          </p:cNvPr>
+          <p:cNvCxnSpPr>
+            <a:cxnSpLocks/>
+          </p:cNvCxnSpPr>
+          <p:nvPr/>
+        </p:nvCxnSpPr>
+        <p:spPr>
+          <a:xfrm>
+            <a:off x="1494526" y="2829719"/>
+            <a:ext cx="0" cy="0"/>
+          </a:xfrm>
+          <a:prstGeom prst="line">
+            <a:avLst/>
+          </a:prstGeom>
+        </p:spPr>
+        <p:style>
+          <a:lnRef idx="1">
+            <a:schemeClr val="accent1"/>
+          </a:lnRef>
+          <a:fillRef idx="0">
+            <a:schemeClr val="accent1"/>
+          </a:fillRef>
+          <a:effectRef idx="0">
+            <a:schemeClr val="accent1"/>
+          </a:effectRef>
+          <a:fontRef idx="minor">
+            <a:schemeClr val="tx1"/>
+          </a:fontRef>
+        </p:style>
+      </p:cxnSp>
+      <p:cxnSp>
+        <p:nvCxnSpPr>
+          <p:cNvPr id="14" name="Gerader Verbinder 13">
+            <a:extLst>
+              <a:ext uri="{FF2B5EF4-FFF2-40B4-BE49-F238E27FC236}">
+                <a16:creationId xmlns:a16="http://schemas.microsoft.com/office/drawing/2014/main" id="{D9626B63-CCBC-49E0-879B-35EC30327E0A}"/>
+              </a:ext>
+            </a:extLst>
+          </p:cNvPr>
+          <p:cNvCxnSpPr>
+            <a:cxnSpLocks/>
+          </p:cNvCxnSpPr>
+          <p:nvPr/>
+        </p:nvCxnSpPr>
+        <p:spPr>
+          <a:xfrm>
+            <a:off x="1365130" y="3751158"/>
+            <a:ext cx="0" cy="0"/>
+          </a:xfrm>
+          <a:prstGeom prst="line">
+            <a:avLst/>
+          </a:prstGeom>
+        </p:spPr>
+        <p:style>
+          <a:lnRef idx="1">
+            <a:schemeClr val="accent1"/>
+          </a:lnRef>
+          <a:fillRef idx="0">
+            <a:schemeClr val="accent1"/>
+          </a:fillRef>
+          <a:effectRef idx="0">
+            <a:schemeClr val="accent1"/>
+          </a:effectRef>
+          <a:fontRef idx="minor">
+            <a:schemeClr val="tx1"/>
+          </a:fontRef>
+        </p:style>
+      </p:cxnSp>
+      <p:sp>
+        <p:nvSpPr>
+          <p:cNvPr id="4" name="Textfeld 3">
+            <a:extLst>
+              <a:ext uri="{FF2B5EF4-FFF2-40B4-BE49-F238E27FC236}">
+                <a16:creationId xmlns:a16="http://schemas.microsoft.com/office/drawing/2014/main" id="{8FDBAD98-678F-4314-BCFC-5C9E7AAF69BD}"/>
+              </a:ext>
+            </a:extLst>
+          </p:cNvPr>
+          <p:cNvSpPr txBox="1"/>
+          <p:nvPr/>
+        </p:nvSpPr>
+        <p:spPr>
+          <a:xfrm>
+            <a:off x="747834" y="2424397"/>
+            <a:ext cx="7841411" cy="2062103"/>
+          </a:xfrm>
+          <a:prstGeom prst="rect">
+            <a:avLst/>
+          </a:prstGeom>
+          <a:noFill/>
+        </p:spPr>
+        <p:txBody>
+          <a:bodyPr wrap="square" rtlCol="0">
+            <a:spAutoFit/>
+          </a:bodyPr>
+          <a:lstStyle/>
+          <a:p>
+            <a:r>
+              <a:rPr lang="en-US" sz="3200" b="0" i="0" dirty="0">
+                <a:effectLst/>
+                <a:latin typeface="Franklin Gothic Book" panose="020B0503020102020204" pitchFamily="34" charset="0"/>
+              </a:rPr>
+              <a:t>In Singly linked list has a node which contains 2 parts: The Data part and the link part. In Singly linked list the direction is only forward.</a:t>
+            </a:r>
+            <a:endParaRPr lang="de-AT" sz="3200" dirty="0">
+              <a:latin typeface="Franklin Gothic Book" panose="020B0503020102020204" pitchFamily="34" charset="0"/>
+            </a:endParaRPr>
+          </a:p>
+        </p:txBody>
+      </p:sp>
+    </p:spTree>
+    <p:extLst>
+      <p:ext uri="{BB962C8B-B14F-4D97-AF65-F5344CB8AC3E}">
+        <p14:creationId xmlns:p14="http://schemas.microsoft.com/office/powerpoint/2010/main" val="2442258274"/>
+      </p:ext>
+    </p:extLst>
+  </p:cSld>
+  <p:clrMapOvr>
+    <a:masterClrMapping/>
+  </p:clrMapOvr>
+</p:sld>
+</file>
+
+<file path=ppt/slides/slide2.xml><?xml version="1.0" encoding="utf-8"?>
+<p:sld xmlns:a="http://schemas.openxmlformats.org/drawingml/2006/main" xmlns:r="http://schemas.openxmlformats.org/officeDocument/2006/relationships" xmlns:p="http://schemas.openxmlformats.org/presentationml/2006/main">
+  <p:cSld>
+    <p:spTree>
+      <p:nvGrpSpPr>
+        <p:cNvPr id="1" name=""/>
+        <p:cNvGrpSpPr/>
+        <p:nvPr/>
+      </p:nvGrpSpPr>
+      <p:grpSpPr>
+        <a:xfrm>
+          <a:off x="0" y="0"/>
+          <a:ext cx="0" cy="0"/>
+          <a:chOff x="0" y="0"/>
+          <a:chExt cx="0" cy="0"/>
+        </a:xfrm>
+      </p:grpSpPr>
+      <p:sp>
+        <p:nvSpPr>
+          <p:cNvPr id="6" name="Rechteck 5">
+            <a:extLst>
+              <a:ext uri="{FF2B5EF4-FFF2-40B4-BE49-F238E27FC236}">
+                <a16:creationId xmlns:a16="http://schemas.microsoft.com/office/drawing/2014/main" id="{0DE504A7-6DD8-4D73-96D4-CFB09F9D6897}"/>
+              </a:ext>
+            </a:extLst>
+          </p:cNvPr>
+          <p:cNvSpPr/>
+          <p:nvPr/>
+        </p:nvSpPr>
+        <p:spPr>
+          <a:xfrm>
+            <a:off x="0" y="0"/>
+            <a:ext cx="9144000" cy="888521"/>
+          </a:xfrm>
+          <a:prstGeom prst="rect">
+            <a:avLst/>
+          </a:prstGeom>
+        </p:spPr>
+        <p:style>
+          <a:lnRef idx="2">
+            <a:schemeClr val="accent4">
+              <a:shade val="50000"/>
+            </a:schemeClr>
+          </a:lnRef>
+          <a:fillRef idx="1">
+            <a:schemeClr val="accent4"/>
+          </a:fillRef>
+          <a:effectRef idx="0">
+            <a:schemeClr val="accent4"/>
+          </a:effectRef>
+          <a:fontRef idx="minor">
+            <a:schemeClr val="lt1"/>
+          </a:fontRef>
+        </p:style>
+        <p:txBody>
+          <a:bodyPr rtlCol="0" anchor="ctr"/>
+          <a:lstStyle/>
+          <a:p>
+            <a:pPr algn="ctr"/>
+            <a:endParaRPr lang="de-AT" dirty="0"/>
+          </a:p>
+        </p:txBody>
+      </p:sp>
+      <p:sp>
+        <p:nvSpPr>
+          <p:cNvPr id="2" name="Titel 1">
+            <a:extLst>
+              <a:ext uri="{FF2B5EF4-FFF2-40B4-BE49-F238E27FC236}">
+                <a16:creationId xmlns:a16="http://schemas.microsoft.com/office/drawing/2014/main" id="{A98C967C-2AA5-4E8F-9FB4-A21960A1E60C}"/>
+              </a:ext>
+            </a:extLst>
+          </p:cNvPr>
+          <p:cNvSpPr>
+            <a:spLocks noGrp="1"/>
+          </p:cNvSpPr>
+          <p:nvPr>
+            <p:ph type="ctrTitle"/>
+          </p:nvPr>
+        </p:nvSpPr>
+        <p:spPr>
+          <a:xfrm>
+            <a:off x="486379" y="103914"/>
+            <a:ext cx="7599459" cy="685965"/>
+          </a:xfrm>
+        </p:spPr>
+        <p:txBody>
+          <a:bodyPr>
+            <a:normAutofit/>
+          </a:bodyPr>
+          <a:lstStyle/>
+          <a:p>
+            <a:r>
+              <a:rPr lang="de-DE" sz="4000" b="1" dirty="0" err="1">
+                <a:solidFill>
+                  <a:prstClr val="white"/>
+                </a:solidFill>
+                <a:effectLst>
+                  <a:outerShdw blurRad="38100" dist="38100" dir="2700000" algn="tl">
+                    <a:srgbClr val="000000">
+                      <a:alpha val="43137"/>
+                    </a:srgbClr>
+                  </a:outerShdw>
+                </a:effectLst>
+                <a:latin typeface="Arial" pitchFamily="34" charset="0"/>
+                <a:cs typeface="Arial" pitchFamily="34" charset="0"/>
+              </a:rPr>
+              <a:t>What</a:t>
+            </a:r>
+            <a:r>
+              <a:rPr lang="de-DE" sz="4000" b="1" dirty="0">
+                <a:solidFill>
+                  <a:prstClr val="white"/>
+                </a:solidFill>
+                <a:effectLst>
+                  <a:outerShdw blurRad="38100" dist="38100" dir="2700000" algn="tl">
+                    <a:srgbClr val="000000">
+                      <a:alpha val="43137"/>
+                    </a:srgbClr>
+                  </a:outerShdw>
+                </a:effectLst>
+                <a:latin typeface="Arial" pitchFamily="34" charset="0"/>
+                <a:cs typeface="Arial" pitchFamily="34" charset="0"/>
+              </a:rPr>
+              <a:t> </a:t>
+            </a:r>
+            <a:r>
+              <a:rPr lang="de-DE" sz="4000" b="1" dirty="0" err="1">
+                <a:solidFill>
+                  <a:prstClr val="white"/>
+                </a:solidFill>
+                <a:effectLst>
+                  <a:outerShdw blurRad="38100" dist="38100" dir="2700000" algn="tl">
+                    <a:srgbClr val="000000">
+                      <a:alpha val="43137"/>
+                    </a:srgbClr>
+                  </a:outerShdw>
+                </a:effectLst>
+                <a:latin typeface="Arial" pitchFamily="34" charset="0"/>
+                <a:cs typeface="Arial" pitchFamily="34" charset="0"/>
+              </a:rPr>
+              <a:t>are</a:t>
+            </a:r>
+            <a:r>
+              <a:rPr lang="de-DE" sz="4000" b="1" dirty="0">
+                <a:solidFill>
+                  <a:prstClr val="white"/>
+                </a:solidFill>
+                <a:effectLst>
+                  <a:outerShdw blurRad="38100" dist="38100" dir="2700000" algn="tl">
+                    <a:srgbClr val="000000">
+                      <a:alpha val="43137"/>
+                    </a:srgbClr>
+                  </a:outerShdw>
+                </a:effectLst>
+                <a:latin typeface="Arial" pitchFamily="34" charset="0"/>
+                <a:cs typeface="Arial" pitchFamily="34" charset="0"/>
+              </a:rPr>
+              <a:t> </a:t>
+            </a:r>
+            <a:r>
+              <a:rPr lang="de-DE" sz="4000" b="1" dirty="0" err="1">
+                <a:solidFill>
+                  <a:prstClr val="white"/>
+                </a:solidFill>
+                <a:effectLst>
+                  <a:outerShdw blurRad="38100" dist="38100" dir="2700000" algn="tl">
+                    <a:srgbClr val="000000">
+                      <a:alpha val="43137"/>
+                    </a:srgbClr>
+                  </a:outerShdw>
+                </a:effectLst>
+                <a:latin typeface="Arial" pitchFamily="34" charset="0"/>
+                <a:cs typeface="Arial" pitchFamily="34" charset="0"/>
+              </a:rPr>
+              <a:t>Linked</a:t>
+            </a:r>
+            <a:r>
+              <a:rPr lang="de-DE" sz="4000" b="1" dirty="0">
+                <a:solidFill>
+                  <a:prstClr val="white"/>
+                </a:solidFill>
+                <a:effectLst>
+                  <a:outerShdw blurRad="38100" dist="38100" dir="2700000" algn="tl">
+                    <a:srgbClr val="000000">
+                      <a:alpha val="43137"/>
+                    </a:srgbClr>
+                  </a:outerShdw>
+                </a:effectLst>
+                <a:latin typeface="Arial" pitchFamily="34" charset="0"/>
+                <a:cs typeface="Arial" pitchFamily="34" charset="0"/>
+              </a:rPr>
+              <a:t> List?</a:t>
+            </a:r>
+            <a:endParaRPr lang="de-AT" sz="4000" dirty="0"/>
+          </a:p>
+        </p:txBody>
+      </p:sp>
+      <p:sp>
+        <p:nvSpPr>
+          <p:cNvPr id="3" name="Untertitel 2">
+            <a:extLst>
+              <a:ext uri="{FF2B5EF4-FFF2-40B4-BE49-F238E27FC236}">
+                <a16:creationId xmlns:a16="http://schemas.microsoft.com/office/drawing/2014/main" id="{68C81C8E-B322-43F6-84A0-F611E923DEAA}"/>
+              </a:ext>
+            </a:extLst>
+          </p:cNvPr>
+          <p:cNvSpPr>
+            <a:spLocks noGrp="1"/>
+          </p:cNvSpPr>
+          <p:nvPr>
+            <p:ph type="subTitle" idx="1"/>
+          </p:nvPr>
+        </p:nvSpPr>
+        <p:spPr/>
+        <p:txBody>
+          <a:bodyPr/>
+          <a:lstStyle/>
+          <a:p>
+            <a:endParaRPr lang="de-AT"/>
+          </a:p>
+        </p:txBody>
+      </p:sp>
+      <p:sp>
+        <p:nvSpPr>
+          <p:cNvPr id="8" name="Rechteck 7">
+            <a:extLst>
+              <a:ext uri="{FF2B5EF4-FFF2-40B4-BE49-F238E27FC236}">
+                <a16:creationId xmlns:a16="http://schemas.microsoft.com/office/drawing/2014/main" id="{192452E4-F7BE-4F5C-BF08-ED9E5D6F57F1}"/>
+              </a:ext>
+            </a:extLst>
+          </p:cNvPr>
+          <p:cNvSpPr/>
+          <p:nvPr/>
+        </p:nvSpPr>
+        <p:spPr>
+          <a:xfrm>
+            <a:off x="0" y="888521"/>
+            <a:ext cx="9144000" cy="5969479"/>
+          </a:xfrm>
+          <a:prstGeom prst="rect">
+            <a:avLst/>
+          </a:prstGeom>
+        </p:spPr>
+        <p:style>
+          <a:lnRef idx="2">
+            <a:schemeClr val="accent6"/>
+          </a:lnRef>
+          <a:fillRef idx="1">
+            <a:schemeClr val="lt1"/>
+          </a:fillRef>
+          <a:effectRef idx="0">
+            <a:schemeClr val="accent6"/>
+          </a:effectRef>
+          <a:fontRef idx="minor">
+            <a:schemeClr val="dk1"/>
+          </a:fontRef>
+        </p:style>
+        <p:txBody>
+          <a:bodyPr rtlCol="0" anchor="ctr"/>
+          <a:lstStyle/>
+          <a:p>
+            <a:pPr algn="ctr"/>
+            <a:endParaRPr lang="de-AT" dirty="0"/>
+          </a:p>
+        </p:txBody>
+      </p:sp>
+      <p:cxnSp>
+        <p:nvCxnSpPr>
+          <p:cNvPr id="11" name="Gerader Verbinder 10">
+            <a:extLst>
+              <a:ext uri="{FF2B5EF4-FFF2-40B4-BE49-F238E27FC236}">
+                <a16:creationId xmlns:a16="http://schemas.microsoft.com/office/drawing/2014/main" id="{B0410906-36E3-4EAD-BF56-DBFBE70BB99D}"/>
+              </a:ext>
+            </a:extLst>
+          </p:cNvPr>
+          <p:cNvCxnSpPr>
+            <a:cxnSpLocks/>
+          </p:cNvCxnSpPr>
+          <p:nvPr/>
+        </p:nvCxnSpPr>
+        <p:spPr>
+          <a:xfrm>
+            <a:off x="1494526" y="2829719"/>
+            <a:ext cx="0" cy="0"/>
+          </a:xfrm>
+          <a:prstGeom prst="line">
+            <a:avLst/>
+          </a:prstGeom>
+        </p:spPr>
+        <p:style>
+          <a:lnRef idx="1">
+            <a:schemeClr val="accent1"/>
+          </a:lnRef>
+          <a:fillRef idx="0">
+            <a:schemeClr val="accent1"/>
+          </a:fillRef>
+          <a:effectRef idx="0">
+            <a:schemeClr val="accent1"/>
+          </a:effectRef>
+          <a:fontRef idx="minor">
+            <a:schemeClr val="tx1"/>
+          </a:fontRef>
+        </p:style>
+      </p:cxnSp>
+      <p:cxnSp>
+        <p:nvCxnSpPr>
+          <p:cNvPr id="14" name="Gerader Verbinder 13">
+            <a:extLst>
+              <a:ext uri="{FF2B5EF4-FFF2-40B4-BE49-F238E27FC236}">
+                <a16:creationId xmlns:a16="http://schemas.microsoft.com/office/drawing/2014/main" id="{D9626B63-CCBC-49E0-879B-35EC30327E0A}"/>
+              </a:ext>
+            </a:extLst>
+          </p:cNvPr>
+          <p:cNvCxnSpPr>
+            <a:cxnSpLocks/>
+          </p:cNvCxnSpPr>
+          <p:nvPr/>
+        </p:nvCxnSpPr>
+        <p:spPr>
+          <a:xfrm>
+            <a:off x="1365130" y="3751158"/>
+            <a:ext cx="0" cy="0"/>
+          </a:xfrm>
+          <a:prstGeom prst="line">
+            <a:avLst/>
+          </a:prstGeom>
+        </p:spPr>
+        <p:style>
+          <a:lnRef idx="1">
+            <a:schemeClr val="accent1"/>
+          </a:lnRef>
+          <a:fillRef idx="0">
+            <a:schemeClr val="accent1"/>
+          </a:fillRef>
+          <a:effectRef idx="0">
+            <a:schemeClr val="accent1"/>
+          </a:effectRef>
+          <a:fontRef idx="minor">
+            <a:schemeClr val="tx1"/>
+          </a:fontRef>
+        </p:style>
+      </p:cxnSp>
       <p:sp>
         <p:nvSpPr>
           <p:cNvPr id="4" name="Textfeld 3">
@@ -4491,6 +6371,7 @@
   <p:clrMapOvr>
     <a:masterClrMapping/>
   </p:clrMapOvr>
+  <p:transition spd="med"/>
 </p:sld>
 </file>
 
@@ -4858,7 +6739,7 @@
         </p:blipFill>
         <p:spPr>
           <a:xfrm>
-            <a:off x="571500" y="3429000"/>
+            <a:off x="571500" y="2514748"/>
             <a:ext cx="8001000" cy="2112586"/>
           </a:xfrm>
           <a:prstGeom prst="rect">
@@ -4876,6 +6757,7 @@
   <p:clrMapOvr>
     <a:masterClrMapping/>
   </p:clrMapOvr>
+  <p:transition spd="med"/>
 </p:sld>
 </file>
 
@@ -4938,7 +6820,7 @@
           <a:lstStyle/>
           <a:p>
             <a:pPr algn="ctr"/>
-            <a:endParaRPr lang="de-AT"/>
+            <a:endParaRPr lang="de-AT" dirty="0"/>
           </a:p>
         </p:txBody>
       </p:sp>
@@ -4985,7 +6867,7 @@
                 <a:latin typeface="Arial" pitchFamily="34" charset="0"/>
                 <a:cs typeface="Arial" pitchFamily="34" charset="0"/>
               </a:rPr>
-              <a:t>Uses</a:t>
+              <a:t>What</a:t>
             </a:r>
             <a:r>
               <a:rPr lang="de-DE" sz="4000" b="1" dirty="0">
@@ -5019,7 +6901,7 @@
                 <a:latin typeface="Arial" pitchFamily="34" charset="0"/>
                 <a:cs typeface="Arial" pitchFamily="34" charset="0"/>
               </a:rPr>
-              <a:t>of</a:t>
+              <a:t>are</a:t>
             </a:r>
             <a:r>
               <a:rPr lang="de-DE" sz="4000" b="1" dirty="0">
@@ -5070,7 +6952,7 @@
                 <a:latin typeface="Arial" pitchFamily="34" charset="0"/>
                 <a:cs typeface="Arial" pitchFamily="34" charset="0"/>
               </a:rPr>
-              <a:t> Lists</a:t>
+              <a:t> List?</a:t>
             </a:r>
             <a:endParaRPr lang="de-AT" sz="4000" dirty="0"/>
           </a:p>
@@ -5221,92 +7103,47 @@
           </a:fontRef>
         </p:style>
       </p:cxnSp>
-      <p:sp>
-        <p:nvSpPr>
-          <p:cNvPr id="4" name="Textfeld 3">
+      <p:pic>
+        <p:nvPicPr>
+          <p:cNvPr id="22" name="Grafik 21">
             <a:extLst>
               <a:ext uri="{FF2B5EF4-FFF2-40B4-BE49-F238E27FC236}">
-                <a16:creationId xmlns:a16="http://schemas.microsoft.com/office/drawing/2014/main" id="{96203B3D-5F9D-43A5-BDC4-477DAB7709DC}"/>
+                <a16:creationId xmlns:a16="http://schemas.microsoft.com/office/drawing/2014/main" id="{240B1300-CC66-4AE0-81A8-20A3E6E5570B}"/>
               </a:ext>
             </a:extLst>
           </p:cNvPr>
-          <p:cNvSpPr txBox="1"/>
+          <p:cNvPicPr>
+            <a:picLocks noChangeAspect="1"/>
+          </p:cNvPicPr>
           <p:nvPr/>
-        </p:nvSpPr>
-        <p:spPr>
-          <a:xfrm>
-            <a:off x="658908" y="1611103"/>
-            <a:ext cx="8062398" cy="4524315"/>
+        </p:nvPicPr>
+        <p:blipFill>
+          <a:blip r:embed="rId2"/>
+          <a:stretch>
+            <a:fillRect/>
+          </a:stretch>
+        </p:blipFill>
+        <p:spPr>
+          <a:xfrm>
+            <a:off x="590264" y="2529840"/>
+            <a:ext cx="7963472" cy="2100037"/>
           </a:xfrm>
           <a:prstGeom prst="rect">
             <a:avLst/>
           </a:prstGeom>
-          <a:noFill/>
-        </p:spPr>
-        <p:txBody>
-          <a:bodyPr wrap="square" rtlCol="0">
-            <a:spAutoFit/>
-          </a:bodyPr>
-          <a:lstStyle/>
-          <a:p>
-            <a:r>
-              <a:rPr lang="en-US" sz="3200" b="0" dirty="0">
-                <a:effectLst/>
-                <a:latin typeface="Franklin Gothic Book" panose="020B0503020102020204" pitchFamily="34" charset="0"/>
-              </a:rPr>
-              <a:t>List do not always have to be present in the memory. A node can be anywhere in memory and then can be linked to make a list.</a:t>
-            </a:r>
-          </a:p>
-          <a:p>
-            <a:br>
-              <a:rPr lang="en-US" sz="3200" b="0" dirty="0">
-                <a:effectLst/>
-                <a:latin typeface="Franklin Gothic Book" panose="020B0503020102020204" pitchFamily="34" charset="0"/>
-              </a:rPr>
-            </a:br>
-            <a:r>
-              <a:rPr lang="en-US" sz="3200" b="0" dirty="0">
-                <a:effectLst/>
-                <a:latin typeface="Franklin Gothic Book" panose="020B0503020102020204" pitchFamily="34" charset="0"/>
-              </a:rPr>
-              <a:t>The List size is dependent on the memory size.</a:t>
-            </a:r>
-          </a:p>
-          <a:p>
-            <a:br>
-              <a:rPr lang="en-US" sz="3200" b="0" dirty="0">
-                <a:effectLst/>
-                <a:latin typeface="Franklin Gothic Book" panose="020B0503020102020204" pitchFamily="34" charset="0"/>
-              </a:rPr>
-            </a:br>
-            <a:r>
-              <a:rPr lang="en-US" sz="3200" b="0" dirty="0">
-                <a:effectLst/>
-                <a:latin typeface="Franklin Gothic Book" panose="020B0503020102020204" pitchFamily="34" charset="0"/>
-              </a:rPr>
-              <a:t>We can store more then basic type.</a:t>
-            </a:r>
-            <a:endParaRPr lang="en-US" sz="3200" dirty="0">
-              <a:latin typeface="Franklin Gothic Book" panose="020B0503020102020204" pitchFamily="34" charset="0"/>
-            </a:endParaRPr>
-          </a:p>
-          <a:p>
-            <a:endParaRPr lang="de-AT" sz="3200" dirty="0">
-              <a:latin typeface="Franklin Gothic Book" panose="020B0503020102020204" pitchFamily="34" charset="0"/>
-            </a:endParaRPr>
-          </a:p>
-        </p:txBody>
-      </p:sp>
+        </p:spPr>
+      </p:pic>
     </p:spTree>
     <p:extLst>
       <p:ext uri="{BB962C8B-B14F-4D97-AF65-F5344CB8AC3E}">
-        <p14:creationId xmlns:p14="http://schemas.microsoft.com/office/powerpoint/2010/main" val="1769521590"/>
+        <p14:creationId xmlns:p14="http://schemas.microsoft.com/office/powerpoint/2010/main" val="2281827138"/>
       </p:ext>
     </p:extLst>
   </p:cSld>
   <p:clrMapOvr>
     <a:masterClrMapping/>
   </p:clrMapOvr>
+  <p:transition spd="slow"/>
 </p:sld>
 </file>
 
@@ -5369,7 +7206,7 @@
           <a:lstStyle/>
           <a:p>
             <a:pPr algn="ctr"/>
-            <a:endParaRPr lang="de-AT"/>
+            <a:endParaRPr lang="de-AT" dirty="0"/>
           </a:p>
         </p:txBody>
       </p:sp>
@@ -5397,81 +7234,12 @@
         </p:spPr>
         <p:txBody>
           <a:bodyPr>
-            <a:normAutofit fontScale="90000"/>
+            <a:normAutofit/>
           </a:bodyPr>
           <a:lstStyle/>
           <a:p>
             <a:r>
-              <a:rPr kumimoji="0" lang="de-DE" sz="4000" b="1" i="0" u="none" strike="noStrike" kern="1200" cap="none" spc="0" normalizeH="0" baseline="0" noProof="0" dirty="0" err="1">
-                <a:ln>
-                  <a:noFill/>
-                </a:ln>
-                <a:solidFill>
-                  <a:prstClr val="white"/>
-                </a:solidFill>
-                <a:effectLst>
-                  <a:outerShdw blurRad="38100" dist="38100" dir="2700000" algn="tl">
-                    <a:srgbClr val="000000">
-                      <a:alpha val="43137"/>
-                    </a:srgbClr>
-                  </a:outerShdw>
-                </a:effectLst>
-                <a:uLnTx/>
-                <a:uFillTx/>
-                <a:latin typeface="Arial" pitchFamily="34" charset="0"/>
-                <a:ea typeface="+mj-ea"/>
-                <a:cs typeface="Arial" pitchFamily="34" charset="0"/>
-              </a:rPr>
-              <a:t>Why</a:t>
-            </a:r>
-            <a:r>
-              <a:rPr kumimoji="0" lang="de-DE" sz="4000" b="1" i="0" u="none" strike="noStrike" kern="1200" cap="none" spc="0" normalizeH="0" baseline="0" noProof="0" dirty="0">
-                <a:ln>
-                  <a:noFill/>
-                </a:ln>
-                <a:solidFill>
-                  <a:prstClr val="white"/>
-                </a:solidFill>
-                <a:effectLst>
-                  <a:outerShdw blurRad="38100" dist="38100" dir="2700000" algn="tl">
-                    <a:srgbClr val="000000">
-                      <a:alpha val="43137"/>
-                    </a:srgbClr>
-                  </a:outerShdw>
-                </a:effectLst>
-                <a:uLnTx/>
-                <a:uFillTx/>
-                <a:latin typeface="Arial" pitchFamily="34" charset="0"/>
-                <a:ea typeface="+mj-ea"/>
-                <a:cs typeface="Arial" pitchFamily="34" charset="0"/>
-              </a:rPr>
-              <a:t> </a:t>
-            </a:r>
-            <a:r>
-              <a:rPr kumimoji="0" lang="de-DE" sz="4000" b="1" i="0" u="none" strike="noStrike" kern="1200" cap="none" spc="0" normalizeH="0" baseline="0" noProof="0" dirty="0" err="1">
-                <a:ln>
-                  <a:noFill/>
-                </a:ln>
-                <a:solidFill>
-                  <a:prstClr val="white"/>
-                </a:solidFill>
-                <a:effectLst>
-                  <a:outerShdw blurRad="38100" dist="38100" dir="2700000" algn="tl">
-                    <a:srgbClr val="000000">
-                      <a:alpha val="43137"/>
-                    </a:srgbClr>
-                  </a:outerShdw>
-                </a:effectLst>
-                <a:uLnTx/>
-                <a:uFillTx/>
-                <a:latin typeface="Arial" pitchFamily="34" charset="0"/>
-                <a:ea typeface="+mj-ea"/>
-                <a:cs typeface="Arial" pitchFamily="34" charset="0"/>
-              </a:rPr>
-              <a:t>use</a:t>
-            </a:r>
-            <a:r>
-              <a:rPr lang="de-DE" sz="4000" b="1" dirty="0">
+              <a:rPr lang="de-DE" sz="4000" b="1" dirty="0" err="1">
                 <a:solidFill>
                   <a:prstClr val="white"/>
                 </a:solidFill>
@@ -5485,10 +7253,10 @@
                 <a:latin typeface="Arial" pitchFamily="34" charset="0"/>
                 <a:cs typeface="Arial" pitchFamily="34" charset="0"/>
               </a:rPr>
-              <a:t> </a:t>
-            </a:r>
-            <a:r>
-              <a:rPr lang="de-DE" sz="4000" b="1" dirty="0" err="1">
+              <a:t>What</a:t>
+            </a:r>
+            <a:r>
+              <a:rPr lang="de-DE" sz="4000" b="1" dirty="0">
                 <a:solidFill>
                   <a:prstClr val="white"/>
                 </a:solidFill>
@@ -5502,10 +7270,10 @@
                 <a:latin typeface="Arial" pitchFamily="34" charset="0"/>
                 <a:cs typeface="Arial" pitchFamily="34" charset="0"/>
               </a:rPr>
-              <a:t>Linked</a:t>
-            </a:r>
-            <a:r>
-              <a:rPr lang="de-DE" sz="4000" b="1" dirty="0">
+              <a:t> </a:t>
+            </a:r>
+            <a:r>
+              <a:rPr lang="de-DE" sz="4000" b="1" dirty="0" err="1">
                 <a:solidFill>
                   <a:prstClr val="white"/>
                 </a:solidFill>
@@ -5519,10 +7287,10 @@
                 <a:latin typeface="Arial" pitchFamily="34" charset="0"/>
                 <a:cs typeface="Arial" pitchFamily="34" charset="0"/>
               </a:rPr>
-              <a:t> List </a:t>
-            </a:r>
-            <a:r>
-              <a:rPr lang="de-DE" sz="4000" b="1" dirty="0" err="1">
+              <a:t>are</a:t>
+            </a:r>
+            <a:r>
+              <a:rPr lang="de-DE" sz="4000" b="1" dirty="0">
                 <a:solidFill>
                   <a:prstClr val="white"/>
                 </a:solidFill>
@@ -5536,10 +7304,10 @@
                 <a:latin typeface="Arial" pitchFamily="34" charset="0"/>
                 <a:cs typeface="Arial" pitchFamily="34" charset="0"/>
               </a:rPr>
-              <a:t>over</a:t>
-            </a:r>
-            <a:r>
-              <a:rPr lang="de-DE" sz="4000" b="1" dirty="0">
+              <a:t> </a:t>
+            </a:r>
+            <a:r>
+              <a:rPr lang="de-DE" sz="4000" b="1" dirty="0" err="1">
                 <a:solidFill>
                   <a:prstClr val="white"/>
                 </a:solidFill>
@@ -5553,10 +7321,10 @@
                 <a:latin typeface="Arial" pitchFamily="34" charset="0"/>
                 <a:cs typeface="Arial" pitchFamily="34" charset="0"/>
               </a:rPr>
-              <a:t> </a:t>
-            </a:r>
-            <a:r>
-              <a:rPr lang="de-DE" sz="4000" b="1" dirty="0" err="1">
+              <a:t>Linked</a:t>
+            </a:r>
+            <a:r>
+              <a:rPr lang="de-DE" sz="4000" b="1" dirty="0">
                 <a:solidFill>
                   <a:prstClr val="white"/>
                 </a:solidFill>
@@ -5570,7 +7338,7 @@
                 <a:latin typeface="Arial" pitchFamily="34" charset="0"/>
                 <a:cs typeface="Arial" pitchFamily="34" charset="0"/>
               </a:rPr>
-              <a:t>arrays</a:t>
+              <a:t> List?</a:t>
             </a:r>
             <a:endParaRPr lang="de-AT" sz="4000" dirty="0"/>
           </a:p>
@@ -5721,68 +7489,47 @@
           </a:fontRef>
         </p:style>
       </p:cxnSp>
-      <p:sp>
-        <p:nvSpPr>
-          <p:cNvPr id="5" name="Textfeld 4">
+      <p:pic>
+        <p:nvPicPr>
+          <p:cNvPr id="5" name="Grafik 4">
             <a:extLst>
               <a:ext uri="{FF2B5EF4-FFF2-40B4-BE49-F238E27FC236}">
-                <a16:creationId xmlns:a16="http://schemas.microsoft.com/office/drawing/2014/main" id="{F762D0C0-B345-4CC5-9B0B-584A2382D722}"/>
+                <a16:creationId xmlns:a16="http://schemas.microsoft.com/office/drawing/2014/main" id="{F763746B-974D-4F12-9F51-B6D54D59983C}"/>
               </a:ext>
             </a:extLst>
           </p:cNvPr>
-          <p:cNvSpPr txBox="1"/>
+          <p:cNvPicPr>
+            <a:picLocks noChangeAspect="1"/>
+          </p:cNvPicPr>
           <p:nvPr/>
-        </p:nvSpPr>
-        <p:spPr>
-          <a:xfrm>
-            <a:off x="486379" y="1978689"/>
-            <a:ext cx="8485093" cy="2554545"/>
+        </p:nvPicPr>
+        <p:blipFill>
+          <a:blip r:embed="rId2"/>
+          <a:stretch>
+            <a:fillRect/>
+          </a:stretch>
+        </p:blipFill>
+        <p:spPr>
+          <a:xfrm>
+            <a:off x="590264" y="2529840"/>
+            <a:ext cx="7963472" cy="2102678"/>
           </a:xfrm>
           <a:prstGeom prst="rect">
             <a:avLst/>
           </a:prstGeom>
-          <a:noFill/>
-        </p:spPr>
-        <p:txBody>
-          <a:bodyPr wrap="square" rtlCol="0">
-            <a:spAutoFit/>
-          </a:bodyPr>
-          <a:lstStyle/>
-          <a:p>
-            <a:r>
-              <a:rPr lang="en-US" sz="3200" b="0" dirty="0">
-                <a:effectLst/>
-                <a:latin typeface="Franklin Gothic Book" panose="020B0503020102020204" pitchFamily="34" charset="0"/>
-              </a:rPr>
-              <a:t>The memory is dynamically assigned. All the nodes are linked with pointer.</a:t>
-            </a:r>
-          </a:p>
-          <a:p>
-            <a:r>
-              <a:rPr lang="en-US" sz="3200" b="0" dirty="0">
-                <a:effectLst/>
-                <a:latin typeface="Franklin Gothic Book" panose="020B0503020102020204" pitchFamily="34" charset="0"/>
-              </a:rPr>
-              <a:t>There is no problem with sizing, because the list grow as per the programs demand.</a:t>
-            </a:r>
-          </a:p>
-          <a:p>
-            <a:endParaRPr lang="de-AT" sz="3200" dirty="0">
-              <a:latin typeface="Franklin Gothic Book" panose="020B0503020102020204" pitchFamily="34" charset="0"/>
-            </a:endParaRPr>
-          </a:p>
-        </p:txBody>
-      </p:sp>
+        </p:spPr>
+      </p:pic>
     </p:spTree>
     <p:extLst>
       <p:ext uri="{BB962C8B-B14F-4D97-AF65-F5344CB8AC3E}">
-        <p14:creationId xmlns:p14="http://schemas.microsoft.com/office/powerpoint/2010/main" val="3674064036"/>
+        <p14:creationId xmlns:p14="http://schemas.microsoft.com/office/powerpoint/2010/main" val="1378468987"/>
       </p:ext>
     </p:extLst>
   </p:cSld>
   <p:clrMapOvr>
     <a:masterClrMapping/>
   </p:clrMapOvr>
+  <p:transition spd="med"/>
 </p:sld>
 </file>
 
@@ -5845,7 +7592,7 @@
           <a:lstStyle/>
           <a:p>
             <a:pPr algn="ctr"/>
-            <a:endParaRPr lang="de-AT"/>
+            <a:endParaRPr lang="de-AT" dirty="0"/>
           </a:p>
         </p:txBody>
       </p:sp>
@@ -5868,63 +7615,17 @@
         <p:spPr>
           <a:xfrm>
             <a:off x="486379" y="103914"/>
-            <a:ext cx="8364323" cy="685965"/>
+            <a:ext cx="7599459" cy="685965"/>
           </a:xfrm>
         </p:spPr>
         <p:txBody>
           <a:bodyPr>
-            <a:normAutofit fontScale="90000"/>
+            <a:normAutofit/>
           </a:bodyPr>
           <a:lstStyle/>
           <a:p>
             <a:r>
-              <a:rPr kumimoji="0" lang="de-DE" sz="4000" b="1" i="0" u="none" strike="noStrike" kern="1200" cap="none" spc="0" normalizeH="0" baseline="0" noProof="0" dirty="0" err="1">
-                <a:ln>
-                  <a:noFill/>
-                </a:ln>
-                <a:solidFill>
-                  <a:prstClr val="white"/>
-                </a:solidFill>
-                <a:effectLst>
-                  <a:outerShdw blurRad="38100" dist="38100" dir="2700000" algn="tl">
-                    <a:srgbClr val="000000">
-                      <a:alpha val="43137"/>
-                    </a:srgbClr>
-                  </a:outerShdw>
-                </a:effectLst>
-                <a:uLnTx/>
-                <a:uFillTx/>
-                <a:latin typeface="Arial" pitchFamily="34" charset="0"/>
-                <a:ea typeface="+mj-ea"/>
-                <a:cs typeface="Arial" pitchFamily="34" charset="0"/>
-              </a:rPr>
-              <a:t>Singly</a:t>
-            </a:r>
-            <a:r>
-              <a:rPr kumimoji="0" lang="de-DE" sz="4000" b="1" i="0" u="none" strike="noStrike" kern="1200" cap="none" spc="0" normalizeH="0" baseline="0" noProof="0" dirty="0">
-                <a:ln>
-                  <a:noFill/>
-                </a:ln>
-                <a:solidFill>
-                  <a:prstClr val="white"/>
-                </a:solidFill>
-                <a:effectLst>
-                  <a:outerShdw blurRad="38100" dist="38100" dir="2700000" algn="tl">
-                    <a:srgbClr val="000000">
-                      <a:alpha val="43137"/>
-                    </a:srgbClr>
-                  </a:outerShdw>
-                </a:effectLst>
-                <a:uLnTx/>
-                <a:uFillTx/>
-                <a:latin typeface="Arial" pitchFamily="34" charset="0"/>
-                <a:ea typeface="+mj-ea"/>
-                <a:cs typeface="Arial" pitchFamily="34" charset="0"/>
-              </a:rPr>
-              <a:t> </a:t>
-            </a:r>
-            <a:r>
-              <a:rPr lang="de-DE" sz="4000" b="1" dirty="0">
+              <a:rPr lang="de-DE" sz="4000" b="1" dirty="0" err="1">
                 <a:solidFill>
                   <a:prstClr val="white"/>
                 </a:solidFill>
@@ -5938,191 +7639,7 @@
                 <a:latin typeface="Arial" pitchFamily="34" charset="0"/>
                 <a:cs typeface="Arial" pitchFamily="34" charset="0"/>
               </a:rPr>
-              <a:t>L</a:t>
-            </a:r>
-            <a:r>
-              <a:rPr kumimoji="0" lang="de-DE" sz="4000" b="1" i="0" u="none" strike="noStrike" kern="1200" cap="none" spc="0" normalizeH="0" baseline="0" noProof="0" dirty="0" err="1">
-                <a:ln>
-                  <a:noFill/>
-                </a:ln>
-                <a:solidFill>
-                  <a:prstClr val="white"/>
-                </a:solidFill>
-                <a:effectLst>
-                  <a:outerShdw blurRad="38100" dist="38100" dir="2700000" algn="tl">
-                    <a:srgbClr val="000000">
-                      <a:alpha val="43137"/>
-                    </a:srgbClr>
-                  </a:outerShdw>
-                </a:effectLst>
-                <a:uLnTx/>
-                <a:uFillTx/>
-                <a:latin typeface="Arial" pitchFamily="34" charset="0"/>
-                <a:ea typeface="+mj-ea"/>
-                <a:cs typeface="Arial" pitchFamily="34" charset="0"/>
-              </a:rPr>
-              <a:t>inked</a:t>
-            </a:r>
-            <a:r>
-              <a:rPr kumimoji="0" lang="de-DE" sz="4000" b="1" i="0" u="none" strike="noStrike" kern="1200" cap="none" spc="0" normalizeH="0" baseline="0" noProof="0" dirty="0">
-                <a:ln>
-                  <a:noFill/>
-                </a:ln>
-                <a:solidFill>
-                  <a:prstClr val="white"/>
-                </a:solidFill>
-                <a:effectLst>
-                  <a:outerShdw blurRad="38100" dist="38100" dir="2700000" algn="tl">
-                    <a:srgbClr val="000000">
-                      <a:alpha val="43137"/>
-                    </a:srgbClr>
-                  </a:outerShdw>
-                </a:effectLst>
-                <a:uLnTx/>
-                <a:uFillTx/>
-                <a:latin typeface="Arial" pitchFamily="34" charset="0"/>
-                <a:ea typeface="+mj-ea"/>
-                <a:cs typeface="Arial" pitchFamily="34" charset="0"/>
-              </a:rPr>
-              <a:t> List </a:t>
-            </a:r>
-            <a:r>
-              <a:rPr kumimoji="0" lang="de-DE" sz="4000" b="1" i="0" u="none" strike="noStrike" kern="1200" cap="none" spc="0" normalizeH="0" baseline="0" noProof="0" dirty="0" err="1">
-                <a:ln>
-                  <a:noFill/>
-                </a:ln>
-                <a:solidFill>
-                  <a:prstClr val="white"/>
-                </a:solidFill>
-                <a:effectLst>
-                  <a:outerShdw blurRad="38100" dist="38100" dir="2700000" algn="tl">
-                    <a:srgbClr val="000000">
-                      <a:alpha val="43137"/>
-                    </a:srgbClr>
-                  </a:outerShdw>
-                </a:effectLst>
-                <a:uLnTx/>
-                <a:uFillTx/>
-                <a:latin typeface="Arial" pitchFamily="34" charset="0"/>
-                <a:ea typeface="+mj-ea"/>
-                <a:cs typeface="Arial" pitchFamily="34" charset="0"/>
-              </a:rPr>
-              <a:t>or</a:t>
-            </a:r>
-            <a:r>
-              <a:rPr kumimoji="0" lang="de-DE" sz="4000" b="1" i="0" u="none" strike="noStrike" kern="1200" cap="none" spc="0" normalizeH="0" baseline="0" noProof="0" dirty="0">
-                <a:ln>
-                  <a:noFill/>
-                </a:ln>
-                <a:solidFill>
-                  <a:prstClr val="white"/>
-                </a:solidFill>
-                <a:effectLst>
-                  <a:outerShdw blurRad="38100" dist="38100" dir="2700000" algn="tl">
-                    <a:srgbClr val="000000">
-                      <a:alpha val="43137"/>
-                    </a:srgbClr>
-                  </a:outerShdw>
-                </a:effectLst>
-                <a:uLnTx/>
-                <a:uFillTx/>
-                <a:latin typeface="Arial" pitchFamily="34" charset="0"/>
-                <a:ea typeface="+mj-ea"/>
-                <a:cs typeface="Arial" pitchFamily="34" charset="0"/>
-              </a:rPr>
-              <a:t> </a:t>
-            </a:r>
-            <a:r>
-              <a:rPr kumimoji="0" lang="de-DE" sz="4000" b="1" i="0" u="none" strike="noStrike" kern="1200" cap="none" spc="0" normalizeH="0" baseline="0" noProof="0" dirty="0" err="1">
-                <a:ln>
-                  <a:noFill/>
-                </a:ln>
-                <a:solidFill>
-                  <a:prstClr val="white"/>
-                </a:solidFill>
-                <a:effectLst>
-                  <a:outerShdw blurRad="38100" dist="38100" dir="2700000" algn="tl">
-                    <a:srgbClr val="000000">
-                      <a:alpha val="43137"/>
-                    </a:srgbClr>
-                  </a:outerShdw>
-                </a:effectLst>
-                <a:uLnTx/>
-                <a:uFillTx/>
-                <a:latin typeface="Arial" pitchFamily="34" charset="0"/>
-                <a:ea typeface="+mj-ea"/>
-                <a:cs typeface="Arial" pitchFamily="34" charset="0"/>
-              </a:rPr>
-              <a:t>one</a:t>
-            </a:r>
-            <a:r>
-              <a:rPr kumimoji="0" lang="de-DE" sz="4000" b="1" i="0" u="none" strike="noStrike" kern="1200" cap="none" spc="0" normalizeH="0" baseline="0" noProof="0" dirty="0">
-                <a:ln>
-                  <a:noFill/>
-                </a:ln>
-                <a:solidFill>
-                  <a:prstClr val="white"/>
-                </a:solidFill>
-                <a:effectLst>
-                  <a:outerShdw blurRad="38100" dist="38100" dir="2700000" algn="tl">
-                    <a:srgbClr val="000000">
-                      <a:alpha val="43137"/>
-                    </a:srgbClr>
-                  </a:outerShdw>
-                </a:effectLst>
-                <a:uLnTx/>
-                <a:uFillTx/>
-                <a:latin typeface="Arial" pitchFamily="34" charset="0"/>
-                <a:ea typeface="+mj-ea"/>
-                <a:cs typeface="Arial" pitchFamily="34" charset="0"/>
-              </a:rPr>
-              <a:t> </a:t>
-            </a:r>
-            <a:r>
-              <a:rPr kumimoji="0" lang="de-DE" sz="4000" b="1" i="0" u="none" strike="noStrike" kern="1200" cap="none" spc="0" normalizeH="0" baseline="0" noProof="0" dirty="0" err="1">
-                <a:ln>
-                  <a:noFill/>
-                </a:ln>
-                <a:solidFill>
-                  <a:prstClr val="white"/>
-                </a:solidFill>
-                <a:effectLst>
-                  <a:outerShdw blurRad="38100" dist="38100" dir="2700000" algn="tl">
-                    <a:srgbClr val="000000">
-                      <a:alpha val="43137"/>
-                    </a:srgbClr>
-                  </a:outerShdw>
-                </a:effectLst>
-                <a:uLnTx/>
-                <a:uFillTx/>
-                <a:latin typeface="Arial" pitchFamily="34" charset="0"/>
-                <a:ea typeface="+mj-ea"/>
-                <a:cs typeface="Arial" pitchFamily="34" charset="0"/>
-              </a:rPr>
-              <a:t>way</a:t>
-            </a:r>
-            <a:r>
-              <a:rPr kumimoji="0" lang="de-DE" sz="4000" b="1" i="0" u="none" strike="noStrike" kern="1200" cap="none" spc="0" normalizeH="0" baseline="0" noProof="0" dirty="0">
-                <a:ln>
-                  <a:noFill/>
-                </a:ln>
-                <a:solidFill>
-                  <a:prstClr val="white"/>
-                </a:solidFill>
-                <a:effectLst>
-                  <a:outerShdw blurRad="38100" dist="38100" dir="2700000" algn="tl">
-                    <a:srgbClr val="000000">
-                      <a:alpha val="43137"/>
-                    </a:srgbClr>
-                  </a:outerShdw>
-                </a:effectLst>
-                <a:uLnTx/>
-                <a:uFillTx/>
-                <a:latin typeface="Arial" pitchFamily="34" charset="0"/>
-                <a:ea typeface="+mj-ea"/>
-                <a:cs typeface="Arial" pitchFamily="34" charset="0"/>
-              </a:rPr>
-              <a:t> </a:t>
+              <a:t>What</a:t>
             </a:r>
             <a:r>
               <a:rPr lang="de-DE" sz="4000" b="1" dirty="0">
@@ -6139,13 +7656,10 @@
                 <a:latin typeface="Arial" pitchFamily="34" charset="0"/>
                 <a:cs typeface="Arial" pitchFamily="34" charset="0"/>
               </a:rPr>
-              <a:t>C</a:t>
-            </a:r>
-            <a:r>
-              <a:rPr kumimoji="0" lang="de-DE" sz="4000" b="1" i="0" u="none" strike="noStrike" kern="1200" cap="none" spc="0" normalizeH="0" baseline="0" noProof="0" dirty="0" err="1">
-                <a:ln>
-                  <a:noFill/>
-                </a:ln>
+              <a:t> </a:t>
+            </a:r>
+            <a:r>
+              <a:rPr lang="de-DE" sz="4000" b="1" dirty="0" err="1">
                 <a:solidFill>
                   <a:prstClr val="white"/>
                 </a:solidFill>
@@ -6156,13 +7670,61 @@
                     </a:srgbClr>
                   </a:outerShdw>
                 </a:effectLst>
-                <a:uLnTx/>
-                <a:uFillTx/>
                 <a:latin typeface="Arial" pitchFamily="34" charset="0"/>
-                <a:ea typeface="+mj-ea"/>
                 <a:cs typeface="Arial" pitchFamily="34" charset="0"/>
               </a:rPr>
-              <a:t>hain</a:t>
+              <a:t>are</a:t>
+            </a:r>
+            <a:r>
+              <a:rPr lang="de-DE" sz="4000" b="1" dirty="0">
+                <a:solidFill>
+                  <a:prstClr val="white"/>
+                </a:solidFill>
+                <a:effectLst>
+                  <a:outerShdw blurRad="38100" dist="38100" dir="2700000" algn="tl">
+                    <a:srgbClr val="000000">
+                      <a:alpha val="43137"/>
+                    </a:srgbClr>
+                  </a:outerShdw>
+                </a:effectLst>
+                <a:latin typeface="Arial" pitchFamily="34" charset="0"/>
+                <a:cs typeface="Arial" pitchFamily="34" charset="0"/>
+              </a:rPr>
+              <a:t> </a:t>
+            </a:r>
+            <a:r>
+              <a:rPr lang="de-DE" sz="4000" b="1" dirty="0" err="1">
+                <a:solidFill>
+                  <a:prstClr val="white"/>
+                </a:solidFill>
+                <a:effectLst>
+                  <a:outerShdw blurRad="38100" dist="38100" dir="2700000" algn="tl">
+                    <a:srgbClr val="000000">
+                      <a:alpha val="43137"/>
+                    </a:srgbClr>
+                  </a:outerShdw>
+                </a:effectLst>
+                <a:latin typeface="Arial" pitchFamily="34" charset="0"/>
+                <a:cs typeface="Arial" pitchFamily="34" charset="0"/>
+              </a:rPr>
+              <a:t>Linked</a:t>
+            </a:r>
+            <a:r>
+              <a:rPr lang="de-DE" sz="4000" b="1" dirty="0">
+                <a:solidFill>
+                  <a:prstClr val="white"/>
+                </a:solidFill>
+                <a:effectLst>
+                  <a:outerShdw blurRad="38100" dist="38100" dir="2700000" algn="tl">
+                    <a:srgbClr val="000000">
+                      <a:alpha val="43137"/>
+                    </a:srgbClr>
+                  </a:outerShdw>
+                </a:effectLst>
+                <a:latin typeface="Arial" pitchFamily="34" charset="0"/>
+                <a:cs typeface="Arial" pitchFamily="34" charset="0"/>
+              </a:rPr>
+              <a:t> List?</a:t>
             </a:r>
             <a:endParaRPr lang="de-AT" sz="4000" dirty="0"/>
           </a:p>
@@ -6313,51 +7875,1196 @@
           </a:fontRef>
         </p:style>
       </p:cxnSp>
-      <p:sp>
-        <p:nvSpPr>
-          <p:cNvPr id="4" name="Textfeld 3">
+      <p:pic>
+        <p:nvPicPr>
+          <p:cNvPr id="7" name="Grafik 6">
             <a:extLst>
               <a:ext uri="{FF2B5EF4-FFF2-40B4-BE49-F238E27FC236}">
-                <a16:creationId xmlns:a16="http://schemas.microsoft.com/office/drawing/2014/main" id="{8FDBAD98-678F-4314-BCFC-5C9E7AAF69BD}"/>
+                <a16:creationId xmlns:a16="http://schemas.microsoft.com/office/drawing/2014/main" id="{15194904-A120-4B98-B1DE-0AC48606E6D1}"/>
               </a:ext>
             </a:extLst>
           </p:cNvPr>
-          <p:cNvSpPr txBox="1"/>
+          <p:cNvPicPr>
+            <a:picLocks noChangeAspect="1"/>
+          </p:cNvPicPr>
           <p:nvPr/>
-        </p:nvSpPr>
-        <p:spPr>
-          <a:xfrm>
-            <a:off x="747834" y="2424397"/>
-            <a:ext cx="7841411" cy="2062103"/>
+        </p:nvPicPr>
+        <p:blipFill>
+          <a:blip r:embed="rId2"/>
+          <a:stretch>
+            <a:fillRect/>
+          </a:stretch>
+        </p:blipFill>
+        <p:spPr>
+          <a:xfrm>
+            <a:off x="590264" y="2529840"/>
+            <a:ext cx="7963472" cy="2102678"/>
           </a:xfrm>
           <a:prstGeom prst="rect">
             <a:avLst/>
           </a:prstGeom>
-          <a:noFill/>
-        </p:spPr>
-        <p:txBody>
-          <a:bodyPr wrap="square" rtlCol="0">
-            <a:spAutoFit/>
-          </a:bodyPr>
-          <a:lstStyle/>
-          <a:p>
-            <a:r>
-              <a:rPr lang="en-US" sz="3200" b="0" i="0" dirty="0">
-                <a:effectLst/>
-                <a:latin typeface="Franklin Gothic Book" panose="020B0503020102020204" pitchFamily="34" charset="0"/>
-              </a:rPr>
-              <a:t>In Singly linked list has a node which contains 2 parts: The Data part and the link part. In Singly linked list the direction is only forward.</a:t>
-            </a:r>
-            <a:endParaRPr lang="de-AT" sz="3200" dirty="0">
-              <a:latin typeface="Franklin Gothic Book" panose="020B0503020102020204" pitchFamily="34" charset="0"/>
-            </a:endParaRPr>
-          </a:p>
-        </p:txBody>
-      </p:sp>
+        </p:spPr>
+      </p:pic>
     </p:spTree>
     <p:extLst>
       <p:ext uri="{BB962C8B-B14F-4D97-AF65-F5344CB8AC3E}">
-        <p14:creationId xmlns:p14="http://schemas.microsoft.com/office/powerpoint/2010/main" val="2442258274"/>
+        <p14:creationId xmlns:p14="http://schemas.microsoft.com/office/powerpoint/2010/main" val="2807364797"/>
+      </p:ext>
+    </p:extLst>
+  </p:cSld>
+  <p:clrMapOvr>
+    <a:masterClrMapping/>
+  </p:clrMapOvr>
+  <p:transition spd="slow"/>
+</p:sld>
+</file>
+
+<file path=ppt/slides/slide7.xml><?xml version="1.0" encoding="utf-8"?>
+<p:sld xmlns:a="http://schemas.openxmlformats.org/drawingml/2006/main" xmlns:r="http://schemas.openxmlformats.org/officeDocument/2006/relationships" xmlns:p="http://schemas.openxmlformats.org/presentationml/2006/main">
+  <p:cSld>
+    <p:spTree>
+      <p:nvGrpSpPr>
+        <p:cNvPr id="1" name=""/>
+        <p:cNvGrpSpPr/>
+        <p:nvPr/>
+      </p:nvGrpSpPr>
+      <p:grpSpPr>
+        <a:xfrm>
+          <a:off x="0" y="0"/>
+          <a:ext cx="0" cy="0"/>
+          <a:chOff x="0" y="0"/>
+          <a:chExt cx="0" cy="0"/>
+        </a:xfrm>
+      </p:grpSpPr>
+      <p:sp>
+        <p:nvSpPr>
+          <p:cNvPr id="6" name="Rechteck 5">
+            <a:extLst>
+              <a:ext uri="{FF2B5EF4-FFF2-40B4-BE49-F238E27FC236}">
+                <a16:creationId xmlns:a16="http://schemas.microsoft.com/office/drawing/2014/main" id="{0DE504A7-6DD8-4D73-96D4-CFB09F9D6897}"/>
+              </a:ext>
+            </a:extLst>
+          </p:cNvPr>
+          <p:cNvSpPr/>
+          <p:nvPr/>
+        </p:nvSpPr>
+        <p:spPr>
+          <a:xfrm>
+            <a:off x="0" y="0"/>
+            <a:ext cx="9144000" cy="888521"/>
+          </a:xfrm>
+          <a:prstGeom prst="rect">
+            <a:avLst/>
+          </a:prstGeom>
+        </p:spPr>
+        <p:style>
+          <a:lnRef idx="2">
+            <a:schemeClr val="accent4">
+              <a:shade val="50000"/>
+            </a:schemeClr>
+          </a:lnRef>
+          <a:fillRef idx="1">
+            <a:schemeClr val="accent4"/>
+          </a:fillRef>
+          <a:effectRef idx="0">
+            <a:schemeClr val="accent4"/>
+          </a:effectRef>
+          <a:fontRef idx="minor">
+            <a:schemeClr val="lt1"/>
+          </a:fontRef>
+        </p:style>
+        <p:txBody>
+          <a:bodyPr rtlCol="0" anchor="ctr"/>
+          <a:lstStyle/>
+          <a:p>
+            <a:pPr algn="ctr"/>
+            <a:endParaRPr lang="de-AT" dirty="0"/>
+          </a:p>
+        </p:txBody>
+      </p:sp>
+      <p:sp>
+        <p:nvSpPr>
+          <p:cNvPr id="2" name="Titel 1">
+            <a:extLst>
+              <a:ext uri="{FF2B5EF4-FFF2-40B4-BE49-F238E27FC236}">
+                <a16:creationId xmlns:a16="http://schemas.microsoft.com/office/drawing/2014/main" id="{A98C967C-2AA5-4E8F-9FB4-A21960A1E60C}"/>
+              </a:ext>
+            </a:extLst>
+          </p:cNvPr>
+          <p:cNvSpPr>
+            <a:spLocks noGrp="1"/>
+          </p:cNvSpPr>
+          <p:nvPr>
+            <p:ph type="ctrTitle"/>
+          </p:nvPr>
+        </p:nvSpPr>
+        <p:spPr>
+          <a:xfrm>
+            <a:off x="486379" y="103914"/>
+            <a:ext cx="7599459" cy="685965"/>
+          </a:xfrm>
+        </p:spPr>
+        <p:txBody>
+          <a:bodyPr>
+            <a:normAutofit/>
+          </a:bodyPr>
+          <a:lstStyle/>
+          <a:p>
+            <a:r>
+              <a:rPr lang="de-DE" sz="4000" b="1" dirty="0" err="1">
+                <a:solidFill>
+                  <a:prstClr val="white"/>
+                </a:solidFill>
+                <a:effectLst>
+                  <a:outerShdw blurRad="38100" dist="38100" dir="2700000" algn="tl">
+                    <a:srgbClr val="000000">
+                      <a:alpha val="43137"/>
+                    </a:srgbClr>
+                  </a:outerShdw>
+                </a:effectLst>
+                <a:latin typeface="Arial" pitchFamily="34" charset="0"/>
+                <a:cs typeface="Arial" pitchFamily="34" charset="0"/>
+              </a:rPr>
+              <a:t>What</a:t>
+            </a:r>
+            <a:r>
+              <a:rPr lang="de-DE" sz="4000" b="1" dirty="0">
+                <a:solidFill>
+                  <a:prstClr val="white"/>
+                </a:solidFill>
+                <a:effectLst>
+                  <a:outerShdw blurRad="38100" dist="38100" dir="2700000" algn="tl">
+                    <a:srgbClr val="000000">
+                      <a:alpha val="43137"/>
+                    </a:srgbClr>
+                  </a:outerShdw>
+                </a:effectLst>
+                <a:latin typeface="Arial" pitchFamily="34" charset="0"/>
+                <a:cs typeface="Arial" pitchFamily="34" charset="0"/>
+              </a:rPr>
+              <a:t> </a:t>
+            </a:r>
+            <a:r>
+              <a:rPr lang="de-DE" sz="4000" b="1" dirty="0" err="1">
+                <a:solidFill>
+                  <a:prstClr val="white"/>
+                </a:solidFill>
+                <a:effectLst>
+                  <a:outerShdw blurRad="38100" dist="38100" dir="2700000" algn="tl">
+                    <a:srgbClr val="000000">
+                      <a:alpha val="43137"/>
+                    </a:srgbClr>
+                  </a:outerShdw>
+                </a:effectLst>
+                <a:latin typeface="Arial" pitchFamily="34" charset="0"/>
+                <a:cs typeface="Arial" pitchFamily="34" charset="0"/>
+              </a:rPr>
+              <a:t>are</a:t>
+            </a:r>
+            <a:r>
+              <a:rPr lang="de-DE" sz="4000" b="1" dirty="0">
+                <a:solidFill>
+                  <a:prstClr val="white"/>
+                </a:solidFill>
+                <a:effectLst>
+                  <a:outerShdw blurRad="38100" dist="38100" dir="2700000" algn="tl">
+                    <a:srgbClr val="000000">
+                      <a:alpha val="43137"/>
+                    </a:srgbClr>
+                  </a:outerShdw>
+                </a:effectLst>
+                <a:latin typeface="Arial" pitchFamily="34" charset="0"/>
+                <a:cs typeface="Arial" pitchFamily="34" charset="0"/>
+              </a:rPr>
+              <a:t> </a:t>
+            </a:r>
+            <a:r>
+              <a:rPr lang="de-DE" sz="4000" b="1" dirty="0" err="1">
+                <a:solidFill>
+                  <a:prstClr val="white"/>
+                </a:solidFill>
+                <a:effectLst>
+                  <a:outerShdw blurRad="38100" dist="38100" dir="2700000" algn="tl">
+                    <a:srgbClr val="000000">
+                      <a:alpha val="43137"/>
+                    </a:srgbClr>
+                  </a:outerShdw>
+                </a:effectLst>
+                <a:latin typeface="Arial" pitchFamily="34" charset="0"/>
+                <a:cs typeface="Arial" pitchFamily="34" charset="0"/>
+              </a:rPr>
+              <a:t>Linked</a:t>
+            </a:r>
+            <a:r>
+              <a:rPr lang="de-DE" sz="4000" b="1" dirty="0">
+                <a:solidFill>
+                  <a:prstClr val="white"/>
+                </a:solidFill>
+                <a:effectLst>
+                  <a:outerShdw blurRad="38100" dist="38100" dir="2700000" algn="tl">
+                    <a:srgbClr val="000000">
+                      <a:alpha val="43137"/>
+                    </a:srgbClr>
+                  </a:outerShdw>
+                </a:effectLst>
+                <a:latin typeface="Arial" pitchFamily="34" charset="0"/>
+                <a:cs typeface="Arial" pitchFamily="34" charset="0"/>
+              </a:rPr>
+              <a:t> List?</a:t>
+            </a:r>
+            <a:endParaRPr lang="de-AT" sz="4000" dirty="0"/>
+          </a:p>
+        </p:txBody>
+      </p:sp>
+      <p:sp>
+        <p:nvSpPr>
+          <p:cNvPr id="3" name="Untertitel 2">
+            <a:extLst>
+              <a:ext uri="{FF2B5EF4-FFF2-40B4-BE49-F238E27FC236}">
+                <a16:creationId xmlns:a16="http://schemas.microsoft.com/office/drawing/2014/main" id="{68C81C8E-B322-43F6-84A0-F611E923DEAA}"/>
+              </a:ext>
+            </a:extLst>
+          </p:cNvPr>
+          <p:cNvSpPr>
+            <a:spLocks noGrp="1"/>
+          </p:cNvSpPr>
+          <p:nvPr>
+            <p:ph type="subTitle" idx="1"/>
+          </p:nvPr>
+        </p:nvSpPr>
+        <p:spPr/>
+        <p:txBody>
+          <a:bodyPr/>
+          <a:lstStyle/>
+          <a:p>
+            <a:endParaRPr lang="de-AT"/>
+          </a:p>
+        </p:txBody>
+      </p:sp>
+      <p:sp>
+        <p:nvSpPr>
+          <p:cNvPr id="8" name="Rechteck 7">
+            <a:extLst>
+              <a:ext uri="{FF2B5EF4-FFF2-40B4-BE49-F238E27FC236}">
+                <a16:creationId xmlns:a16="http://schemas.microsoft.com/office/drawing/2014/main" id="{192452E4-F7BE-4F5C-BF08-ED9E5D6F57F1}"/>
+              </a:ext>
+            </a:extLst>
+          </p:cNvPr>
+          <p:cNvSpPr/>
+          <p:nvPr/>
+        </p:nvSpPr>
+        <p:spPr>
+          <a:xfrm>
+            <a:off x="0" y="888521"/>
+            <a:ext cx="9144000" cy="5969479"/>
+          </a:xfrm>
+          <a:prstGeom prst="rect">
+            <a:avLst/>
+          </a:prstGeom>
+        </p:spPr>
+        <p:style>
+          <a:lnRef idx="2">
+            <a:schemeClr val="accent6"/>
+          </a:lnRef>
+          <a:fillRef idx="1">
+            <a:schemeClr val="lt1"/>
+          </a:fillRef>
+          <a:effectRef idx="0">
+            <a:schemeClr val="accent6"/>
+          </a:effectRef>
+          <a:fontRef idx="minor">
+            <a:schemeClr val="dk1"/>
+          </a:fontRef>
+        </p:style>
+        <p:txBody>
+          <a:bodyPr rtlCol="0" anchor="ctr"/>
+          <a:lstStyle/>
+          <a:p>
+            <a:pPr algn="ctr"/>
+            <a:endParaRPr lang="de-AT" dirty="0"/>
+          </a:p>
+        </p:txBody>
+      </p:sp>
+      <p:cxnSp>
+        <p:nvCxnSpPr>
+          <p:cNvPr id="11" name="Gerader Verbinder 10">
+            <a:extLst>
+              <a:ext uri="{FF2B5EF4-FFF2-40B4-BE49-F238E27FC236}">
+                <a16:creationId xmlns:a16="http://schemas.microsoft.com/office/drawing/2014/main" id="{B0410906-36E3-4EAD-BF56-DBFBE70BB99D}"/>
+              </a:ext>
+            </a:extLst>
+          </p:cNvPr>
+          <p:cNvCxnSpPr>
+            <a:cxnSpLocks/>
+          </p:cNvCxnSpPr>
+          <p:nvPr/>
+        </p:nvCxnSpPr>
+        <p:spPr>
+          <a:xfrm>
+            <a:off x="1494526" y="2829719"/>
+            <a:ext cx="0" cy="0"/>
+          </a:xfrm>
+          <a:prstGeom prst="line">
+            <a:avLst/>
+          </a:prstGeom>
+        </p:spPr>
+        <p:style>
+          <a:lnRef idx="1">
+            <a:schemeClr val="accent1"/>
+          </a:lnRef>
+          <a:fillRef idx="0">
+            <a:schemeClr val="accent1"/>
+          </a:fillRef>
+          <a:effectRef idx="0">
+            <a:schemeClr val="accent1"/>
+          </a:effectRef>
+          <a:fontRef idx="minor">
+            <a:schemeClr val="tx1"/>
+          </a:fontRef>
+        </p:style>
+      </p:cxnSp>
+      <p:cxnSp>
+        <p:nvCxnSpPr>
+          <p:cNvPr id="14" name="Gerader Verbinder 13">
+            <a:extLst>
+              <a:ext uri="{FF2B5EF4-FFF2-40B4-BE49-F238E27FC236}">
+                <a16:creationId xmlns:a16="http://schemas.microsoft.com/office/drawing/2014/main" id="{D9626B63-CCBC-49E0-879B-35EC30327E0A}"/>
+              </a:ext>
+            </a:extLst>
+          </p:cNvPr>
+          <p:cNvCxnSpPr>
+            <a:cxnSpLocks/>
+          </p:cNvCxnSpPr>
+          <p:nvPr/>
+        </p:nvCxnSpPr>
+        <p:spPr>
+          <a:xfrm>
+            <a:off x="1365130" y="3751158"/>
+            <a:ext cx="0" cy="0"/>
+          </a:xfrm>
+          <a:prstGeom prst="line">
+            <a:avLst/>
+          </a:prstGeom>
+        </p:spPr>
+        <p:style>
+          <a:lnRef idx="1">
+            <a:schemeClr val="accent1"/>
+          </a:lnRef>
+          <a:fillRef idx="0">
+            <a:schemeClr val="accent1"/>
+          </a:fillRef>
+          <a:effectRef idx="0">
+            <a:schemeClr val="accent1"/>
+          </a:effectRef>
+          <a:fontRef idx="minor">
+            <a:schemeClr val="tx1"/>
+          </a:fontRef>
+        </p:style>
+      </p:cxnSp>
+      <p:pic>
+        <p:nvPicPr>
+          <p:cNvPr id="9" name="Grafik 8">
+            <a:extLst>
+              <a:ext uri="{FF2B5EF4-FFF2-40B4-BE49-F238E27FC236}">
+                <a16:creationId xmlns:a16="http://schemas.microsoft.com/office/drawing/2014/main" id="{F9C36776-44FE-447F-BFB6-DD8F4A0DA112}"/>
+              </a:ext>
+            </a:extLst>
+          </p:cNvPr>
+          <p:cNvPicPr>
+            <a:picLocks noChangeAspect="1"/>
+          </p:cNvPicPr>
+          <p:nvPr/>
+        </p:nvPicPr>
+        <p:blipFill>
+          <a:blip r:embed="rId2"/>
+          <a:stretch>
+            <a:fillRect/>
+          </a:stretch>
+        </p:blipFill>
+        <p:spPr>
+          <a:xfrm>
+            <a:off x="590264" y="2529840"/>
+            <a:ext cx="7963472" cy="2102678"/>
+          </a:xfrm>
+          <a:prstGeom prst="rect">
+            <a:avLst/>
+          </a:prstGeom>
+        </p:spPr>
+      </p:pic>
+    </p:spTree>
+    <p:extLst>
+      <p:ext uri="{BB962C8B-B14F-4D97-AF65-F5344CB8AC3E}">
+        <p14:creationId xmlns:p14="http://schemas.microsoft.com/office/powerpoint/2010/main" val="1888858186"/>
+      </p:ext>
+    </p:extLst>
+  </p:cSld>
+  <p:clrMapOvr>
+    <a:masterClrMapping/>
+  </p:clrMapOvr>
+</p:sld>
+</file>
+
+<file path=ppt/slides/slide8.xml><?xml version="1.0" encoding="utf-8"?>
+<p:sld xmlns:a="http://schemas.openxmlformats.org/drawingml/2006/main" xmlns:r="http://schemas.openxmlformats.org/officeDocument/2006/relationships" xmlns:p="http://schemas.openxmlformats.org/presentationml/2006/main">
+  <p:cSld>
+    <p:spTree>
+      <p:nvGrpSpPr>
+        <p:cNvPr id="1" name=""/>
+        <p:cNvGrpSpPr/>
+        <p:nvPr/>
+      </p:nvGrpSpPr>
+      <p:grpSpPr>
+        <a:xfrm>
+          <a:off x="0" y="0"/>
+          <a:ext cx="0" cy="0"/>
+          <a:chOff x="0" y="0"/>
+          <a:chExt cx="0" cy="0"/>
+        </a:xfrm>
+      </p:grpSpPr>
+      <p:sp>
+        <p:nvSpPr>
+          <p:cNvPr id="6" name="Rechteck 5">
+            <a:extLst>
+              <a:ext uri="{FF2B5EF4-FFF2-40B4-BE49-F238E27FC236}">
+                <a16:creationId xmlns:a16="http://schemas.microsoft.com/office/drawing/2014/main" id="{0DE504A7-6DD8-4D73-96D4-CFB09F9D6897}"/>
+              </a:ext>
+            </a:extLst>
+          </p:cNvPr>
+          <p:cNvSpPr/>
+          <p:nvPr/>
+        </p:nvSpPr>
+        <p:spPr>
+          <a:xfrm>
+            <a:off x="0" y="0"/>
+            <a:ext cx="9144000" cy="888521"/>
+          </a:xfrm>
+          <a:prstGeom prst="rect">
+            <a:avLst/>
+          </a:prstGeom>
+        </p:spPr>
+        <p:style>
+          <a:lnRef idx="2">
+            <a:schemeClr val="accent4">
+              <a:shade val="50000"/>
+            </a:schemeClr>
+          </a:lnRef>
+          <a:fillRef idx="1">
+            <a:schemeClr val="accent4"/>
+          </a:fillRef>
+          <a:effectRef idx="0">
+            <a:schemeClr val="accent4"/>
+          </a:effectRef>
+          <a:fontRef idx="minor">
+            <a:schemeClr val="lt1"/>
+          </a:fontRef>
+        </p:style>
+        <p:txBody>
+          <a:bodyPr rtlCol="0" anchor="ctr"/>
+          <a:lstStyle/>
+          <a:p>
+            <a:pPr algn="ctr"/>
+            <a:endParaRPr lang="de-AT" dirty="0"/>
+          </a:p>
+        </p:txBody>
+      </p:sp>
+      <p:sp>
+        <p:nvSpPr>
+          <p:cNvPr id="2" name="Titel 1">
+            <a:extLst>
+              <a:ext uri="{FF2B5EF4-FFF2-40B4-BE49-F238E27FC236}">
+                <a16:creationId xmlns:a16="http://schemas.microsoft.com/office/drawing/2014/main" id="{A98C967C-2AA5-4E8F-9FB4-A21960A1E60C}"/>
+              </a:ext>
+            </a:extLst>
+          </p:cNvPr>
+          <p:cNvSpPr>
+            <a:spLocks noGrp="1"/>
+          </p:cNvSpPr>
+          <p:nvPr>
+            <p:ph type="ctrTitle"/>
+          </p:nvPr>
+        </p:nvSpPr>
+        <p:spPr>
+          <a:xfrm>
+            <a:off x="486379" y="103914"/>
+            <a:ext cx="7599459" cy="685965"/>
+          </a:xfrm>
+        </p:spPr>
+        <p:txBody>
+          <a:bodyPr>
+            <a:normAutofit/>
+          </a:bodyPr>
+          <a:lstStyle/>
+          <a:p>
+            <a:r>
+              <a:rPr lang="de-DE" sz="4000" b="1" dirty="0" err="1">
+                <a:solidFill>
+                  <a:prstClr val="white"/>
+                </a:solidFill>
+                <a:effectLst>
+                  <a:outerShdw blurRad="38100" dist="38100" dir="2700000" algn="tl">
+                    <a:srgbClr val="000000">
+                      <a:alpha val="43137"/>
+                    </a:srgbClr>
+                  </a:outerShdw>
+                </a:effectLst>
+                <a:latin typeface="Arial" pitchFamily="34" charset="0"/>
+                <a:cs typeface="Arial" pitchFamily="34" charset="0"/>
+              </a:rPr>
+              <a:t>What</a:t>
+            </a:r>
+            <a:r>
+              <a:rPr lang="de-DE" sz="4000" b="1" dirty="0">
+                <a:solidFill>
+                  <a:prstClr val="white"/>
+                </a:solidFill>
+                <a:effectLst>
+                  <a:outerShdw blurRad="38100" dist="38100" dir="2700000" algn="tl">
+                    <a:srgbClr val="000000">
+                      <a:alpha val="43137"/>
+                    </a:srgbClr>
+                  </a:outerShdw>
+                </a:effectLst>
+                <a:latin typeface="Arial" pitchFamily="34" charset="0"/>
+                <a:cs typeface="Arial" pitchFamily="34" charset="0"/>
+              </a:rPr>
+              <a:t> </a:t>
+            </a:r>
+            <a:r>
+              <a:rPr lang="de-DE" sz="4000" b="1" dirty="0" err="1">
+                <a:solidFill>
+                  <a:prstClr val="white"/>
+                </a:solidFill>
+                <a:effectLst>
+                  <a:outerShdw blurRad="38100" dist="38100" dir="2700000" algn="tl">
+                    <a:srgbClr val="000000">
+                      <a:alpha val="43137"/>
+                    </a:srgbClr>
+                  </a:outerShdw>
+                </a:effectLst>
+                <a:latin typeface="Arial" pitchFamily="34" charset="0"/>
+                <a:cs typeface="Arial" pitchFamily="34" charset="0"/>
+              </a:rPr>
+              <a:t>are</a:t>
+            </a:r>
+            <a:r>
+              <a:rPr lang="de-DE" sz="4000" b="1" dirty="0">
+                <a:solidFill>
+                  <a:prstClr val="white"/>
+                </a:solidFill>
+                <a:effectLst>
+                  <a:outerShdw blurRad="38100" dist="38100" dir="2700000" algn="tl">
+                    <a:srgbClr val="000000">
+                      <a:alpha val="43137"/>
+                    </a:srgbClr>
+                  </a:outerShdw>
+                </a:effectLst>
+                <a:latin typeface="Arial" pitchFamily="34" charset="0"/>
+                <a:cs typeface="Arial" pitchFamily="34" charset="0"/>
+              </a:rPr>
+              <a:t> </a:t>
+            </a:r>
+            <a:r>
+              <a:rPr lang="de-DE" sz="4000" b="1" dirty="0" err="1">
+                <a:solidFill>
+                  <a:prstClr val="white"/>
+                </a:solidFill>
+                <a:effectLst>
+                  <a:outerShdw blurRad="38100" dist="38100" dir="2700000" algn="tl">
+                    <a:srgbClr val="000000">
+                      <a:alpha val="43137"/>
+                    </a:srgbClr>
+                  </a:outerShdw>
+                </a:effectLst>
+                <a:latin typeface="Arial" pitchFamily="34" charset="0"/>
+                <a:cs typeface="Arial" pitchFamily="34" charset="0"/>
+              </a:rPr>
+              <a:t>Linked</a:t>
+            </a:r>
+            <a:r>
+              <a:rPr lang="de-DE" sz="4000" b="1" dirty="0">
+                <a:solidFill>
+                  <a:prstClr val="white"/>
+                </a:solidFill>
+                <a:effectLst>
+                  <a:outerShdw blurRad="38100" dist="38100" dir="2700000" algn="tl">
+                    <a:srgbClr val="000000">
+                      <a:alpha val="43137"/>
+                    </a:srgbClr>
+                  </a:outerShdw>
+                </a:effectLst>
+                <a:latin typeface="Arial" pitchFamily="34" charset="0"/>
+                <a:cs typeface="Arial" pitchFamily="34" charset="0"/>
+              </a:rPr>
+              <a:t> List?</a:t>
+            </a:r>
+            <a:endParaRPr lang="de-AT" sz="4000" dirty="0"/>
+          </a:p>
+        </p:txBody>
+      </p:sp>
+      <p:sp>
+        <p:nvSpPr>
+          <p:cNvPr id="3" name="Untertitel 2">
+            <a:extLst>
+              <a:ext uri="{FF2B5EF4-FFF2-40B4-BE49-F238E27FC236}">
+                <a16:creationId xmlns:a16="http://schemas.microsoft.com/office/drawing/2014/main" id="{68C81C8E-B322-43F6-84A0-F611E923DEAA}"/>
+              </a:ext>
+            </a:extLst>
+          </p:cNvPr>
+          <p:cNvSpPr>
+            <a:spLocks noGrp="1"/>
+          </p:cNvSpPr>
+          <p:nvPr>
+            <p:ph type="subTitle" idx="1"/>
+          </p:nvPr>
+        </p:nvSpPr>
+        <p:spPr/>
+        <p:txBody>
+          <a:bodyPr/>
+          <a:lstStyle/>
+          <a:p>
+            <a:endParaRPr lang="de-AT"/>
+          </a:p>
+        </p:txBody>
+      </p:sp>
+      <p:sp>
+        <p:nvSpPr>
+          <p:cNvPr id="8" name="Rechteck 7">
+            <a:extLst>
+              <a:ext uri="{FF2B5EF4-FFF2-40B4-BE49-F238E27FC236}">
+                <a16:creationId xmlns:a16="http://schemas.microsoft.com/office/drawing/2014/main" id="{192452E4-F7BE-4F5C-BF08-ED9E5D6F57F1}"/>
+              </a:ext>
+            </a:extLst>
+          </p:cNvPr>
+          <p:cNvSpPr/>
+          <p:nvPr/>
+        </p:nvSpPr>
+        <p:spPr>
+          <a:xfrm>
+            <a:off x="0" y="888521"/>
+            <a:ext cx="9144000" cy="5969479"/>
+          </a:xfrm>
+          <a:prstGeom prst="rect">
+            <a:avLst/>
+          </a:prstGeom>
+        </p:spPr>
+        <p:style>
+          <a:lnRef idx="2">
+            <a:schemeClr val="accent6"/>
+          </a:lnRef>
+          <a:fillRef idx="1">
+            <a:schemeClr val="lt1"/>
+          </a:fillRef>
+          <a:effectRef idx="0">
+            <a:schemeClr val="accent6"/>
+          </a:effectRef>
+          <a:fontRef idx="minor">
+            <a:schemeClr val="dk1"/>
+          </a:fontRef>
+        </p:style>
+        <p:txBody>
+          <a:bodyPr rtlCol="0" anchor="ctr"/>
+          <a:lstStyle/>
+          <a:p>
+            <a:pPr algn="ctr"/>
+            <a:endParaRPr lang="de-AT" dirty="0"/>
+          </a:p>
+        </p:txBody>
+      </p:sp>
+      <p:cxnSp>
+        <p:nvCxnSpPr>
+          <p:cNvPr id="11" name="Gerader Verbinder 10">
+            <a:extLst>
+              <a:ext uri="{FF2B5EF4-FFF2-40B4-BE49-F238E27FC236}">
+                <a16:creationId xmlns:a16="http://schemas.microsoft.com/office/drawing/2014/main" id="{B0410906-36E3-4EAD-BF56-DBFBE70BB99D}"/>
+              </a:ext>
+            </a:extLst>
+          </p:cNvPr>
+          <p:cNvCxnSpPr>
+            <a:cxnSpLocks/>
+          </p:cNvCxnSpPr>
+          <p:nvPr/>
+        </p:nvCxnSpPr>
+        <p:spPr>
+          <a:xfrm>
+            <a:off x="1494526" y="2829719"/>
+            <a:ext cx="0" cy="0"/>
+          </a:xfrm>
+          <a:prstGeom prst="line">
+            <a:avLst/>
+          </a:prstGeom>
+        </p:spPr>
+        <p:style>
+          <a:lnRef idx="1">
+            <a:schemeClr val="accent1"/>
+          </a:lnRef>
+          <a:fillRef idx="0">
+            <a:schemeClr val="accent1"/>
+          </a:fillRef>
+          <a:effectRef idx="0">
+            <a:schemeClr val="accent1"/>
+          </a:effectRef>
+          <a:fontRef idx="minor">
+            <a:schemeClr val="tx1"/>
+          </a:fontRef>
+        </p:style>
+      </p:cxnSp>
+      <p:cxnSp>
+        <p:nvCxnSpPr>
+          <p:cNvPr id="14" name="Gerader Verbinder 13">
+            <a:extLst>
+              <a:ext uri="{FF2B5EF4-FFF2-40B4-BE49-F238E27FC236}">
+                <a16:creationId xmlns:a16="http://schemas.microsoft.com/office/drawing/2014/main" id="{D9626B63-CCBC-49E0-879B-35EC30327E0A}"/>
+              </a:ext>
+            </a:extLst>
+          </p:cNvPr>
+          <p:cNvCxnSpPr>
+            <a:cxnSpLocks/>
+          </p:cNvCxnSpPr>
+          <p:nvPr/>
+        </p:nvCxnSpPr>
+        <p:spPr>
+          <a:xfrm>
+            <a:off x="1365130" y="3751158"/>
+            <a:ext cx="0" cy="0"/>
+          </a:xfrm>
+          <a:prstGeom prst="line">
+            <a:avLst/>
+          </a:prstGeom>
+        </p:spPr>
+        <p:style>
+          <a:lnRef idx="1">
+            <a:schemeClr val="accent1"/>
+          </a:lnRef>
+          <a:fillRef idx="0">
+            <a:schemeClr val="accent1"/>
+          </a:fillRef>
+          <a:effectRef idx="0">
+            <a:schemeClr val="accent1"/>
+          </a:effectRef>
+          <a:fontRef idx="minor">
+            <a:schemeClr val="tx1"/>
+          </a:fontRef>
+        </p:style>
+      </p:cxnSp>
+      <p:pic>
+        <p:nvPicPr>
+          <p:cNvPr id="5" name="Grafik 4">
+            <a:extLst>
+              <a:ext uri="{FF2B5EF4-FFF2-40B4-BE49-F238E27FC236}">
+                <a16:creationId xmlns:a16="http://schemas.microsoft.com/office/drawing/2014/main" id="{6331E555-DF05-46A9-A9FD-89437B88E0E3}"/>
+              </a:ext>
+            </a:extLst>
+          </p:cNvPr>
+          <p:cNvPicPr>
+            <a:picLocks noChangeAspect="1"/>
+          </p:cNvPicPr>
+          <p:nvPr/>
+        </p:nvPicPr>
+        <p:blipFill>
+          <a:blip r:embed="rId2"/>
+          <a:stretch>
+            <a:fillRect/>
+          </a:stretch>
+        </p:blipFill>
+        <p:spPr>
+          <a:xfrm>
+            <a:off x="590264" y="2529840"/>
+            <a:ext cx="7963472" cy="2102678"/>
+          </a:xfrm>
+          <a:prstGeom prst="rect">
+            <a:avLst/>
+          </a:prstGeom>
+        </p:spPr>
+      </p:pic>
+    </p:spTree>
+    <p:extLst>
+      <p:ext uri="{BB962C8B-B14F-4D97-AF65-F5344CB8AC3E}">
+        <p14:creationId xmlns:p14="http://schemas.microsoft.com/office/powerpoint/2010/main" val="2297854909"/>
+      </p:ext>
+    </p:extLst>
+  </p:cSld>
+  <p:clrMapOvr>
+    <a:masterClrMapping/>
+  </p:clrMapOvr>
+</p:sld>
+</file>
+
+<file path=ppt/slides/slide9.xml><?xml version="1.0" encoding="utf-8"?>
+<p:sld xmlns:a="http://schemas.openxmlformats.org/drawingml/2006/main" xmlns:r="http://schemas.openxmlformats.org/officeDocument/2006/relationships" xmlns:p="http://schemas.openxmlformats.org/presentationml/2006/main">
+  <p:cSld>
+    <p:spTree>
+      <p:nvGrpSpPr>
+        <p:cNvPr id="1" name=""/>
+        <p:cNvGrpSpPr/>
+        <p:nvPr/>
+      </p:nvGrpSpPr>
+      <p:grpSpPr>
+        <a:xfrm>
+          <a:off x="0" y="0"/>
+          <a:ext cx="0" cy="0"/>
+          <a:chOff x="0" y="0"/>
+          <a:chExt cx="0" cy="0"/>
+        </a:xfrm>
+      </p:grpSpPr>
+      <p:sp>
+        <p:nvSpPr>
+          <p:cNvPr id="6" name="Rechteck 5">
+            <a:extLst>
+              <a:ext uri="{FF2B5EF4-FFF2-40B4-BE49-F238E27FC236}">
+                <a16:creationId xmlns:a16="http://schemas.microsoft.com/office/drawing/2014/main" id="{0DE504A7-6DD8-4D73-96D4-CFB09F9D6897}"/>
+              </a:ext>
+            </a:extLst>
+          </p:cNvPr>
+          <p:cNvSpPr/>
+          <p:nvPr/>
+        </p:nvSpPr>
+        <p:spPr>
+          <a:xfrm>
+            <a:off x="0" y="0"/>
+            <a:ext cx="9144000" cy="888521"/>
+          </a:xfrm>
+          <a:prstGeom prst="rect">
+            <a:avLst/>
+          </a:prstGeom>
+        </p:spPr>
+        <p:style>
+          <a:lnRef idx="2">
+            <a:schemeClr val="accent4">
+              <a:shade val="50000"/>
+            </a:schemeClr>
+          </a:lnRef>
+          <a:fillRef idx="1">
+            <a:schemeClr val="accent4"/>
+          </a:fillRef>
+          <a:effectRef idx="0">
+            <a:schemeClr val="accent4"/>
+          </a:effectRef>
+          <a:fontRef idx="minor">
+            <a:schemeClr val="lt1"/>
+          </a:fontRef>
+        </p:style>
+        <p:txBody>
+          <a:bodyPr rtlCol="0" anchor="ctr"/>
+          <a:lstStyle/>
+          <a:p>
+            <a:pPr algn="ctr"/>
+            <a:endParaRPr lang="de-AT" dirty="0"/>
+          </a:p>
+        </p:txBody>
+      </p:sp>
+      <p:sp>
+        <p:nvSpPr>
+          <p:cNvPr id="2" name="Titel 1">
+            <a:extLst>
+              <a:ext uri="{FF2B5EF4-FFF2-40B4-BE49-F238E27FC236}">
+                <a16:creationId xmlns:a16="http://schemas.microsoft.com/office/drawing/2014/main" id="{A98C967C-2AA5-4E8F-9FB4-A21960A1E60C}"/>
+              </a:ext>
+            </a:extLst>
+          </p:cNvPr>
+          <p:cNvSpPr>
+            <a:spLocks noGrp="1"/>
+          </p:cNvSpPr>
+          <p:nvPr>
+            <p:ph type="ctrTitle"/>
+          </p:nvPr>
+        </p:nvSpPr>
+        <p:spPr>
+          <a:xfrm>
+            <a:off x="486379" y="103914"/>
+            <a:ext cx="7599459" cy="685965"/>
+          </a:xfrm>
+        </p:spPr>
+        <p:txBody>
+          <a:bodyPr>
+            <a:normAutofit/>
+          </a:bodyPr>
+          <a:lstStyle/>
+          <a:p>
+            <a:r>
+              <a:rPr lang="de-DE" sz="4000" b="1" dirty="0" err="1">
+                <a:solidFill>
+                  <a:prstClr val="white"/>
+                </a:solidFill>
+                <a:effectLst>
+                  <a:outerShdw blurRad="38100" dist="38100" dir="2700000" algn="tl">
+                    <a:srgbClr val="000000">
+                      <a:alpha val="43137"/>
+                    </a:srgbClr>
+                  </a:outerShdw>
+                </a:effectLst>
+                <a:latin typeface="Arial" pitchFamily="34" charset="0"/>
+                <a:cs typeface="Arial" pitchFamily="34" charset="0"/>
+              </a:rPr>
+              <a:t>What</a:t>
+            </a:r>
+            <a:r>
+              <a:rPr lang="de-DE" sz="4000" b="1" dirty="0">
+                <a:solidFill>
+                  <a:prstClr val="white"/>
+                </a:solidFill>
+                <a:effectLst>
+                  <a:outerShdw blurRad="38100" dist="38100" dir="2700000" algn="tl">
+                    <a:srgbClr val="000000">
+                      <a:alpha val="43137"/>
+                    </a:srgbClr>
+                  </a:outerShdw>
+                </a:effectLst>
+                <a:latin typeface="Arial" pitchFamily="34" charset="0"/>
+                <a:cs typeface="Arial" pitchFamily="34" charset="0"/>
+              </a:rPr>
+              <a:t> </a:t>
+            </a:r>
+            <a:r>
+              <a:rPr lang="de-DE" sz="4000" b="1" dirty="0" err="1">
+                <a:solidFill>
+                  <a:prstClr val="white"/>
+                </a:solidFill>
+                <a:effectLst>
+                  <a:outerShdw blurRad="38100" dist="38100" dir="2700000" algn="tl">
+                    <a:srgbClr val="000000">
+                      <a:alpha val="43137"/>
+                    </a:srgbClr>
+                  </a:outerShdw>
+                </a:effectLst>
+                <a:latin typeface="Arial" pitchFamily="34" charset="0"/>
+                <a:cs typeface="Arial" pitchFamily="34" charset="0"/>
+              </a:rPr>
+              <a:t>are</a:t>
+            </a:r>
+            <a:r>
+              <a:rPr lang="de-DE" sz="4000" b="1" dirty="0">
+                <a:solidFill>
+                  <a:prstClr val="white"/>
+                </a:solidFill>
+                <a:effectLst>
+                  <a:outerShdw blurRad="38100" dist="38100" dir="2700000" algn="tl">
+                    <a:srgbClr val="000000">
+                      <a:alpha val="43137"/>
+                    </a:srgbClr>
+                  </a:outerShdw>
+                </a:effectLst>
+                <a:latin typeface="Arial" pitchFamily="34" charset="0"/>
+                <a:cs typeface="Arial" pitchFamily="34" charset="0"/>
+              </a:rPr>
+              <a:t> </a:t>
+            </a:r>
+            <a:r>
+              <a:rPr lang="de-DE" sz="4000" b="1" dirty="0" err="1">
+                <a:solidFill>
+                  <a:prstClr val="white"/>
+                </a:solidFill>
+                <a:effectLst>
+                  <a:outerShdw blurRad="38100" dist="38100" dir="2700000" algn="tl">
+                    <a:srgbClr val="000000">
+                      <a:alpha val="43137"/>
+                    </a:srgbClr>
+                  </a:outerShdw>
+                </a:effectLst>
+                <a:latin typeface="Arial" pitchFamily="34" charset="0"/>
+                <a:cs typeface="Arial" pitchFamily="34" charset="0"/>
+              </a:rPr>
+              <a:t>Linked</a:t>
+            </a:r>
+            <a:r>
+              <a:rPr lang="de-DE" sz="4000" b="1" dirty="0">
+                <a:solidFill>
+                  <a:prstClr val="white"/>
+                </a:solidFill>
+                <a:effectLst>
+                  <a:outerShdw blurRad="38100" dist="38100" dir="2700000" algn="tl">
+                    <a:srgbClr val="000000">
+                      <a:alpha val="43137"/>
+                    </a:srgbClr>
+                  </a:outerShdw>
+                </a:effectLst>
+                <a:latin typeface="Arial" pitchFamily="34" charset="0"/>
+                <a:cs typeface="Arial" pitchFamily="34" charset="0"/>
+              </a:rPr>
+              <a:t> List?</a:t>
+            </a:r>
+            <a:endParaRPr lang="de-AT" sz="4000" dirty="0"/>
+          </a:p>
+        </p:txBody>
+      </p:sp>
+      <p:sp>
+        <p:nvSpPr>
+          <p:cNvPr id="3" name="Untertitel 2">
+            <a:extLst>
+              <a:ext uri="{FF2B5EF4-FFF2-40B4-BE49-F238E27FC236}">
+                <a16:creationId xmlns:a16="http://schemas.microsoft.com/office/drawing/2014/main" id="{68C81C8E-B322-43F6-84A0-F611E923DEAA}"/>
+              </a:ext>
+            </a:extLst>
+          </p:cNvPr>
+          <p:cNvSpPr>
+            <a:spLocks noGrp="1"/>
+          </p:cNvSpPr>
+          <p:nvPr>
+            <p:ph type="subTitle" idx="1"/>
+          </p:nvPr>
+        </p:nvSpPr>
+        <p:spPr/>
+        <p:txBody>
+          <a:bodyPr/>
+          <a:lstStyle/>
+          <a:p>
+            <a:endParaRPr lang="de-AT"/>
+          </a:p>
+        </p:txBody>
+      </p:sp>
+      <p:sp>
+        <p:nvSpPr>
+          <p:cNvPr id="8" name="Rechteck 7">
+            <a:extLst>
+              <a:ext uri="{FF2B5EF4-FFF2-40B4-BE49-F238E27FC236}">
+                <a16:creationId xmlns:a16="http://schemas.microsoft.com/office/drawing/2014/main" id="{192452E4-F7BE-4F5C-BF08-ED9E5D6F57F1}"/>
+              </a:ext>
+            </a:extLst>
+          </p:cNvPr>
+          <p:cNvSpPr/>
+          <p:nvPr/>
+        </p:nvSpPr>
+        <p:spPr>
+          <a:xfrm>
+            <a:off x="0" y="888521"/>
+            <a:ext cx="9144000" cy="5969479"/>
+          </a:xfrm>
+          <a:prstGeom prst="rect">
+            <a:avLst/>
+          </a:prstGeom>
+        </p:spPr>
+        <p:style>
+          <a:lnRef idx="2">
+            <a:schemeClr val="accent6"/>
+          </a:lnRef>
+          <a:fillRef idx="1">
+            <a:schemeClr val="lt1"/>
+          </a:fillRef>
+          <a:effectRef idx="0">
+            <a:schemeClr val="accent6"/>
+          </a:effectRef>
+          <a:fontRef idx="minor">
+            <a:schemeClr val="dk1"/>
+          </a:fontRef>
+        </p:style>
+        <p:txBody>
+          <a:bodyPr rtlCol="0" anchor="ctr"/>
+          <a:lstStyle/>
+          <a:p>
+            <a:pPr algn="ctr"/>
+            <a:endParaRPr lang="de-AT" dirty="0"/>
+          </a:p>
+        </p:txBody>
+      </p:sp>
+      <p:cxnSp>
+        <p:nvCxnSpPr>
+          <p:cNvPr id="11" name="Gerader Verbinder 10">
+            <a:extLst>
+              <a:ext uri="{FF2B5EF4-FFF2-40B4-BE49-F238E27FC236}">
+                <a16:creationId xmlns:a16="http://schemas.microsoft.com/office/drawing/2014/main" id="{B0410906-36E3-4EAD-BF56-DBFBE70BB99D}"/>
+              </a:ext>
+            </a:extLst>
+          </p:cNvPr>
+          <p:cNvCxnSpPr>
+            <a:cxnSpLocks/>
+          </p:cNvCxnSpPr>
+          <p:nvPr/>
+        </p:nvCxnSpPr>
+        <p:spPr>
+          <a:xfrm>
+            <a:off x="1494526" y="2829719"/>
+            <a:ext cx="0" cy="0"/>
+          </a:xfrm>
+          <a:prstGeom prst="line">
+            <a:avLst/>
+          </a:prstGeom>
+        </p:spPr>
+        <p:style>
+          <a:lnRef idx="1">
+            <a:schemeClr val="accent1"/>
+          </a:lnRef>
+          <a:fillRef idx="0">
+            <a:schemeClr val="accent1"/>
+          </a:fillRef>
+          <a:effectRef idx="0">
+            <a:schemeClr val="accent1"/>
+          </a:effectRef>
+          <a:fontRef idx="minor">
+            <a:schemeClr val="tx1"/>
+          </a:fontRef>
+        </p:style>
+      </p:cxnSp>
+      <p:cxnSp>
+        <p:nvCxnSpPr>
+          <p:cNvPr id="14" name="Gerader Verbinder 13">
+            <a:extLst>
+              <a:ext uri="{FF2B5EF4-FFF2-40B4-BE49-F238E27FC236}">
+                <a16:creationId xmlns:a16="http://schemas.microsoft.com/office/drawing/2014/main" id="{D9626B63-CCBC-49E0-879B-35EC30327E0A}"/>
+              </a:ext>
+            </a:extLst>
+          </p:cNvPr>
+          <p:cNvCxnSpPr>
+            <a:cxnSpLocks/>
+          </p:cNvCxnSpPr>
+          <p:nvPr/>
+        </p:nvCxnSpPr>
+        <p:spPr>
+          <a:xfrm>
+            <a:off x="1365130" y="3751158"/>
+            <a:ext cx="0" cy="0"/>
+          </a:xfrm>
+          <a:prstGeom prst="line">
+            <a:avLst/>
+          </a:prstGeom>
+        </p:spPr>
+        <p:style>
+          <a:lnRef idx="1">
+            <a:schemeClr val="accent1"/>
+          </a:lnRef>
+          <a:fillRef idx="0">
+            <a:schemeClr val="accent1"/>
+          </a:fillRef>
+          <a:effectRef idx="0">
+            <a:schemeClr val="accent1"/>
+          </a:effectRef>
+          <a:fontRef idx="minor">
+            <a:schemeClr val="tx1"/>
+          </a:fontRef>
+        </p:style>
+      </p:cxnSp>
+      <p:pic>
+        <p:nvPicPr>
+          <p:cNvPr id="5" name="Grafik 4">
+            <a:extLst>
+              <a:ext uri="{FF2B5EF4-FFF2-40B4-BE49-F238E27FC236}">
+                <a16:creationId xmlns:a16="http://schemas.microsoft.com/office/drawing/2014/main" id="{05062953-CEC4-4FED-9CAF-5C73C88CE723}"/>
+              </a:ext>
+            </a:extLst>
+          </p:cNvPr>
+          <p:cNvPicPr>
+            <a:picLocks noChangeAspect="1"/>
+          </p:cNvPicPr>
+          <p:nvPr/>
+        </p:nvPicPr>
+        <p:blipFill>
+          <a:blip r:embed="rId2"/>
+          <a:stretch>
+            <a:fillRect/>
+          </a:stretch>
+        </p:blipFill>
+        <p:spPr>
+          <a:xfrm>
+            <a:off x="590264" y="2529840"/>
+            <a:ext cx="7963472" cy="2102678"/>
+          </a:xfrm>
+          <a:prstGeom prst="rect">
+            <a:avLst/>
+          </a:prstGeom>
+        </p:spPr>
+      </p:pic>
+    </p:spTree>
+    <p:extLst>
+      <p:ext uri="{BB962C8B-B14F-4D97-AF65-F5344CB8AC3E}">
+        <p14:creationId xmlns:p14="http://schemas.microsoft.com/office/powerpoint/2010/main" val="689357609"/>
       </p:ext>
     </p:extLst>
   </p:cSld>

--- a/LinkedList.pptx
+++ b/LinkedList.pptx
@@ -5,10 +5,10 @@
     <p:sldMasterId id="2147483660" r:id="rId1"/>
   </p:sldMasterIdLst>
   <p:notesMasterIdLst>
-    <p:notesMasterId r:id="rId15"/>
+    <p:notesMasterId r:id="rId18"/>
   </p:notesMasterIdLst>
   <p:handoutMasterIdLst>
-    <p:handoutMasterId r:id="rId16"/>
+    <p:handoutMasterId r:id="rId19"/>
   </p:handoutMasterIdLst>
   <p:sldIdLst>
     <p:sldId id="278" r:id="rId2"/>
@@ -24,6 +24,9 @@
     <p:sldId id="276" r:id="rId12"/>
     <p:sldId id="273" r:id="rId13"/>
     <p:sldId id="275" r:id="rId14"/>
+    <p:sldId id="289" r:id="rId15"/>
+    <p:sldId id="290" r:id="rId16"/>
+    <p:sldId id="291" r:id="rId17"/>
   </p:sldIdLst>
   <p:sldSz cx="9144000" cy="6858000" type="screen4x3"/>
   <p:notesSz cx="6858000" cy="9144000"/>
@@ -227,7 +230,7 @@
           <a:p>
             <a:fld id="{FFBE7221-0E68-481E-857A-B1B3793C439A}" type="datetimeFigureOut">
               <a:rPr lang="de-AT" smtClean="0"/>
-              <a:t>26.04.2022</a:t>
+              <a:t>13.06.2022</a:t>
             </a:fld>
             <a:endParaRPr lang="de-AT"/>
           </a:p>
@@ -404,7 +407,7 @@
           <a:p>
             <a:fld id="{CA62AAC1-960D-4A2E-8E1A-5D12D9CE9C06}" type="datetimeFigureOut">
               <a:rPr lang="de-AT" smtClean="0"/>
-              <a:t>26.04.2022</a:t>
+              <a:t>13.06.2022</a:t>
             </a:fld>
             <a:endParaRPr lang="de-AT"/>
           </a:p>
@@ -824,7 +827,7 @@
           <a:p>
             <a:fld id="{9C4D52AD-1E0D-4F0F-A70A-DBB679FC2220}" type="datetimeFigureOut">
               <a:rPr lang="de-AT" smtClean="0"/>
-              <a:t>26.04.2022</a:t>
+              <a:t>13.06.2022</a:t>
             </a:fld>
             <a:endParaRPr lang="de-AT"/>
           </a:p>
@@ -994,7 +997,7 @@
           <a:p>
             <a:fld id="{9C4D52AD-1E0D-4F0F-A70A-DBB679FC2220}" type="datetimeFigureOut">
               <a:rPr lang="de-AT" smtClean="0"/>
-              <a:t>26.04.2022</a:t>
+              <a:t>13.06.2022</a:t>
             </a:fld>
             <a:endParaRPr lang="de-AT"/>
           </a:p>
@@ -1174,7 +1177,7 @@
           <a:p>
             <a:fld id="{9C4D52AD-1E0D-4F0F-A70A-DBB679FC2220}" type="datetimeFigureOut">
               <a:rPr lang="de-AT" smtClean="0"/>
-              <a:t>26.04.2022</a:t>
+              <a:t>13.06.2022</a:t>
             </a:fld>
             <a:endParaRPr lang="de-AT"/>
           </a:p>
@@ -1297,7 +1300,7 @@
           <a:p>
             <a:fld id="{9C4D52AD-1E0D-4F0F-A70A-DBB679FC2220}" type="datetimeFigureOut">
               <a:rPr lang="de-AT" smtClean="0"/>
-              <a:t>26.04.2022</a:t>
+              <a:t>13.06.2022</a:t>
             </a:fld>
             <a:endParaRPr lang="de-AT"/>
           </a:p>
@@ -1541,7 +1544,7 @@
           <a:p>
             <a:fld id="{9C4D52AD-1E0D-4F0F-A70A-DBB679FC2220}" type="datetimeFigureOut">
               <a:rPr lang="de-AT" smtClean="0"/>
-              <a:t>26.04.2022</a:t>
+              <a:t>13.06.2022</a:t>
             </a:fld>
             <a:endParaRPr lang="de-AT"/>
           </a:p>
@@ -1773,7 +1776,7 @@
           <a:p>
             <a:fld id="{9C4D52AD-1E0D-4F0F-A70A-DBB679FC2220}" type="datetimeFigureOut">
               <a:rPr lang="de-AT" smtClean="0"/>
-              <a:t>26.04.2022</a:t>
+              <a:t>13.06.2022</a:t>
             </a:fld>
             <a:endParaRPr lang="de-AT"/>
           </a:p>
@@ -2140,7 +2143,7 @@
           <a:p>
             <a:fld id="{9C4D52AD-1E0D-4F0F-A70A-DBB679FC2220}" type="datetimeFigureOut">
               <a:rPr lang="de-AT" smtClean="0"/>
-              <a:t>26.04.2022</a:t>
+              <a:t>13.06.2022</a:t>
             </a:fld>
             <a:endParaRPr lang="de-AT"/>
           </a:p>
@@ -2258,7 +2261,7 @@
           <a:p>
             <a:fld id="{9C4D52AD-1E0D-4F0F-A70A-DBB679FC2220}" type="datetimeFigureOut">
               <a:rPr lang="de-AT" smtClean="0"/>
-              <a:t>26.04.2022</a:t>
+              <a:t>13.06.2022</a:t>
             </a:fld>
             <a:endParaRPr lang="de-AT"/>
           </a:p>
@@ -2353,7 +2356,7 @@
           <a:p>
             <a:fld id="{9C4D52AD-1E0D-4F0F-A70A-DBB679FC2220}" type="datetimeFigureOut">
               <a:rPr lang="de-AT" smtClean="0"/>
-              <a:t>26.04.2022</a:t>
+              <a:t>13.06.2022</a:t>
             </a:fld>
             <a:endParaRPr lang="de-AT"/>
           </a:p>
@@ -2630,7 +2633,7 @@
           <a:p>
             <a:fld id="{9C4D52AD-1E0D-4F0F-A70A-DBB679FC2220}" type="datetimeFigureOut">
               <a:rPr lang="de-AT" smtClean="0"/>
-              <a:t>26.04.2022</a:t>
+              <a:t>13.06.2022</a:t>
             </a:fld>
             <a:endParaRPr lang="de-AT"/>
           </a:p>
@@ -2887,7 +2890,7 @@
           <a:p>
             <a:fld id="{9C4D52AD-1E0D-4F0F-A70A-DBB679FC2220}" type="datetimeFigureOut">
               <a:rPr lang="de-AT" smtClean="0"/>
-              <a:t>26.04.2022</a:t>
+              <a:t>13.06.2022</a:t>
             </a:fld>
             <a:endParaRPr lang="de-AT"/>
           </a:p>
@@ -3100,7 +3103,7 @@
           <a:p>
             <a:fld id="{9C4D52AD-1E0D-4F0F-A70A-DBB679FC2220}" type="datetimeFigureOut">
               <a:rPr lang="de-AT" smtClean="0"/>
-              <a:t>26.04.2022</a:t>
+              <a:t>13.06.2022</a:t>
             </a:fld>
             <a:endParaRPr lang="de-AT"/>
           </a:p>
@@ -5749,7 +5752,7 @@
         </p:nvSpPr>
         <p:spPr>
           <a:xfrm>
-            <a:off x="0" y="888521"/>
+            <a:off x="0" y="916513"/>
             <a:ext cx="9144000" cy="5969479"/>
           </a:xfrm>
           <a:prstGeom prst="rect">
@@ -5900,6 +5903,1315 @@
     <p:extLst>
       <p:ext uri="{BB962C8B-B14F-4D97-AF65-F5344CB8AC3E}">
         <p14:creationId xmlns:p14="http://schemas.microsoft.com/office/powerpoint/2010/main" val="2442258274"/>
+      </p:ext>
+    </p:extLst>
+  </p:cSld>
+  <p:clrMapOvr>
+    <a:masterClrMapping/>
+  </p:clrMapOvr>
+</p:sld>
+</file>
+
+<file path=ppt/slides/slide14.xml><?xml version="1.0" encoding="utf-8"?>
+<p:sld xmlns:a="http://schemas.openxmlformats.org/drawingml/2006/main" xmlns:r="http://schemas.openxmlformats.org/officeDocument/2006/relationships" xmlns:p="http://schemas.openxmlformats.org/presentationml/2006/main">
+  <p:cSld>
+    <p:spTree>
+      <p:nvGrpSpPr>
+        <p:cNvPr id="1" name=""/>
+        <p:cNvGrpSpPr/>
+        <p:nvPr/>
+      </p:nvGrpSpPr>
+      <p:grpSpPr>
+        <a:xfrm>
+          <a:off x="0" y="0"/>
+          <a:ext cx="0" cy="0"/>
+          <a:chOff x="0" y="0"/>
+          <a:chExt cx="0" cy="0"/>
+        </a:xfrm>
+      </p:grpSpPr>
+      <p:sp>
+        <p:nvSpPr>
+          <p:cNvPr id="6" name="Rechteck 5">
+            <a:extLst>
+              <a:ext uri="{FF2B5EF4-FFF2-40B4-BE49-F238E27FC236}">
+                <a16:creationId xmlns:a16="http://schemas.microsoft.com/office/drawing/2014/main" id="{0DE504A7-6DD8-4D73-96D4-CFB09F9D6897}"/>
+              </a:ext>
+            </a:extLst>
+          </p:cNvPr>
+          <p:cNvSpPr/>
+          <p:nvPr/>
+        </p:nvSpPr>
+        <p:spPr>
+          <a:xfrm>
+            <a:off x="0" y="0"/>
+            <a:ext cx="9144000" cy="888521"/>
+          </a:xfrm>
+          <a:prstGeom prst="rect">
+            <a:avLst/>
+          </a:prstGeom>
+        </p:spPr>
+        <p:style>
+          <a:lnRef idx="2">
+            <a:schemeClr val="accent4">
+              <a:shade val="50000"/>
+            </a:schemeClr>
+          </a:lnRef>
+          <a:fillRef idx="1">
+            <a:schemeClr val="accent4"/>
+          </a:fillRef>
+          <a:effectRef idx="0">
+            <a:schemeClr val="accent4"/>
+          </a:effectRef>
+          <a:fontRef idx="minor">
+            <a:schemeClr val="lt1"/>
+          </a:fontRef>
+        </p:style>
+        <p:txBody>
+          <a:bodyPr rtlCol="0" anchor="ctr"/>
+          <a:lstStyle/>
+          <a:p>
+            <a:pPr algn="ctr"/>
+            <a:endParaRPr lang="de-AT"/>
+          </a:p>
+        </p:txBody>
+      </p:sp>
+      <p:sp>
+        <p:nvSpPr>
+          <p:cNvPr id="2" name="Titel 1">
+            <a:extLst>
+              <a:ext uri="{FF2B5EF4-FFF2-40B4-BE49-F238E27FC236}">
+                <a16:creationId xmlns:a16="http://schemas.microsoft.com/office/drawing/2014/main" id="{A98C967C-2AA5-4E8F-9FB4-A21960A1E60C}"/>
+              </a:ext>
+            </a:extLst>
+          </p:cNvPr>
+          <p:cNvSpPr>
+            <a:spLocks noGrp="1"/>
+          </p:cNvSpPr>
+          <p:nvPr>
+            <p:ph type="ctrTitle"/>
+          </p:nvPr>
+        </p:nvSpPr>
+        <p:spPr>
+          <a:xfrm>
+            <a:off x="486379" y="103914"/>
+            <a:ext cx="8364323" cy="685965"/>
+          </a:xfrm>
+        </p:spPr>
+        <p:txBody>
+          <a:bodyPr>
+            <a:normAutofit/>
+          </a:bodyPr>
+          <a:lstStyle/>
+          <a:p>
+            <a:r>
+              <a:rPr kumimoji="0" lang="de-DE" sz="4000" b="1" i="0" u="none" strike="noStrike" kern="1200" cap="none" spc="0" normalizeH="0" baseline="0" noProof="0" dirty="0" err="1">
+                <a:ln>
+                  <a:noFill/>
+                </a:ln>
+                <a:solidFill>
+                  <a:prstClr val="white"/>
+                </a:solidFill>
+                <a:effectLst>
+                  <a:outerShdw blurRad="38100" dist="38100" dir="2700000" algn="tl">
+                    <a:srgbClr val="000000">
+                      <a:alpha val="43137"/>
+                    </a:srgbClr>
+                  </a:outerShdw>
+                </a:effectLst>
+                <a:uLnTx/>
+                <a:uFillTx/>
+                <a:latin typeface="Arial" pitchFamily="34" charset="0"/>
+                <a:ea typeface="+mj-ea"/>
+                <a:cs typeface="Arial" pitchFamily="34" charset="0"/>
+              </a:rPr>
+              <a:t>Node</a:t>
+            </a:r>
+            <a:r>
+              <a:rPr kumimoji="0" lang="de-DE" sz="4000" b="1" i="0" u="none" strike="noStrike" kern="1200" cap="none" spc="0" normalizeH="0" baseline="0" noProof="0" dirty="0">
+                <a:ln>
+                  <a:noFill/>
+                </a:ln>
+                <a:solidFill>
+                  <a:prstClr val="white"/>
+                </a:solidFill>
+                <a:effectLst>
+                  <a:outerShdw blurRad="38100" dist="38100" dir="2700000" algn="tl">
+                    <a:srgbClr val="000000">
+                      <a:alpha val="43137"/>
+                    </a:srgbClr>
+                  </a:outerShdw>
+                </a:effectLst>
+                <a:uLnTx/>
+                <a:uFillTx/>
+                <a:latin typeface="Arial" pitchFamily="34" charset="0"/>
+                <a:ea typeface="+mj-ea"/>
+                <a:cs typeface="Arial" pitchFamily="34" charset="0"/>
+              </a:rPr>
+              <a:t> </a:t>
+            </a:r>
+            <a:r>
+              <a:rPr kumimoji="0" lang="de-DE" sz="4000" b="1" i="0" u="none" strike="noStrike" kern="1200" cap="none" spc="0" normalizeH="0" baseline="0" noProof="0" dirty="0" err="1">
+                <a:ln>
+                  <a:noFill/>
+                </a:ln>
+                <a:solidFill>
+                  <a:prstClr val="white"/>
+                </a:solidFill>
+                <a:effectLst>
+                  <a:outerShdw blurRad="38100" dist="38100" dir="2700000" algn="tl">
+                    <a:srgbClr val="000000">
+                      <a:alpha val="43137"/>
+                    </a:srgbClr>
+                  </a:outerShdw>
+                </a:effectLst>
+                <a:uLnTx/>
+                <a:uFillTx/>
+                <a:latin typeface="Arial" pitchFamily="34" charset="0"/>
+                <a:ea typeface="+mj-ea"/>
+                <a:cs typeface="Arial" pitchFamily="34" charset="0"/>
+              </a:rPr>
+              <a:t>Creation</a:t>
+            </a:r>
+            <a:endParaRPr lang="de-AT" sz="4000" dirty="0"/>
+          </a:p>
+        </p:txBody>
+      </p:sp>
+      <p:sp>
+        <p:nvSpPr>
+          <p:cNvPr id="3" name="Untertitel 2">
+            <a:extLst>
+              <a:ext uri="{FF2B5EF4-FFF2-40B4-BE49-F238E27FC236}">
+                <a16:creationId xmlns:a16="http://schemas.microsoft.com/office/drawing/2014/main" id="{68C81C8E-B322-43F6-84A0-F611E923DEAA}"/>
+              </a:ext>
+            </a:extLst>
+          </p:cNvPr>
+          <p:cNvSpPr>
+            <a:spLocks noGrp="1"/>
+          </p:cNvSpPr>
+          <p:nvPr>
+            <p:ph type="subTitle" idx="1"/>
+          </p:nvPr>
+        </p:nvSpPr>
+        <p:spPr/>
+        <p:txBody>
+          <a:bodyPr/>
+          <a:lstStyle/>
+          <a:p>
+            <a:endParaRPr lang="de-AT"/>
+          </a:p>
+        </p:txBody>
+      </p:sp>
+      <p:sp>
+        <p:nvSpPr>
+          <p:cNvPr id="8" name="Rechteck 7">
+            <a:extLst>
+              <a:ext uri="{FF2B5EF4-FFF2-40B4-BE49-F238E27FC236}">
+                <a16:creationId xmlns:a16="http://schemas.microsoft.com/office/drawing/2014/main" id="{192452E4-F7BE-4F5C-BF08-ED9E5D6F57F1}"/>
+              </a:ext>
+            </a:extLst>
+          </p:cNvPr>
+          <p:cNvSpPr/>
+          <p:nvPr/>
+        </p:nvSpPr>
+        <p:spPr>
+          <a:xfrm>
+            <a:off x="0" y="916513"/>
+            <a:ext cx="9144000" cy="5969479"/>
+          </a:xfrm>
+          <a:prstGeom prst="rect">
+            <a:avLst/>
+          </a:prstGeom>
+        </p:spPr>
+        <p:style>
+          <a:lnRef idx="2">
+            <a:schemeClr val="accent6"/>
+          </a:lnRef>
+          <a:fillRef idx="1">
+            <a:schemeClr val="lt1"/>
+          </a:fillRef>
+          <a:effectRef idx="0">
+            <a:schemeClr val="accent6"/>
+          </a:effectRef>
+          <a:fontRef idx="minor">
+            <a:schemeClr val="dk1"/>
+          </a:fontRef>
+        </p:style>
+        <p:txBody>
+          <a:bodyPr rtlCol="0" anchor="ctr"/>
+          <a:lstStyle/>
+          <a:p>
+            <a:pPr algn="ctr"/>
+            <a:endParaRPr lang="de-AT" dirty="0"/>
+          </a:p>
+        </p:txBody>
+      </p:sp>
+      <p:cxnSp>
+        <p:nvCxnSpPr>
+          <p:cNvPr id="11" name="Gerader Verbinder 10">
+            <a:extLst>
+              <a:ext uri="{FF2B5EF4-FFF2-40B4-BE49-F238E27FC236}">
+                <a16:creationId xmlns:a16="http://schemas.microsoft.com/office/drawing/2014/main" id="{B0410906-36E3-4EAD-BF56-DBFBE70BB99D}"/>
+              </a:ext>
+            </a:extLst>
+          </p:cNvPr>
+          <p:cNvCxnSpPr>
+            <a:cxnSpLocks/>
+          </p:cNvCxnSpPr>
+          <p:nvPr/>
+        </p:nvCxnSpPr>
+        <p:spPr>
+          <a:xfrm>
+            <a:off x="1494526" y="2829719"/>
+            <a:ext cx="0" cy="0"/>
+          </a:xfrm>
+          <a:prstGeom prst="line">
+            <a:avLst/>
+          </a:prstGeom>
+        </p:spPr>
+        <p:style>
+          <a:lnRef idx="1">
+            <a:schemeClr val="accent1"/>
+          </a:lnRef>
+          <a:fillRef idx="0">
+            <a:schemeClr val="accent1"/>
+          </a:fillRef>
+          <a:effectRef idx="0">
+            <a:schemeClr val="accent1"/>
+          </a:effectRef>
+          <a:fontRef idx="minor">
+            <a:schemeClr val="tx1"/>
+          </a:fontRef>
+        </p:style>
+      </p:cxnSp>
+      <p:cxnSp>
+        <p:nvCxnSpPr>
+          <p:cNvPr id="14" name="Gerader Verbinder 13">
+            <a:extLst>
+              <a:ext uri="{FF2B5EF4-FFF2-40B4-BE49-F238E27FC236}">
+                <a16:creationId xmlns:a16="http://schemas.microsoft.com/office/drawing/2014/main" id="{D9626B63-CCBC-49E0-879B-35EC30327E0A}"/>
+              </a:ext>
+            </a:extLst>
+          </p:cNvPr>
+          <p:cNvCxnSpPr>
+            <a:cxnSpLocks/>
+          </p:cNvCxnSpPr>
+          <p:nvPr/>
+        </p:nvCxnSpPr>
+        <p:spPr>
+          <a:xfrm>
+            <a:off x="1365130" y="3751158"/>
+            <a:ext cx="0" cy="0"/>
+          </a:xfrm>
+          <a:prstGeom prst="line">
+            <a:avLst/>
+          </a:prstGeom>
+        </p:spPr>
+        <p:style>
+          <a:lnRef idx="1">
+            <a:schemeClr val="accent1"/>
+          </a:lnRef>
+          <a:fillRef idx="0">
+            <a:schemeClr val="accent1"/>
+          </a:fillRef>
+          <a:effectRef idx="0">
+            <a:schemeClr val="accent1"/>
+          </a:effectRef>
+          <a:fontRef idx="minor">
+            <a:schemeClr val="tx1"/>
+          </a:fontRef>
+        </p:style>
+      </p:cxnSp>
+      <p:sp>
+        <p:nvSpPr>
+          <p:cNvPr id="4" name="Textfeld 3">
+            <a:extLst>
+              <a:ext uri="{FF2B5EF4-FFF2-40B4-BE49-F238E27FC236}">
+                <a16:creationId xmlns:a16="http://schemas.microsoft.com/office/drawing/2014/main" id="{8FDBAD98-678F-4314-BCFC-5C9E7AAF69BD}"/>
+              </a:ext>
+            </a:extLst>
+          </p:cNvPr>
+          <p:cNvSpPr txBox="1"/>
+          <p:nvPr/>
+        </p:nvSpPr>
+        <p:spPr>
+          <a:xfrm>
+            <a:off x="747834" y="2424397"/>
+            <a:ext cx="7841411" cy="584775"/>
+          </a:xfrm>
+          <a:prstGeom prst="rect">
+            <a:avLst/>
+          </a:prstGeom>
+          <a:noFill/>
+        </p:spPr>
+        <p:txBody>
+          <a:bodyPr wrap="square" rtlCol="0">
+            <a:spAutoFit/>
+          </a:bodyPr>
+          <a:lstStyle/>
+          <a:p>
+            <a:endParaRPr lang="de-AT" sz="3200" dirty="0">
+              <a:latin typeface="Franklin Gothic Book" panose="020B0503020102020204" pitchFamily="34" charset="0"/>
+            </a:endParaRPr>
+          </a:p>
+        </p:txBody>
+      </p:sp>
+      <p:pic>
+        <p:nvPicPr>
+          <p:cNvPr id="7" name="Grafik 6">
+            <a:extLst>
+              <a:ext uri="{FF2B5EF4-FFF2-40B4-BE49-F238E27FC236}">
+                <a16:creationId xmlns:a16="http://schemas.microsoft.com/office/drawing/2014/main" id="{CB083E69-C66B-1227-822C-E6882AF9F0AC}"/>
+              </a:ext>
+            </a:extLst>
+          </p:cNvPr>
+          <p:cNvPicPr>
+            <a:picLocks noChangeAspect="1"/>
+          </p:cNvPicPr>
+          <p:nvPr/>
+        </p:nvPicPr>
+        <p:blipFill>
+          <a:blip r:embed="rId2"/>
+          <a:stretch>
+            <a:fillRect/>
+          </a:stretch>
+        </p:blipFill>
+        <p:spPr>
+          <a:xfrm>
+            <a:off x="822479" y="1600200"/>
+            <a:ext cx="7253166" cy="4299319"/>
+          </a:xfrm>
+          <a:prstGeom prst="rect">
+            <a:avLst/>
+          </a:prstGeom>
+          <a:solidFill>
+            <a:schemeClr val="accent4">
+              <a:lumMod val="75000"/>
+            </a:schemeClr>
+          </a:solidFill>
+          <a:ln w="38100">
+            <a:solidFill>
+              <a:schemeClr val="accent4">
+                <a:lumMod val="60000"/>
+                <a:lumOff val="40000"/>
+              </a:schemeClr>
+            </a:solidFill>
+          </a:ln>
+        </p:spPr>
+      </p:pic>
+    </p:spTree>
+    <p:extLst>
+      <p:ext uri="{BB962C8B-B14F-4D97-AF65-F5344CB8AC3E}">
+        <p14:creationId xmlns:p14="http://schemas.microsoft.com/office/powerpoint/2010/main" val="1153667199"/>
+      </p:ext>
+    </p:extLst>
+  </p:cSld>
+  <p:clrMapOvr>
+    <a:masterClrMapping/>
+  </p:clrMapOvr>
+</p:sld>
+</file>
+
+<file path=ppt/slides/slide15.xml><?xml version="1.0" encoding="utf-8"?>
+<p:sld xmlns:a="http://schemas.openxmlformats.org/drawingml/2006/main" xmlns:r="http://schemas.openxmlformats.org/officeDocument/2006/relationships" xmlns:p="http://schemas.openxmlformats.org/presentationml/2006/main">
+  <p:cSld>
+    <p:spTree>
+      <p:nvGrpSpPr>
+        <p:cNvPr id="1" name=""/>
+        <p:cNvGrpSpPr/>
+        <p:nvPr/>
+      </p:nvGrpSpPr>
+      <p:grpSpPr>
+        <a:xfrm>
+          <a:off x="0" y="0"/>
+          <a:ext cx="0" cy="0"/>
+          <a:chOff x="0" y="0"/>
+          <a:chExt cx="0" cy="0"/>
+        </a:xfrm>
+      </p:grpSpPr>
+      <p:sp>
+        <p:nvSpPr>
+          <p:cNvPr id="6" name="Rechteck 5">
+            <a:extLst>
+              <a:ext uri="{FF2B5EF4-FFF2-40B4-BE49-F238E27FC236}">
+                <a16:creationId xmlns:a16="http://schemas.microsoft.com/office/drawing/2014/main" id="{0DE504A7-6DD8-4D73-96D4-CFB09F9D6897}"/>
+              </a:ext>
+            </a:extLst>
+          </p:cNvPr>
+          <p:cNvSpPr/>
+          <p:nvPr/>
+        </p:nvSpPr>
+        <p:spPr>
+          <a:xfrm>
+            <a:off x="0" y="0"/>
+            <a:ext cx="9144000" cy="888521"/>
+          </a:xfrm>
+          <a:prstGeom prst="rect">
+            <a:avLst/>
+          </a:prstGeom>
+        </p:spPr>
+        <p:style>
+          <a:lnRef idx="2">
+            <a:schemeClr val="accent4">
+              <a:shade val="50000"/>
+            </a:schemeClr>
+          </a:lnRef>
+          <a:fillRef idx="1">
+            <a:schemeClr val="accent4"/>
+          </a:fillRef>
+          <a:effectRef idx="0">
+            <a:schemeClr val="accent4"/>
+          </a:effectRef>
+          <a:fontRef idx="minor">
+            <a:schemeClr val="lt1"/>
+          </a:fontRef>
+        </p:style>
+        <p:txBody>
+          <a:bodyPr rtlCol="0" anchor="ctr"/>
+          <a:lstStyle/>
+          <a:p>
+            <a:pPr algn="ctr"/>
+            <a:endParaRPr lang="de-AT"/>
+          </a:p>
+        </p:txBody>
+      </p:sp>
+      <p:sp>
+        <p:nvSpPr>
+          <p:cNvPr id="2" name="Titel 1">
+            <a:extLst>
+              <a:ext uri="{FF2B5EF4-FFF2-40B4-BE49-F238E27FC236}">
+                <a16:creationId xmlns:a16="http://schemas.microsoft.com/office/drawing/2014/main" id="{A98C967C-2AA5-4E8F-9FB4-A21960A1E60C}"/>
+              </a:ext>
+            </a:extLst>
+          </p:cNvPr>
+          <p:cNvSpPr>
+            <a:spLocks noGrp="1"/>
+          </p:cNvSpPr>
+          <p:nvPr>
+            <p:ph type="ctrTitle"/>
+          </p:nvPr>
+        </p:nvSpPr>
+        <p:spPr>
+          <a:xfrm>
+            <a:off x="486379" y="103914"/>
+            <a:ext cx="8364323" cy="685965"/>
+          </a:xfrm>
+        </p:spPr>
+        <p:txBody>
+          <a:bodyPr>
+            <a:normAutofit/>
+          </a:bodyPr>
+          <a:lstStyle/>
+          <a:p>
+            <a:r>
+              <a:rPr kumimoji="0" lang="de-DE" sz="4000" b="1" i="0" u="none" strike="noStrike" kern="1200" cap="none" spc="0" normalizeH="0" baseline="0" noProof="0" dirty="0" err="1">
+                <a:ln>
+                  <a:noFill/>
+                </a:ln>
+                <a:solidFill>
+                  <a:prstClr val="white"/>
+                </a:solidFill>
+                <a:effectLst>
+                  <a:outerShdw blurRad="38100" dist="38100" dir="2700000" algn="tl">
+                    <a:srgbClr val="000000">
+                      <a:alpha val="43137"/>
+                    </a:srgbClr>
+                  </a:outerShdw>
+                </a:effectLst>
+                <a:uLnTx/>
+                <a:uFillTx/>
+                <a:latin typeface="Arial" pitchFamily="34" charset="0"/>
+                <a:ea typeface="+mj-ea"/>
+                <a:cs typeface="Arial" pitchFamily="34" charset="0"/>
+              </a:rPr>
+              <a:t>Linked</a:t>
+            </a:r>
+            <a:r>
+              <a:rPr kumimoji="0" lang="de-DE" sz="4000" b="1" i="0" u="none" strike="noStrike" kern="1200" cap="none" spc="0" normalizeH="0" baseline="0" noProof="0" dirty="0">
+                <a:ln>
+                  <a:noFill/>
+                </a:ln>
+                <a:solidFill>
+                  <a:prstClr val="white"/>
+                </a:solidFill>
+                <a:effectLst>
+                  <a:outerShdw blurRad="38100" dist="38100" dir="2700000" algn="tl">
+                    <a:srgbClr val="000000">
+                      <a:alpha val="43137"/>
+                    </a:srgbClr>
+                  </a:outerShdw>
+                </a:effectLst>
+                <a:uLnTx/>
+                <a:uFillTx/>
+                <a:latin typeface="Arial" pitchFamily="34" charset="0"/>
+                <a:ea typeface="+mj-ea"/>
+                <a:cs typeface="Arial" pitchFamily="34" charset="0"/>
+              </a:rPr>
+              <a:t> List in C: </a:t>
+            </a:r>
+            <a:r>
+              <a:rPr kumimoji="0" lang="de-DE" sz="4000" b="1" i="0" u="none" strike="noStrike" kern="1200" cap="none" spc="0" normalizeH="0" baseline="0" noProof="0" dirty="0" err="1">
+                <a:ln>
+                  <a:noFill/>
+                </a:ln>
+                <a:solidFill>
+                  <a:prstClr val="white"/>
+                </a:solidFill>
+                <a:effectLst>
+                  <a:outerShdw blurRad="38100" dist="38100" dir="2700000" algn="tl">
+                    <a:srgbClr val="000000">
+                      <a:alpha val="43137"/>
+                    </a:srgbClr>
+                  </a:outerShdw>
+                </a:effectLst>
+                <a:uLnTx/>
+                <a:uFillTx/>
+                <a:latin typeface="Arial" pitchFamily="34" charset="0"/>
+                <a:ea typeface="+mj-ea"/>
+                <a:cs typeface="Arial" pitchFamily="34" charset="0"/>
+              </a:rPr>
+              <a:t>Important</a:t>
+            </a:r>
+            <a:r>
+              <a:rPr kumimoji="0" lang="de-DE" sz="4000" b="1" i="0" u="none" strike="noStrike" kern="1200" cap="none" spc="0" normalizeH="0" baseline="0" noProof="0" dirty="0">
+                <a:ln>
+                  <a:noFill/>
+                </a:ln>
+                <a:solidFill>
+                  <a:prstClr val="white"/>
+                </a:solidFill>
+                <a:effectLst>
+                  <a:outerShdw blurRad="38100" dist="38100" dir="2700000" algn="tl">
+                    <a:srgbClr val="000000">
+                      <a:alpha val="43137"/>
+                    </a:srgbClr>
+                  </a:outerShdw>
+                </a:effectLst>
+                <a:uLnTx/>
+                <a:uFillTx/>
+                <a:latin typeface="Arial" pitchFamily="34" charset="0"/>
+                <a:ea typeface="+mj-ea"/>
+                <a:cs typeface="Arial" pitchFamily="34" charset="0"/>
+              </a:rPr>
+              <a:t> </a:t>
+            </a:r>
+            <a:endParaRPr lang="de-AT" sz="4000" dirty="0"/>
+          </a:p>
+        </p:txBody>
+      </p:sp>
+      <p:sp>
+        <p:nvSpPr>
+          <p:cNvPr id="3" name="Untertitel 2">
+            <a:extLst>
+              <a:ext uri="{FF2B5EF4-FFF2-40B4-BE49-F238E27FC236}">
+                <a16:creationId xmlns:a16="http://schemas.microsoft.com/office/drawing/2014/main" id="{68C81C8E-B322-43F6-84A0-F611E923DEAA}"/>
+              </a:ext>
+            </a:extLst>
+          </p:cNvPr>
+          <p:cNvSpPr>
+            <a:spLocks noGrp="1"/>
+          </p:cNvSpPr>
+          <p:nvPr>
+            <p:ph type="subTitle" idx="1"/>
+          </p:nvPr>
+        </p:nvSpPr>
+        <p:spPr/>
+        <p:txBody>
+          <a:bodyPr/>
+          <a:lstStyle/>
+          <a:p>
+            <a:endParaRPr lang="de-AT"/>
+          </a:p>
+        </p:txBody>
+      </p:sp>
+      <p:sp>
+        <p:nvSpPr>
+          <p:cNvPr id="8" name="Rechteck 7">
+            <a:extLst>
+              <a:ext uri="{FF2B5EF4-FFF2-40B4-BE49-F238E27FC236}">
+                <a16:creationId xmlns:a16="http://schemas.microsoft.com/office/drawing/2014/main" id="{192452E4-F7BE-4F5C-BF08-ED9E5D6F57F1}"/>
+              </a:ext>
+            </a:extLst>
+          </p:cNvPr>
+          <p:cNvSpPr/>
+          <p:nvPr/>
+        </p:nvSpPr>
+        <p:spPr>
+          <a:xfrm>
+            <a:off x="0" y="916513"/>
+            <a:ext cx="9144000" cy="5969479"/>
+          </a:xfrm>
+          <a:prstGeom prst="rect">
+            <a:avLst/>
+          </a:prstGeom>
+        </p:spPr>
+        <p:style>
+          <a:lnRef idx="2">
+            <a:schemeClr val="accent6"/>
+          </a:lnRef>
+          <a:fillRef idx="1">
+            <a:schemeClr val="lt1"/>
+          </a:fillRef>
+          <a:effectRef idx="0">
+            <a:schemeClr val="accent6"/>
+          </a:effectRef>
+          <a:fontRef idx="minor">
+            <a:schemeClr val="dk1"/>
+          </a:fontRef>
+        </p:style>
+        <p:txBody>
+          <a:bodyPr rtlCol="0" anchor="ctr"/>
+          <a:lstStyle/>
+          <a:p>
+            <a:pPr algn="ctr"/>
+            <a:endParaRPr lang="de-AT" dirty="0"/>
+          </a:p>
+        </p:txBody>
+      </p:sp>
+      <p:cxnSp>
+        <p:nvCxnSpPr>
+          <p:cNvPr id="11" name="Gerader Verbinder 10">
+            <a:extLst>
+              <a:ext uri="{FF2B5EF4-FFF2-40B4-BE49-F238E27FC236}">
+                <a16:creationId xmlns:a16="http://schemas.microsoft.com/office/drawing/2014/main" id="{B0410906-36E3-4EAD-BF56-DBFBE70BB99D}"/>
+              </a:ext>
+            </a:extLst>
+          </p:cNvPr>
+          <p:cNvCxnSpPr>
+            <a:cxnSpLocks/>
+          </p:cNvCxnSpPr>
+          <p:nvPr/>
+        </p:nvCxnSpPr>
+        <p:spPr>
+          <a:xfrm>
+            <a:off x="1494526" y="2829719"/>
+            <a:ext cx="0" cy="0"/>
+          </a:xfrm>
+          <a:prstGeom prst="line">
+            <a:avLst/>
+          </a:prstGeom>
+        </p:spPr>
+        <p:style>
+          <a:lnRef idx="1">
+            <a:schemeClr val="accent1"/>
+          </a:lnRef>
+          <a:fillRef idx="0">
+            <a:schemeClr val="accent1"/>
+          </a:fillRef>
+          <a:effectRef idx="0">
+            <a:schemeClr val="accent1"/>
+          </a:effectRef>
+          <a:fontRef idx="minor">
+            <a:schemeClr val="tx1"/>
+          </a:fontRef>
+        </p:style>
+      </p:cxnSp>
+      <p:cxnSp>
+        <p:nvCxnSpPr>
+          <p:cNvPr id="14" name="Gerader Verbinder 13">
+            <a:extLst>
+              <a:ext uri="{FF2B5EF4-FFF2-40B4-BE49-F238E27FC236}">
+                <a16:creationId xmlns:a16="http://schemas.microsoft.com/office/drawing/2014/main" id="{D9626B63-CCBC-49E0-879B-35EC30327E0A}"/>
+              </a:ext>
+            </a:extLst>
+          </p:cNvPr>
+          <p:cNvCxnSpPr>
+            <a:cxnSpLocks/>
+          </p:cNvCxnSpPr>
+          <p:nvPr/>
+        </p:nvCxnSpPr>
+        <p:spPr>
+          <a:xfrm>
+            <a:off x="1365130" y="3751158"/>
+            <a:ext cx="0" cy="0"/>
+          </a:xfrm>
+          <a:prstGeom prst="line">
+            <a:avLst/>
+          </a:prstGeom>
+        </p:spPr>
+        <p:style>
+          <a:lnRef idx="1">
+            <a:schemeClr val="accent1"/>
+          </a:lnRef>
+          <a:fillRef idx="0">
+            <a:schemeClr val="accent1"/>
+          </a:fillRef>
+          <a:effectRef idx="0">
+            <a:schemeClr val="accent1"/>
+          </a:effectRef>
+          <a:fontRef idx="minor">
+            <a:schemeClr val="tx1"/>
+          </a:fontRef>
+        </p:style>
+      </p:cxnSp>
+      <p:sp>
+        <p:nvSpPr>
+          <p:cNvPr id="4" name="Textfeld 3">
+            <a:extLst>
+              <a:ext uri="{FF2B5EF4-FFF2-40B4-BE49-F238E27FC236}">
+                <a16:creationId xmlns:a16="http://schemas.microsoft.com/office/drawing/2014/main" id="{8FDBAD98-678F-4314-BCFC-5C9E7AAF69BD}"/>
+              </a:ext>
+            </a:extLst>
+          </p:cNvPr>
+          <p:cNvSpPr txBox="1"/>
+          <p:nvPr/>
+        </p:nvSpPr>
+        <p:spPr>
+          <a:xfrm>
+            <a:off x="747834" y="2424397"/>
+            <a:ext cx="7841411" cy="584775"/>
+          </a:xfrm>
+          <a:prstGeom prst="rect">
+            <a:avLst/>
+          </a:prstGeom>
+          <a:noFill/>
+        </p:spPr>
+        <p:txBody>
+          <a:bodyPr wrap="square" rtlCol="0">
+            <a:spAutoFit/>
+          </a:bodyPr>
+          <a:lstStyle/>
+          <a:p>
+            <a:endParaRPr lang="de-AT" sz="3200" dirty="0">
+              <a:latin typeface="Franklin Gothic Book" panose="020B0503020102020204" pitchFamily="34" charset="0"/>
+            </a:endParaRPr>
+          </a:p>
+        </p:txBody>
+      </p:sp>
+      <p:pic>
+        <p:nvPicPr>
+          <p:cNvPr id="9" name="Grafik 8">
+            <a:extLst>
+              <a:ext uri="{FF2B5EF4-FFF2-40B4-BE49-F238E27FC236}">
+                <a16:creationId xmlns:a16="http://schemas.microsoft.com/office/drawing/2014/main" id="{6D402F64-C2CC-63CD-C812-986764372DAB}"/>
+              </a:ext>
+            </a:extLst>
+          </p:cNvPr>
+          <p:cNvPicPr>
+            <a:picLocks noChangeAspect="1"/>
+          </p:cNvPicPr>
+          <p:nvPr/>
+        </p:nvPicPr>
+        <p:blipFill>
+          <a:blip r:embed="rId2"/>
+          <a:stretch>
+            <a:fillRect/>
+          </a:stretch>
+        </p:blipFill>
+        <p:spPr>
+          <a:xfrm>
+            <a:off x="747834" y="1124443"/>
+            <a:ext cx="3589331" cy="5448772"/>
+          </a:xfrm>
+          <a:prstGeom prst="rect">
+            <a:avLst/>
+          </a:prstGeom>
+          <a:ln w="38100">
+            <a:solidFill>
+              <a:schemeClr val="accent4">
+                <a:lumMod val="60000"/>
+                <a:lumOff val="40000"/>
+              </a:schemeClr>
+            </a:solidFill>
+          </a:ln>
+        </p:spPr>
+      </p:pic>
+      <p:pic>
+        <p:nvPicPr>
+          <p:cNvPr id="10" name="Grafik 9">
+            <a:extLst>
+              <a:ext uri="{FF2B5EF4-FFF2-40B4-BE49-F238E27FC236}">
+                <a16:creationId xmlns:a16="http://schemas.microsoft.com/office/drawing/2014/main" id="{33BB6D83-8F74-CDBE-F1E9-A96430A13F4F}"/>
+              </a:ext>
+            </a:extLst>
+          </p:cNvPr>
+          <p:cNvPicPr>
+            <a:picLocks noChangeAspect="1"/>
+          </p:cNvPicPr>
+          <p:nvPr/>
+        </p:nvPicPr>
+        <p:blipFill>
+          <a:blip r:embed="rId3"/>
+          <a:stretch>
+            <a:fillRect/>
+          </a:stretch>
+        </p:blipFill>
+        <p:spPr>
+          <a:xfrm>
+            <a:off x="4806837" y="1555890"/>
+            <a:ext cx="3718882" cy="4092295"/>
+          </a:xfrm>
+          <a:prstGeom prst="rect">
+            <a:avLst/>
+          </a:prstGeom>
+          <a:ln w="38100">
+            <a:solidFill>
+              <a:schemeClr val="accent4">
+                <a:lumMod val="60000"/>
+                <a:lumOff val="40000"/>
+              </a:schemeClr>
+            </a:solidFill>
+          </a:ln>
+        </p:spPr>
+      </p:pic>
+    </p:spTree>
+    <p:extLst>
+      <p:ext uri="{BB962C8B-B14F-4D97-AF65-F5344CB8AC3E}">
+        <p14:creationId xmlns:p14="http://schemas.microsoft.com/office/powerpoint/2010/main" val="3705468838"/>
+      </p:ext>
+    </p:extLst>
+  </p:cSld>
+  <p:clrMapOvr>
+    <a:masterClrMapping/>
+  </p:clrMapOvr>
+</p:sld>
+</file>
+
+<file path=ppt/slides/slide16.xml><?xml version="1.0" encoding="utf-8"?>
+<p:sld xmlns:a="http://schemas.openxmlformats.org/drawingml/2006/main" xmlns:r="http://schemas.openxmlformats.org/officeDocument/2006/relationships" xmlns:p="http://schemas.openxmlformats.org/presentationml/2006/main">
+  <p:cSld>
+    <p:spTree>
+      <p:nvGrpSpPr>
+        <p:cNvPr id="1" name=""/>
+        <p:cNvGrpSpPr/>
+        <p:nvPr/>
+      </p:nvGrpSpPr>
+      <p:grpSpPr>
+        <a:xfrm>
+          <a:off x="0" y="0"/>
+          <a:ext cx="0" cy="0"/>
+          <a:chOff x="0" y="0"/>
+          <a:chExt cx="0" cy="0"/>
+        </a:xfrm>
+      </p:grpSpPr>
+      <p:sp>
+        <p:nvSpPr>
+          <p:cNvPr id="6" name="Rechteck 5">
+            <a:extLst>
+              <a:ext uri="{FF2B5EF4-FFF2-40B4-BE49-F238E27FC236}">
+                <a16:creationId xmlns:a16="http://schemas.microsoft.com/office/drawing/2014/main" id="{0DE504A7-6DD8-4D73-96D4-CFB09F9D6897}"/>
+              </a:ext>
+            </a:extLst>
+          </p:cNvPr>
+          <p:cNvSpPr/>
+          <p:nvPr/>
+        </p:nvSpPr>
+        <p:spPr>
+          <a:xfrm>
+            <a:off x="0" y="0"/>
+            <a:ext cx="9144000" cy="888521"/>
+          </a:xfrm>
+          <a:prstGeom prst="rect">
+            <a:avLst/>
+          </a:prstGeom>
+        </p:spPr>
+        <p:style>
+          <a:lnRef idx="2">
+            <a:schemeClr val="accent4">
+              <a:shade val="50000"/>
+            </a:schemeClr>
+          </a:lnRef>
+          <a:fillRef idx="1">
+            <a:schemeClr val="accent4"/>
+          </a:fillRef>
+          <a:effectRef idx="0">
+            <a:schemeClr val="accent4"/>
+          </a:effectRef>
+          <a:fontRef idx="minor">
+            <a:schemeClr val="lt1"/>
+          </a:fontRef>
+        </p:style>
+        <p:txBody>
+          <a:bodyPr rtlCol="0" anchor="ctr"/>
+          <a:lstStyle/>
+          <a:p>
+            <a:pPr algn="ctr"/>
+            <a:endParaRPr lang="de-AT"/>
+          </a:p>
+        </p:txBody>
+      </p:sp>
+      <p:sp>
+        <p:nvSpPr>
+          <p:cNvPr id="2" name="Titel 1">
+            <a:extLst>
+              <a:ext uri="{FF2B5EF4-FFF2-40B4-BE49-F238E27FC236}">
+                <a16:creationId xmlns:a16="http://schemas.microsoft.com/office/drawing/2014/main" id="{A98C967C-2AA5-4E8F-9FB4-A21960A1E60C}"/>
+              </a:ext>
+            </a:extLst>
+          </p:cNvPr>
+          <p:cNvSpPr>
+            <a:spLocks noGrp="1"/>
+          </p:cNvSpPr>
+          <p:nvPr>
+            <p:ph type="ctrTitle"/>
+          </p:nvPr>
+        </p:nvSpPr>
+        <p:spPr>
+          <a:xfrm>
+            <a:off x="486379" y="103914"/>
+            <a:ext cx="8364323" cy="685965"/>
+          </a:xfrm>
+        </p:spPr>
+        <p:txBody>
+          <a:bodyPr>
+            <a:normAutofit/>
+          </a:bodyPr>
+          <a:lstStyle/>
+          <a:p>
+            <a:r>
+              <a:rPr kumimoji="0" lang="de-DE" sz="4000" b="1" i="0" u="none" strike="noStrike" kern="1200" cap="none" spc="0" normalizeH="0" baseline="0" noProof="0" dirty="0" err="1">
+                <a:ln>
+                  <a:noFill/>
+                </a:ln>
+                <a:solidFill>
+                  <a:prstClr val="white"/>
+                </a:solidFill>
+                <a:effectLst>
+                  <a:outerShdw blurRad="38100" dist="38100" dir="2700000" algn="tl">
+                    <a:srgbClr val="000000">
+                      <a:alpha val="43137"/>
+                    </a:srgbClr>
+                  </a:outerShdw>
+                </a:effectLst>
+                <a:uLnTx/>
+                <a:uFillTx/>
+                <a:latin typeface="Arial" pitchFamily="34" charset="0"/>
+                <a:ea typeface="+mj-ea"/>
+                <a:cs typeface="Arial" pitchFamily="34" charset="0"/>
+              </a:rPr>
+              <a:t>Linked</a:t>
+            </a:r>
+            <a:r>
+              <a:rPr kumimoji="0" lang="de-DE" sz="4000" b="1" i="0" u="none" strike="noStrike" kern="1200" cap="none" spc="0" normalizeH="0" baseline="0" noProof="0" dirty="0">
+                <a:ln>
+                  <a:noFill/>
+                </a:ln>
+                <a:solidFill>
+                  <a:prstClr val="white"/>
+                </a:solidFill>
+                <a:effectLst>
+                  <a:outerShdw blurRad="38100" dist="38100" dir="2700000" algn="tl">
+                    <a:srgbClr val="000000">
+                      <a:alpha val="43137"/>
+                    </a:srgbClr>
+                  </a:outerShdw>
+                </a:effectLst>
+                <a:uLnTx/>
+                <a:uFillTx/>
+                <a:latin typeface="Arial" pitchFamily="34" charset="0"/>
+                <a:ea typeface="+mj-ea"/>
+                <a:cs typeface="Arial" pitchFamily="34" charset="0"/>
+              </a:rPr>
+              <a:t> List in C: </a:t>
+            </a:r>
+            <a:r>
+              <a:rPr kumimoji="0" lang="de-DE" sz="4000" b="1" i="0" u="none" strike="noStrike" kern="1200" cap="none" spc="0" normalizeH="0" baseline="0" noProof="0" dirty="0" err="1">
+                <a:ln>
+                  <a:noFill/>
+                </a:ln>
+                <a:solidFill>
+                  <a:prstClr val="white"/>
+                </a:solidFill>
+                <a:effectLst>
+                  <a:outerShdw blurRad="38100" dist="38100" dir="2700000" algn="tl">
+                    <a:srgbClr val="000000">
+                      <a:alpha val="43137"/>
+                    </a:srgbClr>
+                  </a:outerShdw>
+                </a:effectLst>
+                <a:uLnTx/>
+                <a:uFillTx/>
+                <a:latin typeface="Arial" pitchFamily="34" charset="0"/>
+                <a:ea typeface="+mj-ea"/>
+                <a:cs typeface="Arial" pitchFamily="34" charset="0"/>
+              </a:rPr>
+              <a:t>Important</a:t>
+            </a:r>
+            <a:r>
+              <a:rPr kumimoji="0" lang="de-DE" sz="4000" b="1" i="0" u="none" strike="noStrike" kern="1200" cap="none" spc="0" normalizeH="0" baseline="0" noProof="0" dirty="0">
+                <a:ln>
+                  <a:noFill/>
+                </a:ln>
+                <a:solidFill>
+                  <a:prstClr val="white"/>
+                </a:solidFill>
+                <a:effectLst>
+                  <a:outerShdw blurRad="38100" dist="38100" dir="2700000" algn="tl">
+                    <a:srgbClr val="000000">
+                      <a:alpha val="43137"/>
+                    </a:srgbClr>
+                  </a:outerShdw>
+                </a:effectLst>
+                <a:uLnTx/>
+                <a:uFillTx/>
+                <a:latin typeface="Arial" pitchFamily="34" charset="0"/>
+                <a:ea typeface="+mj-ea"/>
+                <a:cs typeface="Arial" pitchFamily="34" charset="0"/>
+              </a:rPr>
+              <a:t> </a:t>
+            </a:r>
+            <a:endParaRPr lang="de-AT" sz="4000" dirty="0"/>
+          </a:p>
+        </p:txBody>
+      </p:sp>
+      <p:sp>
+        <p:nvSpPr>
+          <p:cNvPr id="3" name="Untertitel 2">
+            <a:extLst>
+              <a:ext uri="{FF2B5EF4-FFF2-40B4-BE49-F238E27FC236}">
+                <a16:creationId xmlns:a16="http://schemas.microsoft.com/office/drawing/2014/main" id="{68C81C8E-B322-43F6-84A0-F611E923DEAA}"/>
+              </a:ext>
+            </a:extLst>
+          </p:cNvPr>
+          <p:cNvSpPr>
+            <a:spLocks noGrp="1"/>
+          </p:cNvSpPr>
+          <p:nvPr>
+            <p:ph type="subTitle" idx="1"/>
+          </p:nvPr>
+        </p:nvSpPr>
+        <p:spPr/>
+        <p:txBody>
+          <a:bodyPr/>
+          <a:lstStyle/>
+          <a:p>
+            <a:endParaRPr lang="de-AT"/>
+          </a:p>
+        </p:txBody>
+      </p:sp>
+      <p:sp>
+        <p:nvSpPr>
+          <p:cNvPr id="8" name="Rechteck 7">
+            <a:extLst>
+              <a:ext uri="{FF2B5EF4-FFF2-40B4-BE49-F238E27FC236}">
+                <a16:creationId xmlns:a16="http://schemas.microsoft.com/office/drawing/2014/main" id="{192452E4-F7BE-4F5C-BF08-ED9E5D6F57F1}"/>
+              </a:ext>
+            </a:extLst>
+          </p:cNvPr>
+          <p:cNvSpPr/>
+          <p:nvPr/>
+        </p:nvSpPr>
+        <p:spPr>
+          <a:xfrm>
+            <a:off x="0" y="916513"/>
+            <a:ext cx="9144000" cy="5969479"/>
+          </a:xfrm>
+          <a:prstGeom prst="rect">
+            <a:avLst/>
+          </a:prstGeom>
+        </p:spPr>
+        <p:style>
+          <a:lnRef idx="2">
+            <a:schemeClr val="accent6"/>
+          </a:lnRef>
+          <a:fillRef idx="1">
+            <a:schemeClr val="lt1"/>
+          </a:fillRef>
+          <a:effectRef idx="0">
+            <a:schemeClr val="accent6"/>
+          </a:effectRef>
+          <a:fontRef idx="minor">
+            <a:schemeClr val="dk1"/>
+          </a:fontRef>
+        </p:style>
+        <p:txBody>
+          <a:bodyPr rtlCol="0" anchor="ctr"/>
+          <a:lstStyle/>
+          <a:p>
+            <a:pPr algn="ctr"/>
+            <a:endParaRPr lang="de-AT" dirty="0"/>
+          </a:p>
+        </p:txBody>
+      </p:sp>
+      <p:cxnSp>
+        <p:nvCxnSpPr>
+          <p:cNvPr id="11" name="Gerader Verbinder 10">
+            <a:extLst>
+              <a:ext uri="{FF2B5EF4-FFF2-40B4-BE49-F238E27FC236}">
+                <a16:creationId xmlns:a16="http://schemas.microsoft.com/office/drawing/2014/main" id="{B0410906-36E3-4EAD-BF56-DBFBE70BB99D}"/>
+              </a:ext>
+            </a:extLst>
+          </p:cNvPr>
+          <p:cNvCxnSpPr>
+            <a:cxnSpLocks/>
+          </p:cNvCxnSpPr>
+          <p:nvPr/>
+        </p:nvCxnSpPr>
+        <p:spPr>
+          <a:xfrm>
+            <a:off x="1494526" y="2829719"/>
+            <a:ext cx="0" cy="0"/>
+          </a:xfrm>
+          <a:prstGeom prst="line">
+            <a:avLst/>
+          </a:prstGeom>
+        </p:spPr>
+        <p:style>
+          <a:lnRef idx="1">
+            <a:schemeClr val="accent1"/>
+          </a:lnRef>
+          <a:fillRef idx="0">
+            <a:schemeClr val="accent1"/>
+          </a:fillRef>
+          <a:effectRef idx="0">
+            <a:schemeClr val="accent1"/>
+          </a:effectRef>
+          <a:fontRef idx="minor">
+            <a:schemeClr val="tx1"/>
+          </a:fontRef>
+        </p:style>
+      </p:cxnSp>
+      <p:cxnSp>
+        <p:nvCxnSpPr>
+          <p:cNvPr id="14" name="Gerader Verbinder 13">
+            <a:extLst>
+              <a:ext uri="{FF2B5EF4-FFF2-40B4-BE49-F238E27FC236}">
+                <a16:creationId xmlns:a16="http://schemas.microsoft.com/office/drawing/2014/main" id="{D9626B63-CCBC-49E0-879B-35EC30327E0A}"/>
+              </a:ext>
+            </a:extLst>
+          </p:cNvPr>
+          <p:cNvCxnSpPr>
+            <a:cxnSpLocks/>
+          </p:cNvCxnSpPr>
+          <p:nvPr/>
+        </p:nvCxnSpPr>
+        <p:spPr>
+          <a:xfrm>
+            <a:off x="1365130" y="3751158"/>
+            <a:ext cx="0" cy="0"/>
+          </a:xfrm>
+          <a:prstGeom prst="line">
+            <a:avLst/>
+          </a:prstGeom>
+        </p:spPr>
+        <p:style>
+          <a:lnRef idx="1">
+            <a:schemeClr val="accent1"/>
+          </a:lnRef>
+          <a:fillRef idx="0">
+            <a:schemeClr val="accent1"/>
+          </a:fillRef>
+          <a:effectRef idx="0">
+            <a:schemeClr val="accent1"/>
+          </a:effectRef>
+          <a:fontRef idx="minor">
+            <a:schemeClr val="tx1"/>
+          </a:fontRef>
+        </p:style>
+      </p:cxnSp>
+      <p:sp>
+        <p:nvSpPr>
+          <p:cNvPr id="4" name="Textfeld 3">
+            <a:extLst>
+              <a:ext uri="{FF2B5EF4-FFF2-40B4-BE49-F238E27FC236}">
+                <a16:creationId xmlns:a16="http://schemas.microsoft.com/office/drawing/2014/main" id="{8FDBAD98-678F-4314-BCFC-5C9E7AAF69BD}"/>
+              </a:ext>
+            </a:extLst>
+          </p:cNvPr>
+          <p:cNvSpPr txBox="1"/>
+          <p:nvPr/>
+        </p:nvSpPr>
+        <p:spPr>
+          <a:xfrm>
+            <a:off x="747834" y="2424397"/>
+            <a:ext cx="7841411" cy="584775"/>
+          </a:xfrm>
+          <a:prstGeom prst="rect">
+            <a:avLst/>
+          </a:prstGeom>
+          <a:noFill/>
+        </p:spPr>
+        <p:txBody>
+          <a:bodyPr wrap="square" rtlCol="0">
+            <a:spAutoFit/>
+          </a:bodyPr>
+          <a:lstStyle/>
+          <a:p>
+            <a:endParaRPr lang="de-AT" sz="3200" dirty="0">
+              <a:latin typeface="Franklin Gothic Book" panose="020B0503020102020204" pitchFamily="34" charset="0"/>
+            </a:endParaRPr>
+          </a:p>
+        </p:txBody>
+      </p:sp>
+      <p:pic>
+        <p:nvPicPr>
+          <p:cNvPr id="7" name="Grafik 6">
+            <a:extLst>
+              <a:ext uri="{FF2B5EF4-FFF2-40B4-BE49-F238E27FC236}">
+                <a16:creationId xmlns:a16="http://schemas.microsoft.com/office/drawing/2014/main" id="{49B2BDD6-4A8C-5968-050A-838BC395C8F5}"/>
+              </a:ext>
+            </a:extLst>
+          </p:cNvPr>
+          <p:cNvPicPr>
+            <a:picLocks noChangeAspect="1"/>
+          </p:cNvPicPr>
+          <p:nvPr/>
+        </p:nvPicPr>
+        <p:blipFill>
+          <a:blip r:embed="rId2"/>
+          <a:stretch>
+            <a:fillRect/>
+          </a:stretch>
+        </p:blipFill>
+        <p:spPr>
+          <a:xfrm>
+            <a:off x="1143000" y="1209222"/>
+            <a:ext cx="3755988" cy="5384059"/>
+          </a:xfrm>
+          <a:prstGeom prst="rect">
+            <a:avLst/>
+          </a:prstGeom>
+          <a:ln w="38100">
+            <a:solidFill>
+              <a:schemeClr val="accent4">
+                <a:lumMod val="60000"/>
+                <a:lumOff val="40000"/>
+              </a:schemeClr>
+            </a:solidFill>
+          </a:ln>
+        </p:spPr>
+      </p:pic>
+      <p:pic>
+        <p:nvPicPr>
+          <p:cNvPr id="15" name="Grafik 14">
+            <a:extLst>
+              <a:ext uri="{FF2B5EF4-FFF2-40B4-BE49-F238E27FC236}">
+                <a16:creationId xmlns:a16="http://schemas.microsoft.com/office/drawing/2014/main" id="{814D51B5-1C82-06BA-46F4-BDAB559AD753}"/>
+              </a:ext>
+            </a:extLst>
+          </p:cNvPr>
+          <p:cNvPicPr>
+            <a:picLocks noChangeAspect="1"/>
+          </p:cNvPicPr>
+          <p:nvPr/>
+        </p:nvPicPr>
+        <p:blipFill>
+          <a:blip r:embed="rId3"/>
+          <a:stretch>
+            <a:fillRect/>
+          </a:stretch>
+        </p:blipFill>
+        <p:spPr>
+          <a:xfrm>
+            <a:off x="5288247" y="1928422"/>
+            <a:ext cx="2842506" cy="3840813"/>
+          </a:xfrm>
+          <a:prstGeom prst="rect">
+            <a:avLst/>
+          </a:prstGeom>
+          <a:ln w="38100">
+            <a:solidFill>
+              <a:schemeClr val="accent4">
+                <a:lumMod val="60000"/>
+                <a:lumOff val="40000"/>
+              </a:schemeClr>
+            </a:solidFill>
+          </a:ln>
+        </p:spPr>
+      </p:pic>
+    </p:spTree>
+    <p:extLst>
+      <p:ext uri="{BB962C8B-B14F-4D97-AF65-F5344CB8AC3E}">
+        <p14:creationId xmlns:p14="http://schemas.microsoft.com/office/powerpoint/2010/main" val="3727169256"/>
       </p:ext>
     </p:extLst>
   </p:cSld>
